--- a/PPT./pre.v3.pptx
+++ b/PPT./pre.v3.pptx
@@ -5,16 +5,17 @@
     <p:sldMasterId id="2147483648" r:id="rId1"/>
   </p:sldMasterIdLst>
   <p:sldIdLst>
-    <p:sldId id="256" r:id="rId3"/>
-    <p:sldId id="257" r:id="rId4"/>
-    <p:sldId id="258" r:id="rId5"/>
-    <p:sldId id="260" r:id="rId6"/>
-    <p:sldId id="259" r:id="rId7"/>
+    <p:sldId id="256" r:id="rId2"/>
+    <p:sldId id="257" r:id="rId3"/>
+    <p:sldId id="258" r:id="rId4"/>
+    <p:sldId id="260" r:id="rId5"/>
+    <p:sldId id="259" r:id="rId6"/>
+    <p:sldId id="261" r:id="rId7"/>
   </p:sldIdLst>
   <p:sldSz cx="12192000" cy="6858000"/>
   <p:notesSz cx="6858000" cy="9144000"/>
   <p:custDataLst>
-    <p:tags r:id="rId11"/>
+    <p:tags r:id="rId8"/>
   </p:custDataLst>
   <p:defaultTextStyle>
     <a:defPPr>
@@ -126,6 +127,9 @@
         </p15:guide>
       </p15:sldGuideLst>
     </p:ext>
+    <p:ext uri="{2D200454-40CA-4A62-9FC3-DE9A4176ACB9}">
+      <p15:notesGuideLst xmlns:p15="http://schemas.microsoft.com/office/powerpoint/2012/main"/>
+    </p:ext>
   </p:extLst>
 </p:presentation>
 </file>
@@ -156,7 +160,7 @@
           <p:nvPr>
             <p:ph type="ctrTitle"/>
             <p:custDataLst>
-              <p:tags r:id="rId2"/>
+              <p:tags r:id="rId1"/>
             </p:custDataLst>
           </p:nvPr>
         </p:nvSpPr>
@@ -180,7 +184,6 @@
               <a:rPr lang="zh-CN" altLang="en-US" dirty="0"/>
               <a:t>单击此处编辑母版标题样式</a:t>
             </a:r>
-            <a:endParaRPr lang="zh-CN" altLang="en-US" dirty="0"/>
           </a:p>
         </p:txBody>
       </p:sp>
@@ -193,7 +196,7 @@
           <p:nvPr>
             <p:ph type="subTitle" idx="1"/>
             <p:custDataLst>
-              <p:tags r:id="rId3"/>
+              <p:tags r:id="rId2"/>
             </p:custDataLst>
           </p:nvPr>
         </p:nvSpPr>
@@ -253,7 +256,6 @@
               <a:rPr lang="zh-CN" altLang="en-US" dirty="0"/>
               <a:t>单击此处编辑母版副标题样式</a:t>
             </a:r>
-            <a:endParaRPr lang="zh-CN" altLang="en-US" dirty="0"/>
           </a:p>
         </p:txBody>
       </p:sp>
@@ -266,7 +268,7 @@
           <p:nvPr>
             <p:ph type="dt" sz="half" idx="10"/>
             <p:custDataLst>
-              <p:tags r:id="rId4"/>
+              <p:tags r:id="rId3"/>
             </p:custDataLst>
           </p:nvPr>
         </p:nvSpPr>
@@ -277,6 +279,7 @@
           <a:p>
             <a:fld id="{760FBDFE-C587-4B4C-A407-44438C67B59E}" type="datetimeFigureOut">
               <a:rPr lang="zh-CN" altLang="en-US" smtClean="0"/>
+              <a:t>2024/3/11</a:t>
             </a:fld>
             <a:endParaRPr lang="zh-CN" altLang="en-US"/>
           </a:p>
@@ -291,29 +294,29 @@
           <p:nvPr>
             <p:ph type="ftr" sz="quarter" idx="11"/>
             <p:custDataLst>
+              <p:tags r:id="rId4"/>
+            </p:custDataLst>
+          </p:nvPr>
+        </p:nvSpPr>
+        <p:spPr/>
+        <p:txBody>
+          <a:bodyPr/>
+          <a:lstStyle/>
+          <a:p>
+            <a:endParaRPr lang="zh-CN" altLang="en-US" dirty="0"/>
+          </a:p>
+        </p:txBody>
+      </p:sp>
+      <p:sp>
+        <p:nvSpPr>
+          <p:cNvPr id="18" name="灯片编号占位符 17"/>
+          <p:cNvSpPr>
+            <a:spLocks noGrp="1"/>
+          </p:cNvSpPr>
+          <p:nvPr>
+            <p:ph type="sldNum" sz="quarter" idx="12"/>
+            <p:custDataLst>
               <p:tags r:id="rId5"/>
-            </p:custDataLst>
-          </p:nvPr>
-        </p:nvSpPr>
-        <p:spPr/>
-        <p:txBody>
-          <a:bodyPr/>
-          <a:lstStyle/>
-          <a:p>
-            <a:endParaRPr lang="zh-CN" altLang="en-US" dirty="0"/>
-          </a:p>
-        </p:txBody>
-      </p:sp>
-      <p:sp>
-        <p:nvSpPr>
-          <p:cNvPr id="18" name="灯片编号占位符 17"/>
-          <p:cNvSpPr>
-            <a:spLocks noGrp="1"/>
-          </p:cNvSpPr>
-          <p:nvPr>
-            <p:ph type="sldNum" sz="quarter" idx="12"/>
-            <p:custDataLst>
-              <p:tags r:id="rId6"/>
             </p:custDataLst>
           </p:nvPr>
         </p:nvSpPr>
@@ -324,6 +327,7 @@
           <a:p>
             <a:fld id="{49AE70B2-8BF9-45C0-BB95-33D1B9D3A854}" type="slidenum">
               <a:rPr lang="zh-CN" altLang="en-US" smtClean="0"/>
+              <a:t>‹#›</a:t>
             </a:fld>
             <a:endParaRPr lang="zh-CN" altLang="en-US" dirty="0"/>
           </a:p>
@@ -363,7 +367,7 @@
           <p:nvPr>
             <p:ph type="dt" sz="half" idx="10"/>
             <p:custDataLst>
-              <p:tags r:id="rId2"/>
+              <p:tags r:id="rId1"/>
             </p:custDataLst>
           </p:nvPr>
         </p:nvSpPr>
@@ -374,6 +378,7 @@
           <a:p>
             <a:fld id="{760FBDFE-C587-4B4C-A407-44438C67B59E}" type="datetimeFigureOut">
               <a:rPr lang="zh-CN" altLang="en-US" smtClean="0"/>
+              <a:t>2024/3/11</a:t>
             </a:fld>
             <a:endParaRPr lang="zh-CN" altLang="en-US"/>
           </a:p>
@@ -388,29 +393,29 @@
           <p:nvPr>
             <p:ph type="ftr" sz="quarter" idx="11"/>
             <p:custDataLst>
+              <p:tags r:id="rId2"/>
+            </p:custDataLst>
+          </p:nvPr>
+        </p:nvSpPr>
+        <p:spPr/>
+        <p:txBody>
+          <a:bodyPr/>
+          <a:lstStyle/>
+          <a:p>
+            <a:endParaRPr lang="zh-CN" altLang="en-US"/>
+          </a:p>
+        </p:txBody>
+      </p:sp>
+      <p:sp>
+        <p:nvSpPr>
+          <p:cNvPr id="5" name="灯片编号占位符 4"/>
+          <p:cNvSpPr>
+            <a:spLocks noGrp="1"/>
+          </p:cNvSpPr>
+          <p:nvPr>
+            <p:ph type="sldNum" sz="quarter" idx="12"/>
+            <p:custDataLst>
               <p:tags r:id="rId3"/>
-            </p:custDataLst>
-          </p:nvPr>
-        </p:nvSpPr>
-        <p:spPr/>
-        <p:txBody>
-          <a:bodyPr/>
-          <a:lstStyle/>
-          <a:p>
-            <a:endParaRPr lang="zh-CN" altLang="en-US"/>
-          </a:p>
-        </p:txBody>
-      </p:sp>
-      <p:sp>
-        <p:nvSpPr>
-          <p:cNvPr id="5" name="灯片编号占位符 4"/>
-          <p:cNvSpPr>
-            <a:spLocks noGrp="1"/>
-          </p:cNvSpPr>
-          <p:nvPr>
-            <p:ph type="sldNum" sz="quarter" idx="12"/>
-            <p:custDataLst>
-              <p:tags r:id="rId4"/>
             </p:custDataLst>
           </p:nvPr>
         </p:nvSpPr>
@@ -421,6 +426,7 @@
           <a:p>
             <a:fld id="{49AE70B2-8BF9-45C0-BB95-33D1B9D3A854}" type="slidenum">
               <a:rPr lang="zh-CN" altLang="en-US" smtClean="0"/>
+              <a:t>‹#›</a:t>
             </a:fld>
             <a:endParaRPr lang="zh-CN" altLang="en-US"/>
           </a:p>
@@ -435,7 +441,7 @@
           <p:nvPr>
             <p:ph sz="quarter" idx="13"/>
             <p:custDataLst>
-              <p:tags r:id="rId5"/>
+              <p:tags r:id="rId4"/>
             </p:custDataLst>
           </p:nvPr>
         </p:nvSpPr>
@@ -454,7 +460,6 @@
               <a:rPr lang="zh-CN" altLang="en-US" dirty="0"/>
               <a:t>单击此处编辑母版文本样式</a:t>
             </a:r>
-            <a:endParaRPr lang="zh-CN" altLang="en-US" dirty="0"/>
           </a:p>
           <a:p>
             <a:pPr lvl="1"/>
@@ -462,7 +467,6 @@
               <a:rPr lang="zh-CN" altLang="en-US" dirty="0"/>
               <a:t>第二级</a:t>
             </a:r>
-            <a:endParaRPr lang="zh-CN" altLang="en-US" dirty="0"/>
           </a:p>
           <a:p>
             <a:pPr lvl="2"/>
@@ -470,7 +474,6 @@
               <a:rPr lang="zh-CN" altLang="en-US" dirty="0"/>
               <a:t>第三级</a:t>
             </a:r>
-            <a:endParaRPr lang="zh-CN" altLang="en-US" dirty="0"/>
           </a:p>
           <a:p>
             <a:pPr lvl="3"/>
@@ -478,7 +481,6 @@
               <a:rPr lang="zh-CN" altLang="en-US" dirty="0"/>
               <a:t>第四级</a:t>
             </a:r>
-            <a:endParaRPr lang="zh-CN" altLang="en-US" dirty="0"/>
           </a:p>
           <a:p>
             <a:pPr lvl="4"/>
@@ -486,7 +488,6 @@
               <a:rPr lang="zh-CN" altLang="en-US" dirty="0"/>
               <a:t>第五级</a:t>
             </a:r>
-            <a:endParaRPr lang="zh-CN" altLang="en-US" dirty="0"/>
           </a:p>
         </p:txBody>
       </p:sp>
@@ -524,7 +525,7 @@
           <p:nvPr>
             <p:ph type="dt" sz="half" idx="10"/>
             <p:custDataLst>
-              <p:tags r:id="rId2"/>
+              <p:tags r:id="rId1"/>
             </p:custDataLst>
           </p:nvPr>
         </p:nvSpPr>
@@ -535,6 +536,7 @@
           <a:p>
             <a:fld id="{760FBDFE-C587-4B4C-A407-44438C67B59E}" type="datetimeFigureOut">
               <a:rPr lang="zh-CN" altLang="en-US" smtClean="0"/>
+              <a:t>2024/3/11</a:t>
             </a:fld>
             <a:endParaRPr lang="zh-CN" altLang="en-US"/>
           </a:p>
@@ -549,29 +551,29 @@
           <p:nvPr>
             <p:ph type="ftr" sz="quarter" idx="11"/>
             <p:custDataLst>
+              <p:tags r:id="rId2"/>
+            </p:custDataLst>
+          </p:nvPr>
+        </p:nvSpPr>
+        <p:spPr/>
+        <p:txBody>
+          <a:bodyPr/>
+          <a:lstStyle/>
+          <a:p>
+            <a:endParaRPr lang="zh-CN" altLang="en-US"/>
+          </a:p>
+        </p:txBody>
+      </p:sp>
+      <p:sp>
+        <p:nvSpPr>
+          <p:cNvPr id="5" name="灯片编号占位符 4"/>
+          <p:cNvSpPr>
+            <a:spLocks noGrp="1"/>
+          </p:cNvSpPr>
+          <p:nvPr>
+            <p:ph type="sldNum" sz="quarter" idx="12"/>
+            <p:custDataLst>
               <p:tags r:id="rId3"/>
-            </p:custDataLst>
-          </p:nvPr>
-        </p:nvSpPr>
-        <p:spPr/>
-        <p:txBody>
-          <a:bodyPr/>
-          <a:lstStyle/>
-          <a:p>
-            <a:endParaRPr lang="zh-CN" altLang="en-US"/>
-          </a:p>
-        </p:txBody>
-      </p:sp>
-      <p:sp>
-        <p:nvSpPr>
-          <p:cNvPr id="5" name="灯片编号占位符 4"/>
-          <p:cNvSpPr>
-            <a:spLocks noGrp="1"/>
-          </p:cNvSpPr>
-          <p:nvPr>
-            <p:ph type="sldNum" sz="quarter" idx="12"/>
-            <p:custDataLst>
-              <p:tags r:id="rId4"/>
             </p:custDataLst>
           </p:nvPr>
         </p:nvSpPr>
@@ -582,6 +584,7 @@
           <a:p>
             <a:fld id="{49AE70B2-8BF9-45C0-BB95-33D1B9D3A854}" type="slidenum">
               <a:rPr lang="zh-CN" altLang="en-US" smtClean="0"/>
+              <a:t>‹#›</a:t>
             </a:fld>
             <a:endParaRPr lang="zh-CN" altLang="en-US"/>
           </a:p>
@@ -596,7 +599,7 @@
           <p:nvPr>
             <p:ph type="title" hasCustomPrompt="1"/>
             <p:custDataLst>
-              <p:tags r:id="rId5"/>
+              <p:tags r:id="rId4"/>
             </p:custDataLst>
           </p:nvPr>
         </p:nvSpPr>
@@ -618,10 +621,9 @@
           <a:p>
             <a:pPr lvl="0"/>
             <a:r>
-              <a:rPr lang="zh-CN" altLang="en-US" smtClean="0"/>
+              <a:rPr lang="zh-CN" altLang="en-US"/>
               <a:t>单击此处编辑标题</a:t>
             </a:r>
-            <a:endParaRPr lang="zh-CN" altLang="en-US"/>
           </a:p>
         </p:txBody>
       </p:sp>
@@ -634,7 +636,7 @@
           <p:nvPr>
             <p:ph type="body" sz="quarter" idx="13"/>
             <p:custDataLst>
-              <p:tags r:id="rId6"/>
+              <p:tags r:id="rId5"/>
             </p:custDataLst>
           </p:nvPr>
         </p:nvSpPr>
@@ -663,7 +665,6 @@
               <a:rPr lang="zh-CN" altLang="en-US" dirty="0"/>
               <a:t>单击此处编辑母版文本样式</a:t>
             </a:r>
-            <a:endParaRPr lang="zh-CN" altLang="en-US" dirty="0"/>
           </a:p>
         </p:txBody>
       </p:sp>
@@ -701,7 +702,7 @@
           <p:nvPr>
             <p:ph type="title"/>
             <p:custDataLst>
-              <p:tags r:id="rId2"/>
+              <p:tags r:id="rId1"/>
             </p:custDataLst>
           </p:nvPr>
         </p:nvSpPr>
@@ -719,10 +720,9 @@
           <a:p>
             <a:pPr lvl="0"/>
             <a:r>
-              <a:rPr lang="zh-CN" altLang="en-US" smtClean="0"/>
+              <a:rPr lang="zh-CN" altLang="en-US"/>
               <a:t>单击此处编辑母版标题样式</a:t>
             </a:r>
-            <a:endParaRPr lang="zh-CN" altLang="en-US"/>
           </a:p>
         </p:txBody>
       </p:sp>
@@ -735,7 +735,7 @@
           <p:nvPr>
             <p:ph idx="1"/>
             <p:custDataLst>
-              <p:tags r:id="rId3"/>
+              <p:tags r:id="rId2"/>
             </p:custDataLst>
           </p:nvPr>
         </p:nvSpPr>
@@ -753,42 +753,37 @@
           <a:p>
             <a:pPr lvl="0"/>
             <a:r>
-              <a:rPr lang="zh-CN" altLang="en-US" smtClean="0"/>
+              <a:rPr lang="zh-CN" altLang="en-US"/>
               <a:t>单击此处编辑母版文本样式</a:t>
             </a:r>
-            <a:endParaRPr lang="zh-CN" altLang="en-US" smtClean="0"/>
           </a:p>
           <a:p>
             <a:pPr lvl="1"/>
             <a:r>
-              <a:rPr lang="zh-CN" altLang="en-US" smtClean="0"/>
+              <a:rPr lang="zh-CN" altLang="en-US"/>
               <a:t>第二级</a:t>
             </a:r>
-            <a:endParaRPr lang="zh-CN" altLang="en-US" smtClean="0"/>
           </a:p>
           <a:p>
             <a:pPr lvl="2"/>
             <a:r>
-              <a:rPr lang="zh-CN" altLang="en-US" smtClean="0"/>
+              <a:rPr lang="zh-CN" altLang="en-US"/>
               <a:t>第三级</a:t>
             </a:r>
-            <a:endParaRPr lang="zh-CN" altLang="en-US" smtClean="0"/>
           </a:p>
           <a:p>
             <a:pPr lvl="3"/>
             <a:r>
-              <a:rPr lang="zh-CN" altLang="en-US" smtClean="0"/>
+              <a:rPr lang="zh-CN" altLang="en-US"/>
               <a:t>第四级</a:t>
             </a:r>
-            <a:endParaRPr lang="zh-CN" altLang="en-US" smtClean="0"/>
           </a:p>
           <a:p>
             <a:pPr lvl="4"/>
             <a:r>
-              <a:rPr lang="zh-CN" altLang="en-US" smtClean="0"/>
+              <a:rPr lang="zh-CN" altLang="en-US"/>
               <a:t>第五级</a:t>
             </a:r>
-            <a:endParaRPr lang="zh-CN" altLang="en-US"/>
           </a:p>
         </p:txBody>
       </p:sp>
@@ -801,7 +796,7 @@
           <p:nvPr>
             <p:ph type="dt" sz="half" idx="10"/>
             <p:custDataLst>
-              <p:tags r:id="rId4"/>
+              <p:tags r:id="rId3"/>
             </p:custDataLst>
           </p:nvPr>
         </p:nvSpPr>
@@ -812,6 +807,7 @@
           <a:p>
             <a:fld id="{760FBDFE-C587-4B4C-A407-44438C67B59E}" type="datetimeFigureOut">
               <a:rPr lang="zh-CN" altLang="en-US" smtClean="0"/>
+              <a:t>2024/3/11</a:t>
             </a:fld>
             <a:endParaRPr lang="zh-CN" altLang="en-US"/>
           </a:p>
@@ -826,29 +822,29 @@
           <p:nvPr>
             <p:ph type="ftr" sz="quarter" idx="11"/>
             <p:custDataLst>
+              <p:tags r:id="rId4"/>
+            </p:custDataLst>
+          </p:nvPr>
+        </p:nvSpPr>
+        <p:spPr/>
+        <p:txBody>
+          <a:bodyPr/>
+          <a:lstStyle/>
+          <a:p>
+            <a:endParaRPr lang="zh-CN" altLang="en-US"/>
+          </a:p>
+        </p:txBody>
+      </p:sp>
+      <p:sp>
+        <p:nvSpPr>
+          <p:cNvPr id="6" name="灯片编号占位符 5"/>
+          <p:cNvSpPr>
+            <a:spLocks noGrp="1"/>
+          </p:cNvSpPr>
+          <p:nvPr>
+            <p:ph type="sldNum" sz="quarter" idx="12"/>
+            <p:custDataLst>
               <p:tags r:id="rId5"/>
-            </p:custDataLst>
-          </p:nvPr>
-        </p:nvSpPr>
-        <p:spPr/>
-        <p:txBody>
-          <a:bodyPr/>
-          <a:lstStyle/>
-          <a:p>
-            <a:endParaRPr lang="zh-CN" altLang="en-US"/>
-          </a:p>
-        </p:txBody>
-      </p:sp>
-      <p:sp>
-        <p:nvSpPr>
-          <p:cNvPr id="6" name="灯片编号占位符 5"/>
-          <p:cNvSpPr>
-            <a:spLocks noGrp="1"/>
-          </p:cNvSpPr>
-          <p:nvPr>
-            <p:ph type="sldNum" sz="quarter" idx="12"/>
-            <p:custDataLst>
-              <p:tags r:id="rId6"/>
             </p:custDataLst>
           </p:nvPr>
         </p:nvSpPr>
@@ -859,6 +855,7 @@
           <a:p>
             <a:fld id="{49AE70B2-8BF9-45C0-BB95-33D1B9D3A854}" type="slidenum">
               <a:rPr lang="zh-CN" altLang="en-US" smtClean="0"/>
+              <a:t>‹#›</a:t>
             </a:fld>
             <a:endParaRPr lang="zh-CN" altLang="en-US"/>
           </a:p>
@@ -898,7 +895,7 @@
           <p:nvPr>
             <p:ph type="title" hasCustomPrompt="1"/>
             <p:custDataLst>
-              <p:tags r:id="rId2"/>
+              <p:tags r:id="rId1"/>
             </p:custDataLst>
           </p:nvPr>
         </p:nvSpPr>
@@ -922,7 +919,6 @@
               <a:rPr lang="zh-CN" altLang="en-US" dirty="0"/>
               <a:t>单击此处编辑标题</a:t>
             </a:r>
-            <a:endParaRPr lang="zh-CN" altLang="en-US" dirty="0"/>
           </a:p>
         </p:txBody>
       </p:sp>
@@ -935,7 +931,7 @@
           <p:nvPr>
             <p:ph type="body" idx="1" hasCustomPrompt="1"/>
             <p:custDataLst>
-              <p:tags r:id="rId3"/>
+              <p:tags r:id="rId2"/>
             </p:custDataLst>
           </p:nvPr>
         </p:nvSpPr>
@@ -1048,7 +1044,6 @@
               <a:rPr lang="zh-CN" altLang="en-US" dirty="0"/>
               <a:t>单击此处编辑文本</a:t>
             </a:r>
-            <a:endParaRPr lang="zh-CN" altLang="en-US" dirty="0"/>
           </a:p>
         </p:txBody>
       </p:sp>
@@ -1061,7 +1056,7 @@
           <p:nvPr>
             <p:ph type="dt" sz="half" idx="10"/>
             <p:custDataLst>
-              <p:tags r:id="rId4"/>
+              <p:tags r:id="rId3"/>
             </p:custDataLst>
           </p:nvPr>
         </p:nvSpPr>
@@ -1072,6 +1067,7 @@
           <a:p>
             <a:fld id="{760FBDFE-C587-4B4C-A407-44438C67B59E}" type="datetimeFigureOut">
               <a:rPr lang="zh-CN" altLang="en-US" smtClean="0"/>
+              <a:t>2024/3/11</a:t>
             </a:fld>
             <a:endParaRPr lang="zh-CN" altLang="en-US"/>
           </a:p>
@@ -1086,29 +1082,29 @@
           <p:nvPr>
             <p:ph type="ftr" sz="quarter" idx="11"/>
             <p:custDataLst>
+              <p:tags r:id="rId4"/>
+            </p:custDataLst>
+          </p:nvPr>
+        </p:nvSpPr>
+        <p:spPr/>
+        <p:txBody>
+          <a:bodyPr/>
+          <a:lstStyle/>
+          <a:p>
+            <a:endParaRPr lang="zh-CN" altLang="en-US"/>
+          </a:p>
+        </p:txBody>
+      </p:sp>
+      <p:sp>
+        <p:nvSpPr>
+          <p:cNvPr id="6" name="灯片编号占位符 5"/>
+          <p:cNvSpPr>
+            <a:spLocks noGrp="1"/>
+          </p:cNvSpPr>
+          <p:nvPr>
+            <p:ph type="sldNum" sz="quarter" idx="12"/>
+            <p:custDataLst>
               <p:tags r:id="rId5"/>
-            </p:custDataLst>
-          </p:nvPr>
-        </p:nvSpPr>
-        <p:spPr/>
-        <p:txBody>
-          <a:bodyPr/>
-          <a:lstStyle/>
-          <a:p>
-            <a:endParaRPr lang="zh-CN" altLang="en-US"/>
-          </a:p>
-        </p:txBody>
-      </p:sp>
-      <p:sp>
-        <p:nvSpPr>
-          <p:cNvPr id="6" name="灯片编号占位符 5"/>
-          <p:cNvSpPr>
-            <a:spLocks noGrp="1"/>
-          </p:cNvSpPr>
-          <p:nvPr>
-            <p:ph type="sldNum" sz="quarter" idx="12"/>
-            <p:custDataLst>
-              <p:tags r:id="rId6"/>
             </p:custDataLst>
           </p:nvPr>
         </p:nvSpPr>
@@ -1119,6 +1115,7 @@
           <a:p>
             <a:fld id="{49AE70B2-8BF9-45C0-BB95-33D1B9D3A854}" type="slidenum">
               <a:rPr lang="zh-CN" altLang="en-US" smtClean="0"/>
+              <a:t>‹#›</a:t>
             </a:fld>
             <a:endParaRPr lang="zh-CN" altLang="en-US"/>
           </a:p>
@@ -1158,7 +1155,7 @@
           <p:nvPr>
             <p:ph type="title"/>
             <p:custDataLst>
-              <p:tags r:id="rId2"/>
+              <p:tags r:id="rId1"/>
             </p:custDataLst>
           </p:nvPr>
         </p:nvSpPr>
@@ -1176,10 +1173,9 @@
           <a:p>
             <a:pPr lvl="0"/>
             <a:r>
-              <a:rPr lang="zh-CN" altLang="en-US" smtClean="0"/>
+              <a:rPr lang="zh-CN" altLang="en-US"/>
               <a:t>单击此处编辑母版标题样式</a:t>
             </a:r>
-            <a:endParaRPr lang="zh-CN" altLang="en-US"/>
           </a:p>
         </p:txBody>
       </p:sp>
@@ -1192,7 +1188,7 @@
           <p:nvPr>
             <p:ph sz="half" idx="1"/>
             <p:custDataLst>
-              <p:tags r:id="rId3"/>
+              <p:tags r:id="rId2"/>
             </p:custDataLst>
           </p:nvPr>
         </p:nvSpPr>
@@ -1210,42 +1206,37 @@
           <a:p>
             <a:pPr lvl="0"/>
             <a:r>
-              <a:rPr lang="zh-CN" altLang="en-US" smtClean="0"/>
+              <a:rPr lang="zh-CN" altLang="en-US"/>
               <a:t>单击此处编辑母版文本样式</a:t>
             </a:r>
-            <a:endParaRPr lang="zh-CN" altLang="en-US" smtClean="0"/>
           </a:p>
           <a:p>
             <a:pPr lvl="1"/>
             <a:r>
-              <a:rPr lang="zh-CN" altLang="en-US" smtClean="0"/>
+              <a:rPr lang="zh-CN" altLang="en-US"/>
               <a:t>第二级</a:t>
             </a:r>
-            <a:endParaRPr lang="zh-CN" altLang="en-US" smtClean="0"/>
           </a:p>
           <a:p>
             <a:pPr lvl="2"/>
             <a:r>
-              <a:rPr lang="zh-CN" altLang="en-US" smtClean="0"/>
+              <a:rPr lang="zh-CN" altLang="en-US"/>
               <a:t>第三级</a:t>
             </a:r>
-            <a:endParaRPr lang="zh-CN" altLang="en-US" smtClean="0"/>
           </a:p>
           <a:p>
             <a:pPr lvl="3"/>
             <a:r>
-              <a:rPr lang="zh-CN" altLang="en-US" smtClean="0"/>
+              <a:rPr lang="zh-CN" altLang="en-US"/>
               <a:t>第四级</a:t>
             </a:r>
-            <a:endParaRPr lang="zh-CN" altLang="en-US" smtClean="0"/>
           </a:p>
           <a:p>
             <a:pPr lvl="4"/>
             <a:r>
-              <a:rPr lang="zh-CN" altLang="en-US" smtClean="0"/>
+              <a:rPr lang="zh-CN" altLang="en-US"/>
               <a:t>第五级</a:t>
             </a:r>
-            <a:endParaRPr lang="zh-CN" altLang="en-US"/>
           </a:p>
         </p:txBody>
       </p:sp>
@@ -1258,7 +1249,7 @@
           <p:nvPr>
             <p:ph sz="half" idx="2"/>
             <p:custDataLst>
-              <p:tags r:id="rId4"/>
+              <p:tags r:id="rId3"/>
             </p:custDataLst>
           </p:nvPr>
         </p:nvSpPr>
@@ -1279,7 +1270,6 @@
               <a:rPr lang="zh-CN" altLang="en-US" dirty="0"/>
               <a:t>单击此处编辑母版文本样式</a:t>
             </a:r>
-            <a:endParaRPr lang="zh-CN" altLang="en-US" dirty="0"/>
           </a:p>
           <a:p>
             <a:pPr lvl="1"/>
@@ -1287,7 +1277,6 @@
               <a:rPr lang="zh-CN" altLang="en-US" dirty="0"/>
               <a:t>第二级</a:t>
             </a:r>
-            <a:endParaRPr lang="zh-CN" altLang="en-US" dirty="0"/>
           </a:p>
           <a:p>
             <a:pPr lvl="2"/>
@@ -1295,7 +1284,6 @@
               <a:rPr lang="zh-CN" altLang="en-US" dirty="0"/>
               <a:t>第三级</a:t>
             </a:r>
-            <a:endParaRPr lang="zh-CN" altLang="en-US" dirty="0"/>
           </a:p>
           <a:p>
             <a:pPr lvl="3"/>
@@ -1303,7 +1291,6 @@
               <a:rPr lang="zh-CN" altLang="en-US" dirty="0"/>
               <a:t>第四级</a:t>
             </a:r>
-            <a:endParaRPr lang="zh-CN" altLang="en-US" dirty="0"/>
           </a:p>
           <a:p>
             <a:pPr lvl="4"/>
@@ -1311,7 +1298,6 @@
               <a:rPr lang="zh-CN" altLang="en-US" dirty="0"/>
               <a:t>第五级</a:t>
             </a:r>
-            <a:endParaRPr lang="zh-CN" altLang="en-US" dirty="0"/>
           </a:p>
         </p:txBody>
       </p:sp>
@@ -1324,7 +1310,7 @@
           <p:nvPr>
             <p:ph type="dt" sz="half" idx="10"/>
             <p:custDataLst>
-              <p:tags r:id="rId5"/>
+              <p:tags r:id="rId4"/>
             </p:custDataLst>
           </p:nvPr>
         </p:nvSpPr>
@@ -1335,6 +1321,7 @@
           <a:p>
             <a:fld id="{760FBDFE-C587-4B4C-A407-44438C67B59E}" type="datetimeFigureOut">
               <a:rPr lang="zh-CN" altLang="en-US" smtClean="0"/>
+              <a:t>2024/3/11</a:t>
             </a:fld>
             <a:endParaRPr lang="zh-CN" altLang="en-US"/>
           </a:p>
@@ -1349,29 +1336,29 @@
           <p:nvPr>
             <p:ph type="ftr" sz="quarter" idx="11"/>
             <p:custDataLst>
+              <p:tags r:id="rId5"/>
+            </p:custDataLst>
+          </p:nvPr>
+        </p:nvSpPr>
+        <p:spPr/>
+        <p:txBody>
+          <a:bodyPr/>
+          <a:lstStyle/>
+          <a:p>
+            <a:endParaRPr lang="zh-CN" altLang="en-US"/>
+          </a:p>
+        </p:txBody>
+      </p:sp>
+      <p:sp>
+        <p:nvSpPr>
+          <p:cNvPr id="7" name="灯片编号占位符 6"/>
+          <p:cNvSpPr>
+            <a:spLocks noGrp="1"/>
+          </p:cNvSpPr>
+          <p:nvPr>
+            <p:ph type="sldNum" sz="quarter" idx="12"/>
+            <p:custDataLst>
               <p:tags r:id="rId6"/>
-            </p:custDataLst>
-          </p:nvPr>
-        </p:nvSpPr>
-        <p:spPr/>
-        <p:txBody>
-          <a:bodyPr/>
-          <a:lstStyle/>
-          <a:p>
-            <a:endParaRPr lang="zh-CN" altLang="en-US"/>
-          </a:p>
-        </p:txBody>
-      </p:sp>
-      <p:sp>
-        <p:nvSpPr>
-          <p:cNvPr id="7" name="灯片编号占位符 6"/>
-          <p:cNvSpPr>
-            <a:spLocks noGrp="1"/>
-          </p:cNvSpPr>
-          <p:nvPr>
-            <p:ph type="sldNum" sz="quarter" idx="12"/>
-            <p:custDataLst>
-              <p:tags r:id="rId7"/>
             </p:custDataLst>
           </p:nvPr>
         </p:nvSpPr>
@@ -1382,6 +1369,7 @@
           <a:p>
             <a:fld id="{49AE70B2-8BF9-45C0-BB95-33D1B9D3A854}" type="slidenum">
               <a:rPr lang="zh-CN" altLang="en-US" smtClean="0"/>
+              <a:t>‹#›</a:t>
             </a:fld>
             <a:endParaRPr lang="zh-CN" altLang="en-US"/>
           </a:p>
@@ -1421,7 +1409,7 @@
           <p:nvPr>
             <p:ph type="title"/>
             <p:custDataLst>
-              <p:tags r:id="rId2"/>
+              <p:tags r:id="rId1"/>
             </p:custDataLst>
           </p:nvPr>
         </p:nvSpPr>
@@ -1439,10 +1427,9 @@
           <a:p>
             <a:pPr lvl="0"/>
             <a:r>
-              <a:rPr lang="zh-CN" altLang="en-US" smtClean="0"/>
+              <a:rPr lang="zh-CN" altLang="en-US"/>
               <a:t>单击此处编辑母版标题样式</a:t>
             </a:r>
-            <a:endParaRPr lang="zh-CN" altLang="en-US"/>
           </a:p>
         </p:txBody>
       </p:sp>
@@ -1455,7 +1442,7 @@
           <p:nvPr>
             <p:ph type="body" idx="1" hasCustomPrompt="1"/>
             <p:custDataLst>
-              <p:tags r:id="rId3"/>
+              <p:tags r:id="rId2"/>
             </p:custDataLst>
           </p:nvPr>
         </p:nvSpPr>
@@ -1523,7 +1510,6 @@
               <a:rPr lang="zh-CN" altLang="en-US" dirty="0"/>
               <a:t>单击此处编辑文本</a:t>
             </a:r>
-            <a:endParaRPr lang="zh-CN" altLang="en-US" dirty="0"/>
           </a:p>
         </p:txBody>
       </p:sp>
@@ -1536,7 +1522,7 @@
           <p:nvPr>
             <p:ph sz="half" idx="2"/>
             <p:custDataLst>
-              <p:tags r:id="rId4"/>
+              <p:tags r:id="rId3"/>
             </p:custDataLst>
           </p:nvPr>
         </p:nvSpPr>
@@ -1554,42 +1540,37 @@
           <a:p>
             <a:pPr lvl="0"/>
             <a:r>
-              <a:rPr lang="zh-CN" altLang="en-US" smtClean="0"/>
+              <a:rPr lang="zh-CN" altLang="en-US"/>
               <a:t>单击此处编辑母版文本样式</a:t>
             </a:r>
-            <a:endParaRPr lang="zh-CN" altLang="en-US" smtClean="0"/>
           </a:p>
           <a:p>
             <a:pPr lvl="1"/>
             <a:r>
-              <a:rPr lang="zh-CN" altLang="en-US" smtClean="0"/>
+              <a:rPr lang="zh-CN" altLang="en-US"/>
               <a:t>第二级</a:t>
             </a:r>
-            <a:endParaRPr lang="zh-CN" altLang="en-US" smtClean="0"/>
           </a:p>
           <a:p>
             <a:pPr lvl="2"/>
             <a:r>
-              <a:rPr lang="zh-CN" altLang="en-US" smtClean="0"/>
+              <a:rPr lang="zh-CN" altLang="en-US"/>
               <a:t>第三级</a:t>
             </a:r>
-            <a:endParaRPr lang="zh-CN" altLang="en-US" smtClean="0"/>
           </a:p>
           <a:p>
             <a:pPr lvl="3"/>
             <a:r>
-              <a:rPr lang="zh-CN" altLang="en-US" smtClean="0"/>
+              <a:rPr lang="zh-CN" altLang="en-US"/>
               <a:t>第四级</a:t>
             </a:r>
-            <a:endParaRPr lang="zh-CN" altLang="en-US" smtClean="0"/>
           </a:p>
           <a:p>
             <a:pPr lvl="4"/>
             <a:r>
-              <a:rPr lang="zh-CN" altLang="en-US" smtClean="0"/>
+              <a:rPr lang="zh-CN" altLang="en-US"/>
               <a:t>第五级</a:t>
             </a:r>
-            <a:endParaRPr lang="zh-CN" altLang="en-US"/>
           </a:p>
         </p:txBody>
       </p:sp>
@@ -1602,7 +1583,7 @@
           <p:nvPr>
             <p:ph type="body" sz="quarter" idx="3" hasCustomPrompt="1"/>
             <p:custDataLst>
-              <p:tags r:id="rId5"/>
+              <p:tags r:id="rId4"/>
             </p:custDataLst>
           </p:nvPr>
         </p:nvSpPr>
@@ -1667,10 +1648,9 @@
           <a:p>
             <a:pPr lvl="0"/>
             <a:r>
-              <a:rPr lang="zh-CN" altLang="en-US" smtClean="0"/>
+              <a:rPr lang="zh-CN" altLang="en-US"/>
               <a:t>单击此处编辑文本</a:t>
             </a:r>
-            <a:endParaRPr lang="zh-CN" altLang="en-US"/>
           </a:p>
         </p:txBody>
       </p:sp>
@@ -1683,7 +1663,7 @@
           <p:nvPr>
             <p:ph sz="quarter" idx="4"/>
             <p:custDataLst>
-              <p:tags r:id="rId6"/>
+              <p:tags r:id="rId5"/>
             </p:custDataLst>
           </p:nvPr>
         </p:nvSpPr>
@@ -1701,42 +1681,37 @@
           <a:p>
             <a:pPr lvl="0"/>
             <a:r>
-              <a:rPr lang="zh-CN" altLang="en-US" smtClean="0"/>
+              <a:rPr lang="zh-CN" altLang="en-US"/>
               <a:t>单击此处编辑母版文本样式</a:t>
             </a:r>
-            <a:endParaRPr lang="zh-CN" altLang="en-US" smtClean="0"/>
           </a:p>
           <a:p>
             <a:pPr lvl="1"/>
             <a:r>
-              <a:rPr lang="zh-CN" altLang="en-US" smtClean="0"/>
+              <a:rPr lang="zh-CN" altLang="en-US"/>
               <a:t>第二级</a:t>
             </a:r>
-            <a:endParaRPr lang="zh-CN" altLang="en-US" smtClean="0"/>
           </a:p>
           <a:p>
             <a:pPr lvl="2"/>
             <a:r>
-              <a:rPr lang="zh-CN" altLang="en-US" smtClean="0"/>
+              <a:rPr lang="zh-CN" altLang="en-US"/>
               <a:t>第三级</a:t>
             </a:r>
-            <a:endParaRPr lang="zh-CN" altLang="en-US" smtClean="0"/>
           </a:p>
           <a:p>
             <a:pPr lvl="3"/>
             <a:r>
-              <a:rPr lang="zh-CN" altLang="en-US" smtClean="0"/>
+              <a:rPr lang="zh-CN" altLang="en-US"/>
               <a:t>第四级</a:t>
             </a:r>
-            <a:endParaRPr lang="zh-CN" altLang="en-US" smtClean="0"/>
           </a:p>
           <a:p>
             <a:pPr lvl="4"/>
             <a:r>
-              <a:rPr lang="zh-CN" altLang="en-US" smtClean="0"/>
+              <a:rPr lang="zh-CN" altLang="en-US"/>
               <a:t>第五级</a:t>
             </a:r>
-            <a:endParaRPr lang="zh-CN" altLang="en-US"/>
           </a:p>
         </p:txBody>
       </p:sp>
@@ -1749,7 +1724,7 @@
           <p:nvPr>
             <p:ph type="dt" sz="half" idx="10"/>
             <p:custDataLst>
-              <p:tags r:id="rId7"/>
+              <p:tags r:id="rId6"/>
             </p:custDataLst>
           </p:nvPr>
         </p:nvSpPr>
@@ -1760,6 +1735,7 @@
           <a:p>
             <a:fld id="{760FBDFE-C587-4B4C-A407-44438C67B59E}" type="datetimeFigureOut">
               <a:rPr lang="zh-CN" altLang="en-US" smtClean="0"/>
+              <a:t>2024/3/11</a:t>
             </a:fld>
             <a:endParaRPr lang="zh-CN" altLang="en-US"/>
           </a:p>
@@ -1774,29 +1750,29 @@
           <p:nvPr>
             <p:ph type="ftr" sz="quarter" idx="11"/>
             <p:custDataLst>
+              <p:tags r:id="rId7"/>
+            </p:custDataLst>
+          </p:nvPr>
+        </p:nvSpPr>
+        <p:spPr/>
+        <p:txBody>
+          <a:bodyPr/>
+          <a:lstStyle/>
+          <a:p>
+            <a:endParaRPr lang="zh-CN" altLang="en-US"/>
+          </a:p>
+        </p:txBody>
+      </p:sp>
+      <p:sp>
+        <p:nvSpPr>
+          <p:cNvPr id="9" name="灯片编号占位符 8"/>
+          <p:cNvSpPr>
+            <a:spLocks noGrp="1"/>
+          </p:cNvSpPr>
+          <p:nvPr>
+            <p:ph type="sldNum" sz="quarter" idx="12"/>
+            <p:custDataLst>
               <p:tags r:id="rId8"/>
-            </p:custDataLst>
-          </p:nvPr>
-        </p:nvSpPr>
-        <p:spPr/>
-        <p:txBody>
-          <a:bodyPr/>
-          <a:lstStyle/>
-          <a:p>
-            <a:endParaRPr lang="zh-CN" altLang="en-US"/>
-          </a:p>
-        </p:txBody>
-      </p:sp>
-      <p:sp>
-        <p:nvSpPr>
-          <p:cNvPr id="9" name="灯片编号占位符 8"/>
-          <p:cNvSpPr>
-            <a:spLocks noGrp="1"/>
-          </p:cNvSpPr>
-          <p:nvPr>
-            <p:ph type="sldNum" sz="quarter" idx="12"/>
-            <p:custDataLst>
-              <p:tags r:id="rId9"/>
             </p:custDataLst>
           </p:nvPr>
         </p:nvSpPr>
@@ -1807,6 +1783,7 @@
           <a:p>
             <a:fld id="{49AE70B2-8BF9-45C0-BB95-33D1B9D3A854}" type="slidenum">
               <a:rPr lang="zh-CN" altLang="en-US" smtClean="0"/>
+              <a:t>‹#›</a:t>
             </a:fld>
             <a:endParaRPr lang="zh-CN" altLang="en-US"/>
           </a:p>
@@ -1846,7 +1823,7 @@
           <p:nvPr>
             <p:ph type="title"/>
             <p:custDataLst>
-              <p:tags r:id="rId2"/>
+              <p:tags r:id="rId1"/>
             </p:custDataLst>
           </p:nvPr>
         </p:nvSpPr>
@@ -1864,10 +1841,9 @@
           <a:p>
             <a:pPr lvl="0"/>
             <a:r>
-              <a:rPr lang="zh-CN" altLang="en-US" smtClean="0"/>
+              <a:rPr lang="zh-CN" altLang="en-US"/>
               <a:t>单击此处编辑母版标题样式</a:t>
             </a:r>
-            <a:endParaRPr lang="zh-CN" altLang="en-US"/>
           </a:p>
         </p:txBody>
       </p:sp>
@@ -1880,7 +1856,7 @@
           <p:nvPr>
             <p:ph type="dt" sz="half" idx="10"/>
             <p:custDataLst>
-              <p:tags r:id="rId3"/>
+              <p:tags r:id="rId2"/>
             </p:custDataLst>
           </p:nvPr>
         </p:nvSpPr>
@@ -1891,6 +1867,7 @@
           <a:p>
             <a:fld id="{760FBDFE-C587-4B4C-A407-44438C67B59E}" type="datetimeFigureOut">
               <a:rPr lang="zh-CN" altLang="en-US" smtClean="0"/>
+              <a:t>2024/3/11</a:t>
             </a:fld>
             <a:endParaRPr lang="zh-CN" altLang="en-US"/>
           </a:p>
@@ -1905,29 +1882,29 @@
           <p:nvPr>
             <p:ph type="ftr" sz="quarter" idx="11"/>
             <p:custDataLst>
+              <p:tags r:id="rId3"/>
+            </p:custDataLst>
+          </p:nvPr>
+        </p:nvSpPr>
+        <p:spPr/>
+        <p:txBody>
+          <a:bodyPr/>
+          <a:lstStyle/>
+          <a:p>
+            <a:endParaRPr lang="zh-CN" altLang="en-US"/>
+          </a:p>
+        </p:txBody>
+      </p:sp>
+      <p:sp>
+        <p:nvSpPr>
+          <p:cNvPr id="5" name="灯片编号占位符 4"/>
+          <p:cNvSpPr>
+            <a:spLocks noGrp="1"/>
+          </p:cNvSpPr>
+          <p:nvPr>
+            <p:ph type="sldNum" sz="quarter" idx="12"/>
+            <p:custDataLst>
               <p:tags r:id="rId4"/>
-            </p:custDataLst>
-          </p:nvPr>
-        </p:nvSpPr>
-        <p:spPr/>
-        <p:txBody>
-          <a:bodyPr/>
-          <a:lstStyle/>
-          <a:p>
-            <a:endParaRPr lang="zh-CN" altLang="en-US"/>
-          </a:p>
-        </p:txBody>
-      </p:sp>
-      <p:sp>
-        <p:nvSpPr>
-          <p:cNvPr id="5" name="灯片编号占位符 4"/>
-          <p:cNvSpPr>
-            <a:spLocks noGrp="1"/>
-          </p:cNvSpPr>
-          <p:nvPr>
-            <p:ph type="sldNum" sz="quarter" idx="12"/>
-            <p:custDataLst>
-              <p:tags r:id="rId5"/>
             </p:custDataLst>
           </p:nvPr>
         </p:nvSpPr>
@@ -1938,6 +1915,7 @@
           <a:p>
             <a:fld id="{49AE70B2-8BF9-45C0-BB95-33D1B9D3A854}" type="slidenum">
               <a:rPr lang="zh-CN" altLang="en-US" smtClean="0"/>
+              <a:t>‹#›</a:t>
             </a:fld>
             <a:endParaRPr lang="zh-CN" altLang="en-US"/>
           </a:p>
@@ -1977,7 +1955,7 @@
           <p:nvPr>
             <p:ph type="dt" sz="half" idx="10"/>
             <p:custDataLst>
-              <p:tags r:id="rId2"/>
+              <p:tags r:id="rId1"/>
             </p:custDataLst>
           </p:nvPr>
         </p:nvSpPr>
@@ -1988,6 +1966,7 @@
           <a:p>
             <a:fld id="{760FBDFE-C587-4B4C-A407-44438C67B59E}" type="datetimeFigureOut">
               <a:rPr lang="zh-CN" altLang="en-US" smtClean="0"/>
+              <a:t>2024/3/11</a:t>
             </a:fld>
             <a:endParaRPr lang="zh-CN" altLang="en-US"/>
           </a:p>
@@ -2002,29 +1981,29 @@
           <p:nvPr>
             <p:ph type="ftr" sz="quarter" idx="11"/>
             <p:custDataLst>
+              <p:tags r:id="rId2"/>
+            </p:custDataLst>
+          </p:nvPr>
+        </p:nvSpPr>
+        <p:spPr/>
+        <p:txBody>
+          <a:bodyPr/>
+          <a:lstStyle/>
+          <a:p>
+            <a:endParaRPr lang="zh-CN" altLang="en-US"/>
+          </a:p>
+        </p:txBody>
+      </p:sp>
+      <p:sp>
+        <p:nvSpPr>
+          <p:cNvPr id="4" name="灯片编号占位符 3"/>
+          <p:cNvSpPr>
+            <a:spLocks noGrp="1"/>
+          </p:cNvSpPr>
+          <p:nvPr>
+            <p:ph type="sldNum" sz="quarter" idx="12"/>
+            <p:custDataLst>
               <p:tags r:id="rId3"/>
-            </p:custDataLst>
-          </p:nvPr>
-        </p:nvSpPr>
-        <p:spPr/>
-        <p:txBody>
-          <a:bodyPr/>
-          <a:lstStyle/>
-          <a:p>
-            <a:endParaRPr lang="zh-CN" altLang="en-US"/>
-          </a:p>
-        </p:txBody>
-      </p:sp>
-      <p:sp>
-        <p:nvSpPr>
-          <p:cNvPr id="4" name="灯片编号占位符 3"/>
-          <p:cNvSpPr>
-            <a:spLocks noGrp="1"/>
-          </p:cNvSpPr>
-          <p:nvPr>
-            <p:ph type="sldNum" sz="quarter" idx="12"/>
-            <p:custDataLst>
-              <p:tags r:id="rId4"/>
             </p:custDataLst>
           </p:nvPr>
         </p:nvSpPr>
@@ -2035,6 +2014,7 @@
           <a:p>
             <a:fld id="{49AE70B2-8BF9-45C0-BB95-33D1B9D3A854}" type="slidenum">
               <a:rPr lang="zh-CN" altLang="en-US" smtClean="0"/>
+              <a:t>‹#›</a:t>
             </a:fld>
             <a:endParaRPr lang="zh-CN" altLang="en-US"/>
           </a:p>
@@ -2074,7 +2054,7 @@
           <p:nvPr>
             <p:ph type="pic" idx="1"/>
             <p:custDataLst>
-              <p:tags r:id="rId2"/>
+              <p:tags r:id="rId1"/>
             </p:custDataLst>
           </p:nvPr>
         </p:nvSpPr>
@@ -2109,7 +2089,7 @@
           <p:nvPr>
             <p:ph type="body" sz="half" idx="2"/>
             <p:custDataLst>
-              <p:tags r:id="rId3"/>
+              <p:tags r:id="rId2"/>
             </p:custDataLst>
           </p:nvPr>
         </p:nvSpPr>
@@ -2132,10 +2112,9 @@
           <a:p>
             <a:pPr lvl="0"/>
             <a:r>
-              <a:rPr lang="zh-CN" altLang="en-US" smtClean="0"/>
+              <a:rPr lang="zh-CN" altLang="en-US"/>
               <a:t>单击此处编辑母版文本样式</a:t>
             </a:r>
-            <a:endParaRPr lang="zh-CN" altLang="en-US"/>
           </a:p>
         </p:txBody>
       </p:sp>
@@ -2148,7 +2127,7 @@
           <p:nvPr>
             <p:ph type="dt" sz="half" idx="10"/>
             <p:custDataLst>
-              <p:tags r:id="rId4"/>
+              <p:tags r:id="rId3"/>
             </p:custDataLst>
           </p:nvPr>
         </p:nvSpPr>
@@ -2159,6 +2138,7 @@
           <a:p>
             <a:fld id="{9EFD9D74-47D9-4702-A33C-335B63B48DBF}" type="datetimeFigureOut">
               <a:rPr lang="zh-CN" altLang="en-US" smtClean="0"/>
+              <a:t>2024/3/11</a:t>
             </a:fld>
             <a:endParaRPr lang="zh-CN" altLang="en-US" dirty="0"/>
           </a:p>
@@ -2173,29 +2153,29 @@
           <p:nvPr>
             <p:ph type="ftr" sz="quarter" idx="11"/>
             <p:custDataLst>
+              <p:tags r:id="rId4"/>
+            </p:custDataLst>
+          </p:nvPr>
+        </p:nvSpPr>
+        <p:spPr/>
+        <p:txBody>
+          <a:bodyPr/>
+          <a:lstStyle/>
+          <a:p>
+            <a:endParaRPr lang="zh-CN" altLang="en-US" dirty="0"/>
+          </a:p>
+        </p:txBody>
+      </p:sp>
+      <p:sp>
+        <p:nvSpPr>
+          <p:cNvPr id="7" name="灯片编号占位符 6"/>
+          <p:cNvSpPr>
+            <a:spLocks noGrp="1"/>
+          </p:cNvSpPr>
+          <p:nvPr>
+            <p:ph type="sldNum" sz="quarter" idx="12"/>
+            <p:custDataLst>
               <p:tags r:id="rId5"/>
-            </p:custDataLst>
-          </p:nvPr>
-        </p:nvSpPr>
-        <p:spPr/>
-        <p:txBody>
-          <a:bodyPr/>
-          <a:lstStyle/>
-          <a:p>
-            <a:endParaRPr lang="zh-CN" altLang="en-US" dirty="0"/>
-          </a:p>
-        </p:txBody>
-      </p:sp>
-      <p:sp>
-        <p:nvSpPr>
-          <p:cNvPr id="7" name="灯片编号占位符 6"/>
-          <p:cNvSpPr>
-            <a:spLocks noGrp="1"/>
-          </p:cNvSpPr>
-          <p:nvPr>
-            <p:ph type="sldNum" sz="quarter" idx="12"/>
-            <p:custDataLst>
-              <p:tags r:id="rId6"/>
             </p:custDataLst>
           </p:nvPr>
         </p:nvSpPr>
@@ -2206,6 +2186,7 @@
           <a:p>
             <a:fld id="{FABC47A4-756D-490B-A52F-7D9E2C9FC05F}" type="slidenum">
               <a:rPr lang="zh-CN" altLang="en-US" smtClean="0"/>
+              <a:t>‹#›</a:t>
             </a:fld>
             <a:endParaRPr lang="zh-CN" altLang="en-US"/>
           </a:p>
@@ -2220,19 +2201,19 @@
           <p:nvPr>
             <p:ph type="title"/>
             <p:custDataLst>
-              <p:tags r:id="rId7"/>
+              <p:tags r:id="rId6"/>
             </p:custDataLst>
           </p:nvPr>
         </p:nvSpPr>
         <p:spPr/>
         <p:txBody>
           <a:bodyPr/>
+          <a:lstStyle/>
           <a:p>
             <a:r>
               <a:rPr lang="zh-CN" altLang="en-US"/>
               <a:t>单击此处编辑母版标题样式</a:t>
             </a:r>
-            <a:endParaRPr lang="zh-CN" altLang="en-US"/>
           </a:p>
         </p:txBody>
       </p:sp>
@@ -2270,7 +2251,7 @@
           <p:nvPr>
             <p:ph type="title" orient="vert" hasCustomPrompt="1"/>
             <p:custDataLst>
-              <p:tags r:id="rId2"/>
+              <p:tags r:id="rId1"/>
             </p:custDataLst>
           </p:nvPr>
         </p:nvSpPr>
@@ -2293,10 +2274,9 @@
           <a:p>
             <a:pPr lvl="0"/>
             <a:r>
-              <a:rPr lang="zh-CN" altLang="en-US" smtClean="0"/>
+              <a:rPr lang="zh-CN" altLang="en-US"/>
               <a:t>单击此处编辑标题</a:t>
             </a:r>
-            <a:endParaRPr lang="zh-CN" altLang="en-US"/>
           </a:p>
         </p:txBody>
       </p:sp>
@@ -2309,7 +2289,7 @@
           <p:nvPr>
             <p:ph type="body" orient="vert" idx="1"/>
             <p:custDataLst>
-              <p:tags r:id="rId3"/>
+              <p:tags r:id="rId2"/>
             </p:custDataLst>
           </p:nvPr>
         </p:nvSpPr>
@@ -2347,7 +2327,6 @@
               <a:rPr lang="zh-CN" altLang="en-US" dirty="0"/>
               <a:t>单击此处编辑母版文本样式</a:t>
             </a:r>
-            <a:endParaRPr lang="zh-CN" altLang="en-US" dirty="0"/>
           </a:p>
           <a:p>
             <a:pPr lvl="1"/>
@@ -2355,7 +2334,6 @@
               <a:rPr lang="zh-CN" altLang="en-US" dirty="0"/>
               <a:t>第二级</a:t>
             </a:r>
-            <a:endParaRPr lang="zh-CN" altLang="en-US" dirty="0"/>
           </a:p>
           <a:p>
             <a:pPr lvl="2"/>
@@ -2363,7 +2341,6 @@
               <a:rPr lang="zh-CN" altLang="en-US" dirty="0"/>
               <a:t>第三级</a:t>
             </a:r>
-            <a:endParaRPr lang="zh-CN" altLang="en-US" dirty="0"/>
           </a:p>
           <a:p>
             <a:pPr lvl="3"/>
@@ -2371,7 +2348,6 @@
               <a:rPr lang="zh-CN" altLang="en-US" dirty="0"/>
               <a:t>第四级</a:t>
             </a:r>
-            <a:endParaRPr lang="zh-CN" altLang="en-US" dirty="0"/>
           </a:p>
           <a:p>
             <a:pPr lvl="4"/>
@@ -2379,7 +2355,6 @@
               <a:rPr lang="zh-CN" altLang="en-US" dirty="0"/>
               <a:t>第五级</a:t>
             </a:r>
-            <a:endParaRPr lang="zh-CN" altLang="en-US" dirty="0"/>
           </a:p>
         </p:txBody>
       </p:sp>
@@ -2392,7 +2367,7 @@
           <p:nvPr>
             <p:ph type="dt" sz="half" idx="10"/>
             <p:custDataLst>
-              <p:tags r:id="rId4"/>
+              <p:tags r:id="rId3"/>
             </p:custDataLst>
           </p:nvPr>
         </p:nvSpPr>
@@ -2403,6 +2378,7 @@
           <a:p>
             <a:fld id="{760FBDFE-C587-4B4C-A407-44438C67B59E}" type="datetimeFigureOut">
               <a:rPr lang="zh-CN" altLang="en-US" smtClean="0"/>
+              <a:t>2024/3/11</a:t>
             </a:fld>
             <a:endParaRPr lang="zh-CN" altLang="en-US"/>
           </a:p>
@@ -2417,29 +2393,29 @@
           <p:nvPr>
             <p:ph type="ftr" sz="quarter" idx="11"/>
             <p:custDataLst>
+              <p:tags r:id="rId4"/>
+            </p:custDataLst>
+          </p:nvPr>
+        </p:nvSpPr>
+        <p:spPr/>
+        <p:txBody>
+          <a:bodyPr/>
+          <a:lstStyle/>
+          <a:p>
+            <a:endParaRPr lang="zh-CN" altLang="en-US"/>
+          </a:p>
+        </p:txBody>
+      </p:sp>
+      <p:sp>
+        <p:nvSpPr>
+          <p:cNvPr id="6" name="灯片编号占位符 5"/>
+          <p:cNvSpPr>
+            <a:spLocks noGrp="1"/>
+          </p:cNvSpPr>
+          <p:nvPr>
+            <p:ph type="sldNum" sz="quarter" idx="12"/>
+            <p:custDataLst>
               <p:tags r:id="rId5"/>
-            </p:custDataLst>
-          </p:nvPr>
-        </p:nvSpPr>
-        <p:spPr/>
-        <p:txBody>
-          <a:bodyPr/>
-          <a:lstStyle/>
-          <a:p>
-            <a:endParaRPr lang="zh-CN" altLang="en-US"/>
-          </a:p>
-        </p:txBody>
-      </p:sp>
-      <p:sp>
-        <p:nvSpPr>
-          <p:cNvPr id="6" name="灯片编号占位符 5"/>
-          <p:cNvSpPr>
-            <a:spLocks noGrp="1"/>
-          </p:cNvSpPr>
-          <p:nvPr>
-            <p:ph type="sldNum" sz="quarter" idx="12"/>
-            <p:custDataLst>
-              <p:tags r:id="rId6"/>
             </p:custDataLst>
           </p:nvPr>
         </p:nvSpPr>
@@ -2450,6 +2426,7 @@
           <a:p>
             <a:fld id="{49AE70B2-8BF9-45C0-BB95-33D1B9D3A854}" type="slidenum">
               <a:rPr lang="zh-CN" altLang="en-US" smtClean="0"/>
+              <a:t>‹#›</a:t>
             </a:fld>
             <a:endParaRPr lang="zh-CN" altLang="en-US"/>
           </a:p>
@@ -2494,7 +2471,7 @@
           <p:nvPr>
             <p:ph type="title"/>
             <p:custDataLst>
-              <p:tags r:id="rId12"/>
+              <p:tags r:id="rId14"/>
             </p:custDataLst>
           </p:nvPr>
         </p:nvSpPr>
@@ -2517,7 +2494,6 @@
               <a:rPr lang="zh-CN" altLang="en-US" dirty="0"/>
               <a:t>单击此处编辑母版标题样式</a:t>
             </a:r>
-            <a:endParaRPr lang="zh-CN" altLang="en-US" dirty="0"/>
           </a:p>
         </p:txBody>
       </p:sp>
@@ -2530,7 +2506,7 @@
           <p:nvPr>
             <p:ph type="body" idx="1"/>
             <p:custDataLst>
-              <p:tags r:id="rId13"/>
+              <p:tags r:id="rId15"/>
             </p:custDataLst>
           </p:nvPr>
         </p:nvSpPr>
@@ -2554,7 +2530,6 @@
               <a:rPr lang="zh-CN" altLang="en-US" dirty="0"/>
               <a:t>单击此处编辑母版文本样式</a:t>
             </a:r>
-            <a:endParaRPr lang="zh-CN" altLang="en-US" dirty="0"/>
           </a:p>
           <a:p>
             <a:pPr lvl="1"/>
@@ -2562,7 +2537,6 @@
               <a:rPr lang="zh-CN" altLang="en-US" dirty="0"/>
               <a:t>第二级</a:t>
             </a:r>
-            <a:endParaRPr lang="zh-CN" altLang="en-US" dirty="0"/>
           </a:p>
           <a:p>
             <a:pPr lvl="2"/>
@@ -2570,7 +2544,6 @@
               <a:rPr lang="zh-CN" altLang="en-US" dirty="0"/>
               <a:t>第三级</a:t>
             </a:r>
-            <a:endParaRPr lang="zh-CN" altLang="en-US" dirty="0"/>
           </a:p>
           <a:p>
             <a:pPr lvl="3"/>
@@ -2578,7 +2551,6 @@
               <a:rPr lang="zh-CN" altLang="en-US" dirty="0"/>
               <a:t>第四级</a:t>
             </a:r>
-            <a:endParaRPr lang="zh-CN" altLang="en-US" dirty="0"/>
           </a:p>
           <a:p>
             <a:pPr lvl="4"/>
@@ -2586,7 +2558,6 @@
               <a:rPr lang="zh-CN" altLang="en-US" dirty="0"/>
               <a:t>第五级</a:t>
             </a:r>
-            <a:endParaRPr lang="zh-CN" altLang="en-US" dirty="0"/>
           </a:p>
         </p:txBody>
       </p:sp>
@@ -2599,7 +2570,7 @@
           <p:nvPr>
             <p:ph type="dt" sz="half" idx="2"/>
             <p:custDataLst>
-              <p:tags r:id="rId14"/>
+              <p:tags r:id="rId16"/>
             </p:custDataLst>
           </p:nvPr>
         </p:nvSpPr>
@@ -2630,6 +2601,7 @@
           <a:p>
             <a:fld id="{760FBDFE-C587-4B4C-A407-44438C67B59E}" type="datetimeFigureOut">
               <a:rPr lang="zh-CN" altLang="en-US" smtClean="0"/>
+              <a:t>2024/3/11</a:t>
             </a:fld>
             <a:endParaRPr lang="zh-CN" altLang="en-US"/>
           </a:p>
@@ -2644,7 +2616,7 @@
           <p:nvPr>
             <p:ph type="ftr" sz="quarter" idx="3"/>
             <p:custDataLst>
-              <p:tags r:id="rId15"/>
+              <p:tags r:id="rId17"/>
             </p:custDataLst>
           </p:nvPr>
         </p:nvSpPr>
@@ -2686,7 +2658,7 @@
           <p:nvPr>
             <p:ph type="sldNum" sz="quarter" idx="4"/>
             <p:custDataLst>
-              <p:tags r:id="rId16"/>
+              <p:tags r:id="rId18"/>
             </p:custDataLst>
           </p:nvPr>
         </p:nvSpPr>
@@ -2717,6 +2689,7 @@
           <a:p>
             <a:fld id="{49AE70B2-8BF9-45C0-BB95-33D1B9D3A854}" type="slidenum">
               <a:rPr lang="zh-CN" altLang="en-US" smtClean="0"/>
+              <a:t>‹#›</a:t>
             </a:fld>
             <a:endParaRPr lang="zh-CN" altLang="en-US" dirty="0"/>
           </a:p>
@@ -2724,7 +2697,7 @@
       </p:sp>
     </p:spTree>
     <p:custDataLst>
-      <p:tags r:id="rId17"/>
+      <p:tags r:id="rId13"/>
     </p:custDataLst>
   </p:cSld>
   <p:clrMap bg1="lt1" tx1="dk1" bg2="lt2" tx2="dk2" accent1="accent1" accent2="accent2" accent3="accent3" accent4="accent4" accent5="accent5" accent6="accent6" hlink="hlink" folHlink="folHlink"/>
@@ -3106,6 +3079,7 @@
           <a:bodyPr wrap="square" rtlCol="0" anchor="t">
             <a:spAutoFit/>
           </a:bodyPr>
+          <a:lstStyle/>
           <a:p>
             <a:r>
               <a:rPr lang="zh-CN" altLang="en-US" sz="4000" b="1"/>
@@ -3119,7 +3093,6 @@
               <a:rPr lang="zh-CN" altLang="en-US" sz="4000" b="1"/>
               <a:t>Specificity</a:t>
             </a:r>
-            <a:endParaRPr lang="zh-CN" altLang="en-US" sz="4000" b="1"/>
           </a:p>
         </p:txBody>
       </p:sp>
@@ -3143,12 +3116,12 @@
           <a:bodyPr wrap="square" rtlCol="0">
             <a:spAutoFit/>
           </a:bodyPr>
+          <a:lstStyle/>
           <a:p>
             <a:r>
               <a:rPr lang="en-US" altLang="zh-CN" sz="3200"/>
               <a:t>-Group 3</a:t>
             </a:r>
-            <a:endParaRPr lang="en-US" altLang="zh-CN" sz="3200"/>
           </a:p>
         </p:txBody>
       </p:sp>
@@ -3172,6 +3145,7 @@
           <a:bodyPr wrap="square" rtlCol="0">
             <a:spAutoFit/>
           </a:bodyPr>
+          <a:lstStyle/>
           <a:p>
             <a:r>
               <a:rPr lang="zh-CN" altLang="en-US" sz="2000"/>
@@ -3251,12 +3225,12 @@
           </p:cNvPicPr>
           <p:nvPr>
             <p:custDataLst>
-              <p:tags r:id="rId1"/>
+              <p:tags r:id="rId2"/>
             </p:custDataLst>
           </p:nvPr>
         </p:nvPicPr>
         <p:blipFill>
-          <a:blip r:embed="rId2"/>
+          <a:blip r:embed="rId17"/>
           <a:stretch>
             <a:fillRect/>
           </a:stretch>
@@ -3291,12 +3265,12 @@
           <a:bodyPr wrap="square" rtlCol="0">
             <a:spAutoFit/>
           </a:bodyPr>
+          <a:lstStyle/>
           <a:p>
             <a:r>
               <a:rPr lang="en-US" altLang="zh-CN" sz="2800" b="1"/>
               <a:t>Data Source</a:t>
             </a:r>
-            <a:endParaRPr lang="en-US" altLang="zh-CN" sz="2800" b="1"/>
           </a:p>
         </p:txBody>
       </p:sp>
@@ -3313,7 +3287,7 @@
           </p:nvPr>
         </p:nvPicPr>
         <p:blipFill>
-          <a:blip r:embed="rId4"/>
+          <a:blip r:embed="rId18"/>
           <a:stretch>
             <a:fillRect/>
           </a:stretch>
@@ -3334,7 +3308,7 @@
           <p:cNvSpPr txBox="1"/>
           <p:nvPr>
             <p:custDataLst>
-              <p:tags r:id="rId5"/>
+              <p:tags r:id="rId4"/>
             </p:custDataLst>
           </p:nvPr>
         </p:nvSpPr>
@@ -3352,12 +3326,12 @@
           <a:bodyPr wrap="square" rtlCol="0">
             <a:spAutoFit/>
           </a:bodyPr>
+          <a:lstStyle/>
           <a:p>
             <a:r>
               <a:rPr lang="en-US" altLang="zh-CN" sz="1400"/>
               <a:t>One-Hot Encoding</a:t>
             </a:r>
-            <a:endParaRPr lang="en-US" altLang="zh-CN" sz="1400"/>
           </a:p>
         </p:txBody>
       </p:sp>
@@ -3367,7 +3341,7 @@
           <p:cNvSpPr txBox="1"/>
           <p:nvPr>
             <p:custDataLst>
-              <p:tags r:id="rId6"/>
+              <p:tags r:id="rId5"/>
             </p:custDataLst>
           </p:nvPr>
         </p:nvSpPr>
@@ -3385,12 +3359,12 @@
           <a:bodyPr wrap="square" rtlCol="0">
             <a:noAutofit/>
           </a:bodyPr>
+          <a:lstStyle/>
           <a:p>
             <a:r>
               <a:rPr lang="en-US" sz="1000"/>
               <a:t>TRA+TRB : 'C': { [0, 1, 0, 0, 0, 0, 0, 0, 0, 0, 0, 0, 0, 0, 0, 0, 0, 0, 0, 0],</a:t>
             </a:r>
-            <a:endParaRPr lang="en-US" sz="1000"/>
           </a:p>
           <a:p>
             <a:r>
@@ -3401,7 +3375,6 @@
               <a:rPr lang="en-US" sz="1400"/>
               <a:t>                    </a:t>
             </a:r>
-            <a:endParaRPr lang="en-US" sz="1400"/>
           </a:p>
           <a:p>
             <a:r>
@@ -3420,7 +3393,7 @@
           <p:cNvSpPr txBox="1"/>
           <p:nvPr>
             <p:custDataLst>
-              <p:tags r:id="rId7"/>
+              <p:tags r:id="rId6"/>
             </p:custDataLst>
           </p:nvPr>
         </p:nvSpPr>
@@ -3438,12 +3411,12 @@
           <a:bodyPr wrap="square" rtlCol="0">
             <a:noAutofit/>
           </a:bodyPr>
+          <a:lstStyle/>
           <a:p>
             <a:r>
               <a:rPr lang="en-US" sz="1000"/>
               <a:t>Antigen : 'F': { [0, 0, 0, 0, 1, 0, 0, 0, 0, 0, 0, 0, 0, 0, 0, 0, 0, 0, 0, 0],</a:t>
             </a:r>
-            <a:endParaRPr lang="en-US" sz="1000"/>
           </a:p>
           <a:p>
             <a:r>
@@ -3458,7 +3431,6 @@
               <a:rPr lang="en-US" sz="1400"/>
               <a:t>                </a:t>
             </a:r>
-            <a:endParaRPr lang="en-US" sz="1400"/>
           </a:p>
           <a:p>
             <a:r>
@@ -3477,7 +3449,7 @@
           <p:cNvSpPr txBox="1"/>
           <p:nvPr>
             <p:custDataLst>
-              <p:tags r:id="rId8"/>
+              <p:tags r:id="rId7"/>
             </p:custDataLst>
           </p:nvPr>
         </p:nvSpPr>
@@ -3495,6 +3467,7 @@
           <a:bodyPr wrap="square" rtlCol="0">
             <a:noAutofit/>
           </a:bodyPr>
+          <a:lstStyle/>
           <a:p>
             <a:r>
               <a:rPr lang="en-US" altLang="zh-CN" sz="1400"/>
@@ -3508,7 +3481,6 @@
               <a:rPr lang="en-US" altLang="zh-CN" sz="1400"/>
               <a:t>20</a:t>
             </a:r>
-            <a:endParaRPr lang="en-US" altLang="zh-CN" sz="1400"/>
           </a:p>
         </p:txBody>
       </p:sp>
@@ -3518,7 +3490,7 @@
           <p:cNvSpPr txBox="1"/>
           <p:nvPr>
             <p:custDataLst>
-              <p:tags r:id="rId9"/>
+              <p:tags r:id="rId8"/>
             </p:custDataLst>
           </p:nvPr>
         </p:nvSpPr>
@@ -3536,6 +3508,7 @@
           <a:bodyPr wrap="square" rtlCol="0">
             <a:spAutoFit/>
           </a:bodyPr>
+          <a:lstStyle/>
           <a:p>
             <a:r>
               <a:rPr lang="en-US" altLang="zh-CN" sz="1400"/>
@@ -3549,7 +3522,6 @@
               <a:rPr lang="en-US" altLang="zh-CN" sz="1400"/>
               <a:t>20</a:t>
             </a:r>
-            <a:endParaRPr lang="en-US" altLang="zh-CN" sz="1400"/>
           </a:p>
         </p:txBody>
       </p:sp>
@@ -3561,12 +3533,12 @@
           </p:cNvPicPr>
           <p:nvPr>
             <p:custDataLst>
-              <p:tags r:id="rId10"/>
+              <p:tags r:id="rId9"/>
             </p:custDataLst>
           </p:nvPr>
         </p:nvPicPr>
         <p:blipFill>
-          <a:blip r:embed="rId11"/>
+          <a:blip r:embed="rId19"/>
           <a:srcRect l="11121" t="-1007"/>
           <a:stretch>
             <a:fillRect/>
@@ -3588,7 +3560,7 @@
           <p:cNvSpPr txBox="1"/>
           <p:nvPr>
             <p:custDataLst>
-              <p:tags r:id="rId12"/>
+              <p:tags r:id="rId10"/>
             </p:custDataLst>
           </p:nvPr>
         </p:nvSpPr>
@@ -3606,6 +3578,7 @@
           <a:bodyPr wrap="square" rtlCol="0">
             <a:spAutoFit/>
           </a:bodyPr>
+          <a:lstStyle/>
           <a:p>
             <a:r>
               <a:rPr lang="en-US" altLang="zh-CN" sz="1200" b="1"/>
@@ -3615,7 +3588,6 @@
               <a:rPr lang="en-US" altLang="zh-CN" sz="1200"/>
               <a:t>: The same id indicates that the TRA and TRB chains are from the same TCR;</a:t>
             </a:r>
-            <a:endParaRPr lang="en-US" altLang="zh-CN" sz="1200"/>
           </a:p>
           <a:p>
             <a:r>
@@ -3626,7 +3598,6 @@
               <a:rPr lang="en-US" altLang="zh-CN" sz="1000"/>
               <a:t> </a:t>
             </a:r>
-            <a:endParaRPr lang="en-US" altLang="zh-CN" sz="1000"/>
           </a:p>
         </p:txBody>
       </p:sp>
@@ -3636,7 +3607,7 @@
           <p:cNvSpPr txBox="1"/>
           <p:nvPr>
             <p:custDataLst>
-              <p:tags r:id="rId13"/>
+              <p:tags r:id="rId11"/>
             </p:custDataLst>
           </p:nvPr>
         </p:nvSpPr>
@@ -3654,6 +3625,7 @@
           <a:bodyPr wrap="square" rtlCol="0">
             <a:spAutoFit/>
           </a:bodyPr>
+          <a:lstStyle/>
           <a:p>
             <a:pPr algn="l">
               <a:buClrTx/>
@@ -3668,7 +3640,6 @@
               <a:rPr lang="en-US" altLang="zh-CN" sz="1200"/>
               <a:t> The sequence of antigenic epitope </a:t>
             </a:r>
-            <a:endParaRPr lang="en-US" altLang="zh-CN" sz="1200"/>
           </a:p>
         </p:txBody>
       </p:sp>
@@ -3678,7 +3649,7 @@
           <p:cNvSpPr txBox="1"/>
           <p:nvPr>
             <p:custDataLst>
-              <p:tags r:id="rId14"/>
+              <p:tags r:id="rId12"/>
             </p:custDataLst>
           </p:nvPr>
         </p:nvSpPr>
@@ -3696,6 +3667,7 @@
           <a:bodyPr wrap="square" rtlCol="0">
             <a:spAutoFit/>
           </a:bodyPr>
+          <a:lstStyle/>
           <a:p>
             <a:r>
               <a:rPr lang="en-US" altLang="zh-CN" sz="1200" b="1"/>
@@ -3705,14 +3677,12 @@
               <a:rPr lang="en-US" altLang="zh-CN" sz="1200"/>
               <a:t> Each TCR is made up of a pair of proteins, they are TRA and TRB in this table. </a:t>
             </a:r>
-            <a:endParaRPr lang="en-US" altLang="zh-CN" sz="1200"/>
           </a:p>
           <a:p>
             <a:r>
               <a:rPr lang="en-US" altLang="zh-CN" sz="1200"/>
               <a:t>          so cdr3 is a sequence of TRA or TRB</a:t>
             </a:r>
-            <a:endParaRPr lang="en-US" altLang="zh-CN" sz="1200"/>
           </a:p>
         </p:txBody>
       </p:sp>
@@ -3722,7 +3692,7 @@
           <p:cNvSpPr txBox="1"/>
           <p:nvPr>
             <p:custDataLst>
-              <p:tags r:id="rId15"/>
+              <p:tags r:id="rId13"/>
             </p:custDataLst>
           </p:nvPr>
         </p:nvSpPr>
@@ -3740,6 +3710,7 @@
           <a:bodyPr wrap="square" rtlCol="0">
             <a:spAutoFit/>
           </a:bodyPr>
+          <a:lstStyle/>
           <a:p>
             <a:pPr lvl="0" algn="l">
               <a:buClrTx/>
@@ -3750,13 +3721,7 @@
               <a:rPr lang="en-US" altLang="zh-CN" sz="1200" b="1">
                 <a:sym typeface="+mn-ea"/>
               </a:rPr>
-              <a:t>vdjdb.score</a:t>
-            </a:r>
-            <a:r>
-              <a:rPr lang="en-US" altLang="zh-CN" sz="1200" b="1">
-                <a:sym typeface="+mn-ea"/>
-              </a:rPr>
-              <a:t>: </a:t>
+              <a:t>vdjdb.score: </a:t>
             </a:r>
             <a:r>
               <a:rPr lang="en-US" altLang="zh-CN" sz="1200">
@@ -3764,9 +3729,6 @@
               </a:rPr>
               <a:t>Effectiveness of the TCR against antigen</a:t>
             </a:r>
-            <a:endParaRPr lang="en-US" altLang="zh-CN" sz="1200">
-              <a:sym typeface="+mn-ea"/>
-            </a:endParaRPr>
           </a:p>
         </p:txBody>
       </p:sp>
@@ -3776,7 +3738,7 @@
           <p:cNvSpPr txBox="1"/>
           <p:nvPr>
             <p:custDataLst>
-              <p:tags r:id="rId16"/>
+              <p:tags r:id="rId14"/>
             </p:custDataLst>
           </p:nvPr>
         </p:nvSpPr>
@@ -3794,6 +3756,7 @@
           <a:bodyPr wrap="square" rtlCol="0">
             <a:spAutoFit/>
           </a:bodyPr>
+          <a:lstStyle/>
           <a:p>
             <a:r>
               <a:rPr lang="en-US" altLang="zh-CN" sz="1200" b="1"/>
@@ -3803,7 +3766,6 @@
               <a:rPr lang="en-US" altLang="zh-CN" sz="1200"/>
               <a:t>: TCR parent species</a:t>
             </a:r>
-            <a:endParaRPr lang="en-US" altLang="zh-CN" sz="1200"/>
           </a:p>
         </p:txBody>
       </p:sp>
@@ -3813,7 +3775,7 @@
           <p:cNvSpPr txBox="1"/>
           <p:nvPr>
             <p:custDataLst>
-              <p:tags r:id="rId17"/>
+              <p:tags r:id="rId15"/>
             </p:custDataLst>
           </p:nvPr>
         </p:nvSpPr>
@@ -3831,6 +3793,7 @@
           <a:bodyPr wrap="square" rtlCol="0">
             <a:spAutoFit/>
           </a:bodyPr>
+          <a:lstStyle/>
           <a:p>
             <a:r>
               <a:rPr lang="en-US" altLang="zh-CN" sz="1200" b="1"/>
@@ -3840,13 +3803,12 @@
               <a:rPr lang="en-US" altLang="zh-CN" sz="1200"/>
               <a:t>: The classes of MHC</a:t>
             </a:r>
-            <a:endParaRPr lang="en-US" altLang="zh-CN" sz="1200"/>
           </a:p>
         </p:txBody>
       </p:sp>
     </p:spTree>
     <p:custDataLst>
-      <p:tags r:id="rId18"/>
+      <p:tags r:id="rId1"/>
     </p:custDataLst>
   </p:cSld>
   <p:clrMapOvr>
@@ -3878,7 +3840,7 @@
           <p:cNvSpPr txBox="1"/>
           <p:nvPr>
             <p:custDataLst>
-              <p:tags r:id="rId1"/>
+              <p:tags r:id="rId2"/>
             </p:custDataLst>
           </p:nvPr>
         </p:nvSpPr>
@@ -3896,12 +3858,12 @@
           <a:bodyPr wrap="square" rtlCol="0">
             <a:spAutoFit/>
           </a:bodyPr>
+          <a:lstStyle/>
           <a:p>
             <a:r>
               <a:rPr lang="en-US" altLang="zh-CN" sz="2800" b="1"/>
               <a:t>Progress so far</a:t>
             </a:r>
-            <a:endParaRPr lang="en-US" altLang="zh-CN" sz="2800" b="1"/>
           </a:p>
         </p:txBody>
       </p:sp>
@@ -3925,12 +3887,12 @@
           <a:bodyPr wrap="square" rtlCol="0">
             <a:spAutoFit/>
           </a:bodyPr>
+          <a:lstStyle/>
           <a:p>
             <a:r>
               <a:rPr lang="en-US" altLang="zh-CN" b="1"/>
               <a:t>Clustering model</a:t>
             </a:r>
-            <a:endParaRPr lang="en-US" altLang="zh-CN" b="1"/>
           </a:p>
         </p:txBody>
       </p:sp>
@@ -3942,12 +3904,12 @@
           </p:cNvPicPr>
           <p:nvPr>
             <p:custDataLst>
-              <p:tags r:id="rId2"/>
+              <p:tags r:id="rId3"/>
             </p:custDataLst>
           </p:nvPr>
         </p:nvPicPr>
         <p:blipFill>
-          <a:blip r:embed="rId3"/>
+          <a:blip r:embed="rId8"/>
           <a:stretch>
             <a:fillRect/>
           </a:stretch>
@@ -3975,7 +3937,7 @@
           </p:nvPr>
         </p:nvPicPr>
         <p:blipFill>
-          <a:blip r:embed="rId5"/>
+          <a:blip r:embed="rId9"/>
           <a:stretch>
             <a:fillRect/>
           </a:stretch>
@@ -3998,12 +3960,12 @@
           </p:cNvPicPr>
           <p:nvPr>
             <p:custDataLst>
-              <p:tags r:id="rId6"/>
+              <p:tags r:id="rId5"/>
             </p:custDataLst>
           </p:nvPr>
         </p:nvPicPr>
         <p:blipFill>
-          <a:blip r:embed="rId7"/>
+          <a:blip r:embed="rId10"/>
           <a:stretch>
             <a:fillRect/>
           </a:stretch>
@@ -4026,12 +3988,12 @@
           </p:cNvPicPr>
           <p:nvPr>
             <p:custDataLst>
-              <p:tags r:id="rId8"/>
+              <p:tags r:id="rId6"/>
             </p:custDataLst>
           </p:nvPr>
         </p:nvPicPr>
         <p:blipFill>
-          <a:blip r:embed="rId9"/>
+          <a:blip r:embed="rId11"/>
           <a:stretch>
             <a:fillRect/>
           </a:stretch>
@@ -4048,7 +4010,7 @@
       </p:pic>
     </p:spTree>
     <p:custDataLst>
-      <p:tags r:id="rId10"/>
+      <p:tags r:id="rId1"/>
     </p:custDataLst>
   </p:cSld>
   <p:clrMapOvr>
@@ -4080,7 +4042,7 @@
           <p:cNvSpPr txBox="1"/>
           <p:nvPr>
             <p:custDataLst>
-              <p:tags r:id="rId1"/>
+              <p:tags r:id="rId2"/>
             </p:custDataLst>
           </p:nvPr>
         </p:nvSpPr>
@@ -4098,12 +4060,12 @@
           <a:bodyPr wrap="square" rtlCol="0">
             <a:spAutoFit/>
           </a:bodyPr>
+          <a:lstStyle/>
           <a:p>
             <a:r>
               <a:rPr lang="en-US" altLang="zh-CN" sz="2800" b="1"/>
               <a:t>Progress so far</a:t>
             </a:r>
-            <a:endParaRPr lang="en-US" altLang="zh-CN" sz="2800" b="1"/>
           </a:p>
         </p:txBody>
       </p:sp>
@@ -4127,6 +4089,7 @@
           <a:bodyPr wrap="square" rtlCol="0">
             <a:spAutoFit/>
           </a:bodyPr>
+          <a:lstStyle/>
           <a:p>
             <a:r>
               <a:rPr lang="en-US" altLang="zh-CN" b="1"/>
@@ -4136,7 +4099,6 @@
               <a:rPr lang="en-US" altLang="zh-CN"/>
               <a:t>l</a:t>
             </a:r>
-            <a:endParaRPr lang="en-US" altLang="zh-CN"/>
           </a:p>
         </p:txBody>
       </p:sp>
@@ -4148,12 +4110,12 @@
           </p:cNvPicPr>
           <p:nvPr>
             <p:custDataLst>
-              <p:tags r:id="rId2"/>
+              <p:tags r:id="rId3"/>
             </p:custDataLst>
           </p:nvPr>
         </p:nvPicPr>
         <p:blipFill>
-          <a:blip r:embed="rId3"/>
+          <a:blip r:embed="rId6"/>
           <a:stretch>
             <a:fillRect/>
           </a:stretch>
@@ -4181,7 +4143,7 @@
           </p:nvPr>
         </p:nvPicPr>
         <p:blipFill>
-          <a:blip r:embed="rId5"/>
+          <a:blip r:embed="rId7"/>
           <a:stretch>
             <a:fillRect/>
           </a:stretch>
@@ -4198,7 +4160,7 @@
       </p:pic>
     </p:spTree>
     <p:custDataLst>
-      <p:tags r:id="rId6"/>
+      <p:tags r:id="rId1"/>
     </p:custDataLst>
   </p:cSld>
   <p:clrMapOvr>
@@ -4230,7 +4192,7 @@
           <p:cNvSpPr txBox="1"/>
           <p:nvPr>
             <p:custDataLst>
-              <p:tags r:id="rId1"/>
+              <p:tags r:id="rId2"/>
             </p:custDataLst>
           </p:nvPr>
         </p:nvSpPr>
@@ -4248,12 +4210,12 @@
           <a:bodyPr wrap="square" rtlCol="0">
             <a:spAutoFit/>
           </a:bodyPr>
+          <a:lstStyle/>
           <a:p>
             <a:r>
               <a:rPr lang="en-US" altLang="zh-CN" sz="2800" b="1"/>
               <a:t>Next planned steps and Challenges</a:t>
             </a:r>
-            <a:endParaRPr lang="en-US" altLang="zh-CN" sz="2800" b="1"/>
           </a:p>
         </p:txBody>
       </p:sp>
@@ -4265,12 +4227,12 @@
           </p:cNvPicPr>
           <p:nvPr>
             <p:custDataLst>
-              <p:tags r:id="rId2"/>
+              <p:tags r:id="rId3"/>
             </p:custDataLst>
           </p:nvPr>
         </p:nvPicPr>
         <p:blipFill>
-          <a:blip r:embed="rId3"/>
+          <a:blip r:embed="rId5"/>
           <a:stretch>
             <a:fillRect/>
           </a:stretch>
@@ -4287,7 +4249,7 @@
       </p:pic>
     </p:spTree>
     <p:custDataLst>
-      <p:tags r:id="rId4"/>
+      <p:tags r:id="rId1"/>
     </p:custDataLst>
   </p:cSld>
   <p:clrMapOvr>
@@ -4296,8 +4258,146 @@
 </p:sld>
 </file>
 
+<file path=ppt/slides/slide6.xml><?xml version="1.0" encoding="utf-8"?>
+<p:sld xmlns:a="http://schemas.openxmlformats.org/drawingml/2006/main" xmlns:r="http://schemas.openxmlformats.org/officeDocument/2006/relationships" xmlns:p="http://schemas.openxmlformats.org/presentationml/2006/main">
+  <p:cSld>
+    <p:spTree>
+      <p:nvGrpSpPr>
+        <p:cNvPr id="1" name="">
+          <a:extLst>
+            <a:ext uri="{FF2B5EF4-FFF2-40B4-BE49-F238E27FC236}">
+              <a16:creationId xmlns:a16="http://schemas.microsoft.com/office/drawing/2014/main" id="{773A152D-2506-3A90-F694-007DAFA1F58C}"/>
+            </a:ext>
+          </a:extLst>
+        </p:cNvPr>
+        <p:cNvGrpSpPr/>
+        <p:nvPr/>
+      </p:nvGrpSpPr>
+      <p:grpSpPr>
+        <a:xfrm>
+          <a:off x="0" y="0"/>
+          <a:ext cx="0" cy="0"/>
+          <a:chOff x="0" y="0"/>
+          <a:chExt cx="0" cy="0"/>
+        </a:xfrm>
+      </p:grpSpPr>
+      <p:sp>
+        <p:nvSpPr>
+          <p:cNvPr id="6" name="文本框 5">
+            <a:extLst>
+              <a:ext uri="{FF2B5EF4-FFF2-40B4-BE49-F238E27FC236}">
+                <a16:creationId xmlns:a16="http://schemas.microsoft.com/office/drawing/2014/main" id="{7D9F93A9-F08B-DFE2-2E32-893EA6182B55}"/>
+              </a:ext>
+            </a:extLst>
+          </p:cNvPr>
+          <p:cNvSpPr txBox="1"/>
+          <p:nvPr>
+            <p:custDataLst>
+              <p:tags r:id="rId2"/>
+            </p:custDataLst>
+          </p:nvPr>
+        </p:nvSpPr>
+        <p:spPr>
+          <a:xfrm>
+            <a:off x="525145" y="300355"/>
+            <a:ext cx="6654165" cy="523220"/>
+          </a:xfrm>
+          <a:prstGeom prst="rect">
+            <a:avLst/>
+          </a:prstGeom>
+          <a:noFill/>
+        </p:spPr>
+        <p:txBody>
+          <a:bodyPr wrap="square" rtlCol="0">
+            <a:spAutoFit/>
+          </a:bodyPr>
+          <a:lstStyle/>
+          <a:p>
+            <a:r>
+              <a:rPr lang="en-US" altLang="zh-CN" sz="2800" b="1" dirty="0"/>
+              <a:t>Further Challenges</a:t>
+            </a:r>
+          </a:p>
+        </p:txBody>
+      </p:sp>
+      <p:sp>
+        <p:nvSpPr>
+          <p:cNvPr id="3" name="文本框 2">
+            <a:extLst>
+              <a:ext uri="{FF2B5EF4-FFF2-40B4-BE49-F238E27FC236}">
+                <a16:creationId xmlns:a16="http://schemas.microsoft.com/office/drawing/2014/main" id="{667FEB93-2A25-2EEC-4859-8AA1B78ABBB6}"/>
+              </a:ext>
+            </a:extLst>
+          </p:cNvPr>
+          <p:cNvSpPr txBox="1"/>
+          <p:nvPr/>
+        </p:nvSpPr>
+        <p:spPr>
+          <a:xfrm>
+            <a:off x="1114696" y="1689462"/>
+            <a:ext cx="6235338" cy="2554545"/>
+          </a:xfrm>
+          <a:prstGeom prst="rect">
+            <a:avLst/>
+          </a:prstGeom>
+          <a:noFill/>
+        </p:spPr>
+        <p:txBody>
+          <a:bodyPr wrap="square" rtlCol="0">
+            <a:spAutoFit/>
+          </a:bodyPr>
+          <a:lstStyle/>
+          <a:p>
+            <a:r>
+              <a:rPr lang="en-US" altLang="zh-CN" sz="3200" dirty="0"/>
+              <a:t>- Data reliability</a:t>
+            </a:r>
+          </a:p>
+          <a:p>
+            <a:endParaRPr lang="en-US" altLang="zh-CN" sz="3200" dirty="0"/>
+          </a:p>
+          <a:p>
+            <a:r>
+              <a:rPr lang="en-US" altLang="zh-CN" sz="3200" dirty="0"/>
+              <a:t>- Candidate antigen choices</a:t>
+            </a:r>
+          </a:p>
+          <a:p>
+            <a:endParaRPr lang="en-US" altLang="zh-CN" sz="3200" dirty="0"/>
+          </a:p>
+          <a:p>
+            <a:r>
+              <a:rPr lang="en-US" altLang="zh-CN" sz="3200" dirty="0"/>
+              <a:t>- Try using deep learning</a:t>
+            </a:r>
+            <a:endParaRPr lang="zh-CN" altLang="en-US" sz="3200" dirty="0"/>
+          </a:p>
+        </p:txBody>
+      </p:sp>
+    </p:spTree>
+    <p:custDataLst>
+      <p:tags r:id="rId1"/>
+    </p:custDataLst>
+    <p:extLst>
+      <p:ext uri="{BB962C8B-B14F-4D97-AF65-F5344CB8AC3E}">
+        <p14:creationId xmlns:p14="http://schemas.microsoft.com/office/powerpoint/2010/main" val="2411048461"/>
+      </p:ext>
+    </p:extLst>
+  </p:cSld>
+  <p:clrMapOvr>
+    <a:masterClrMapping/>
+  </p:clrMapOvr>
+</p:sld>
+</file>
+
 <file path=ppt/tags/tag1.xml><?xml version="1.0" encoding="utf-8"?>
-<p:tagLst xmlns:p="http://schemas.openxmlformats.org/presentationml/2006/main">
+<p:tagLst xmlns:a="http://schemas.openxmlformats.org/drawingml/2006/main" xmlns:r="http://schemas.openxmlformats.org/officeDocument/2006/relationships" xmlns:p="http://schemas.openxmlformats.org/presentationml/2006/main">
+  <p:tag name="COMMONDATA" val="eyJoZGlkIjoiOWJiNGNjZTI1MjY3Mjg4NTUwM2QzZjRiZWZjNzFkNDUifQ=="/>
+</p:tagLst>
+</file>
+
+<file path=ppt/tags/tag10.xml><?xml version="1.0" encoding="utf-8"?>
+<p:tagLst xmlns:a="http://schemas.openxmlformats.org/drawingml/2006/main" xmlns:r="http://schemas.openxmlformats.org/officeDocument/2006/relationships" xmlns:p="http://schemas.openxmlformats.org/presentationml/2006/main">
   <p:tag name="KSO_WM_UNIT_HIGHLIGHT" val="0"/>
   <p:tag name="KSO_WM_UNIT_COMPATIBLE" val="0"/>
   <p:tag name="KSO_WM_UNIT_DIAGRAM_ISNUMVISUAL" val="0"/>
@@ -4309,8 +4409,34 @@
 </p:tagLst>
 </file>
 
-<file path=ppt/tags/tag10.xml><?xml version="1.0" encoding="utf-8"?>
-<p:tagLst xmlns:p="http://schemas.openxmlformats.org/presentationml/2006/main">
+<file path=ppt/tags/tag11.xml><?xml version="1.0" encoding="utf-8"?>
+<p:tagLst xmlns:a="http://schemas.openxmlformats.org/drawingml/2006/main" xmlns:r="http://schemas.openxmlformats.org/officeDocument/2006/relationships" xmlns:p="http://schemas.openxmlformats.org/presentationml/2006/main">
+  <p:tag name="KSO_WM_UNIT_HIGHLIGHT" val="0"/>
+  <p:tag name="KSO_WM_UNIT_COMPATIBLE" val="0"/>
+  <p:tag name="KSO_WM_UNIT_DIAGRAM_ISNUMVISUAL" val="0"/>
+  <p:tag name="KSO_WM_UNIT_DIAGRAM_ISREFERUNIT" val="0"/>
+  <p:tag name="KSO_WM_UNIT_ID" val="_1**"/>
+  <p:tag name="KSO_WM_UNIT_LAYERLEVEL" val="1"/>
+  <p:tag name="KSO_WM_TAG_VERSION" val="1.0"/>
+  <p:tag name="KSO_WM_BEAUTIFY_FLAG" val="#wm#"/>
+</p:tagLst>
+</file>
+
+<file path=ppt/tags/tag12.xml><?xml version="1.0" encoding="utf-8"?>
+<p:tagLst xmlns:a="http://schemas.openxmlformats.org/drawingml/2006/main" xmlns:r="http://schemas.openxmlformats.org/officeDocument/2006/relationships" xmlns:p="http://schemas.openxmlformats.org/presentationml/2006/main">
+  <p:tag name="KSO_WM_UNIT_HIGHLIGHT" val="0"/>
+  <p:tag name="KSO_WM_UNIT_COMPATIBLE" val="0"/>
+  <p:tag name="KSO_WM_UNIT_DIAGRAM_ISNUMVISUAL" val="0"/>
+  <p:tag name="KSO_WM_UNIT_DIAGRAM_ISREFERUNIT" val="0"/>
+  <p:tag name="KSO_WM_UNIT_ID" val="_1**"/>
+  <p:tag name="KSO_WM_UNIT_LAYERLEVEL" val="1"/>
+  <p:tag name="KSO_WM_TAG_VERSION" val="1.0"/>
+  <p:tag name="KSO_WM_BEAUTIFY_FLAG" val="#wm#"/>
+</p:tagLst>
+</file>
+
+<file path=ppt/tags/tag13.xml><?xml version="1.0" encoding="utf-8"?>
+<p:tagLst xmlns:a="http://schemas.openxmlformats.org/drawingml/2006/main" xmlns:r="http://schemas.openxmlformats.org/officeDocument/2006/relationships" xmlns:p="http://schemas.openxmlformats.org/presentationml/2006/main">
   <p:tag name="KSO_WM_UNIT_HIGHLIGHT" val="0"/>
   <p:tag name="KSO_WM_UNIT_COMPATIBLE" val="0"/>
   <p:tag name="KSO_WM_UNIT_DIAGRAM_ISNUMVISUAL" val="0"/>
@@ -4322,8 +4448,60 @@
 </p:tagLst>
 </file>
 
-<file path=ppt/tags/tag11.xml><?xml version="1.0" encoding="utf-8"?>
-<p:tagLst xmlns:p="http://schemas.openxmlformats.org/presentationml/2006/main">
+<file path=ppt/tags/tag14.xml><?xml version="1.0" encoding="utf-8"?>
+<p:tagLst xmlns:a="http://schemas.openxmlformats.org/drawingml/2006/main" xmlns:r="http://schemas.openxmlformats.org/officeDocument/2006/relationships" xmlns:p="http://schemas.openxmlformats.org/presentationml/2006/main">
+  <p:tag name="KSO_WM_UNIT_HIGHLIGHT" val="0"/>
+  <p:tag name="KSO_WM_UNIT_COMPATIBLE" val="0"/>
+  <p:tag name="KSO_WM_UNIT_DIAGRAM_ISNUMVISUAL" val="0"/>
+  <p:tag name="KSO_WM_UNIT_DIAGRAM_ISREFERUNIT" val="0"/>
+  <p:tag name="KSO_WM_UNIT_ID" val="_2**"/>
+  <p:tag name="KSO_WM_UNIT_LAYERLEVEL" val="1"/>
+  <p:tag name="KSO_WM_TAG_VERSION" val="1.0"/>
+  <p:tag name="KSO_WM_BEAUTIFY_FLAG" val="#wm#"/>
+</p:tagLst>
+</file>
+
+<file path=ppt/tags/tag15.xml><?xml version="1.0" encoding="utf-8"?>
+<p:tagLst xmlns:a="http://schemas.openxmlformats.org/drawingml/2006/main" xmlns:r="http://schemas.openxmlformats.org/officeDocument/2006/relationships" xmlns:p="http://schemas.openxmlformats.org/presentationml/2006/main">
+  <p:tag name="KSO_WM_UNIT_HIGHLIGHT" val="0"/>
+  <p:tag name="KSO_WM_UNIT_COMPATIBLE" val="0"/>
+  <p:tag name="KSO_WM_UNIT_DIAGRAM_ISNUMVISUAL" val="0"/>
+  <p:tag name="KSO_WM_UNIT_DIAGRAM_ISREFERUNIT" val="0"/>
+  <p:tag name="KSO_WM_UNIT_ID" val="_2**"/>
+  <p:tag name="KSO_WM_UNIT_LAYERLEVEL" val="1"/>
+  <p:tag name="KSO_WM_TAG_VERSION" val="1.0"/>
+  <p:tag name="KSO_WM_BEAUTIFY_FLAG" val="#wm#"/>
+</p:tagLst>
+</file>
+
+<file path=ppt/tags/tag16.xml><?xml version="1.0" encoding="utf-8"?>
+<p:tagLst xmlns:a="http://schemas.openxmlformats.org/drawingml/2006/main" xmlns:r="http://schemas.openxmlformats.org/officeDocument/2006/relationships" xmlns:p="http://schemas.openxmlformats.org/presentationml/2006/main">
+  <p:tag name="KSO_WM_UNIT_HIGHLIGHT" val="0"/>
+  <p:tag name="KSO_WM_UNIT_COMPATIBLE" val="0"/>
+  <p:tag name="KSO_WM_UNIT_DIAGRAM_ISNUMVISUAL" val="0"/>
+  <p:tag name="KSO_WM_UNIT_DIAGRAM_ISREFERUNIT" val="0"/>
+  <p:tag name="KSO_WM_UNIT_ID" val="_2**"/>
+  <p:tag name="KSO_WM_UNIT_LAYERLEVEL" val="1"/>
+  <p:tag name="KSO_WM_TAG_VERSION" val="1.0"/>
+  <p:tag name="KSO_WM_BEAUTIFY_FLAG" val="#wm#"/>
+</p:tagLst>
+</file>
+
+<file path=ppt/tags/tag17.xml><?xml version="1.0" encoding="utf-8"?>
+<p:tagLst xmlns:a="http://schemas.openxmlformats.org/drawingml/2006/main" xmlns:r="http://schemas.openxmlformats.org/officeDocument/2006/relationships" xmlns:p="http://schemas.openxmlformats.org/presentationml/2006/main">
+  <p:tag name="KSO_WM_UNIT_HIGHLIGHT" val="0"/>
+  <p:tag name="KSO_WM_UNIT_COMPATIBLE" val="0"/>
+  <p:tag name="KSO_WM_UNIT_DIAGRAM_ISNUMVISUAL" val="0"/>
+  <p:tag name="KSO_WM_UNIT_DIAGRAM_ISREFERUNIT" val="0"/>
+  <p:tag name="KSO_WM_UNIT_ID" val="_2**"/>
+  <p:tag name="KSO_WM_UNIT_LAYERLEVEL" val="1"/>
+  <p:tag name="KSO_WM_TAG_VERSION" val="1.0"/>
+  <p:tag name="KSO_WM_BEAUTIFY_FLAG" val="#wm#"/>
+</p:tagLst>
+</file>
+
+<file path=ppt/tags/tag18.xml><?xml version="1.0" encoding="utf-8"?>
+<p:tagLst xmlns:a="http://schemas.openxmlformats.org/drawingml/2006/main" xmlns:r="http://schemas.openxmlformats.org/officeDocument/2006/relationships" xmlns:p="http://schemas.openxmlformats.org/presentationml/2006/main">
   <p:tag name="KSO_WM_UNIT_HIGHLIGHT" val="0"/>
   <p:tag name="KSO_WM_UNIT_COMPATIBLE" val="0"/>
   <p:tag name="KSO_WM_UNIT_DIAGRAM_ISNUMVISUAL" val="0"/>
@@ -4335,8 +4513,8 @@
 </p:tagLst>
 </file>
 
-<file path=ppt/tags/tag12.xml><?xml version="1.0" encoding="utf-8"?>
-<p:tagLst xmlns:p="http://schemas.openxmlformats.org/presentationml/2006/main">
+<file path=ppt/tags/tag19.xml><?xml version="1.0" encoding="utf-8"?>
+<p:tagLst xmlns:a="http://schemas.openxmlformats.org/drawingml/2006/main" xmlns:r="http://schemas.openxmlformats.org/officeDocument/2006/relationships" xmlns:p="http://schemas.openxmlformats.org/presentationml/2006/main">
   <p:tag name="KSO_WM_UNIT_HIGHLIGHT" val="0"/>
   <p:tag name="KSO_WM_UNIT_COMPATIBLE" val="0"/>
   <p:tag name="KSO_WM_UNIT_DIAGRAM_ISNUMVISUAL" val="0"/>
@@ -4348,714 +4526,8 @@
 </p:tagLst>
 </file>
 
-<file path=ppt/tags/tag13.xml><?xml version="1.0" encoding="utf-8"?>
-<p:tagLst xmlns:p="http://schemas.openxmlformats.org/presentationml/2006/main">
-  <p:tag name="KSO_WM_UNIT_HIGHLIGHT" val="0"/>
-  <p:tag name="KSO_WM_UNIT_COMPATIBLE" val="0"/>
-  <p:tag name="KSO_WM_UNIT_DIAGRAM_ISNUMVISUAL" val="0"/>
-  <p:tag name="KSO_WM_UNIT_DIAGRAM_ISREFERUNIT" val="0"/>
-  <p:tag name="KSO_WM_UNIT_ID" val="_3**"/>
-  <p:tag name="KSO_WM_UNIT_LAYERLEVEL" val="1"/>
-  <p:tag name="KSO_WM_TAG_VERSION" val="1.0"/>
-  <p:tag name="KSO_WM_BEAUTIFY_FLAG" val="#wm#"/>
-</p:tagLst>
-</file>
-
-<file path=ppt/tags/tag14.xml><?xml version="1.0" encoding="utf-8"?>
-<p:tagLst xmlns:p="http://schemas.openxmlformats.org/presentationml/2006/main">
-  <p:tag name="KSO_WM_UNIT_HIGHLIGHT" val="0"/>
-  <p:tag name="KSO_WM_UNIT_COMPATIBLE" val="0"/>
-  <p:tag name="KSO_WM_UNIT_DIAGRAM_ISNUMVISUAL" val="0"/>
-  <p:tag name="KSO_WM_UNIT_DIAGRAM_ISREFERUNIT" val="0"/>
-  <p:tag name="KSO_WM_UNIT_ID" val="_3**"/>
-  <p:tag name="KSO_WM_UNIT_LAYERLEVEL" val="1"/>
-  <p:tag name="KSO_WM_TAG_VERSION" val="1.0"/>
-  <p:tag name="KSO_WM_BEAUTIFY_FLAG" val="#wm#"/>
-</p:tagLst>
-</file>
-
-<file path=ppt/tags/tag15.xml><?xml version="1.0" encoding="utf-8"?>
-<p:tagLst xmlns:p="http://schemas.openxmlformats.org/presentationml/2006/main">
-  <p:tag name="KSO_WM_UNIT_HIGHLIGHT" val="0"/>
-  <p:tag name="KSO_WM_UNIT_COMPATIBLE" val="0"/>
-  <p:tag name="KSO_WM_UNIT_DIAGRAM_ISNUMVISUAL" val="0"/>
-  <p:tag name="KSO_WM_UNIT_DIAGRAM_ISREFERUNIT" val="0"/>
-  <p:tag name="KSO_WM_UNIT_ID" val="_3**"/>
-  <p:tag name="KSO_WM_UNIT_LAYERLEVEL" val="1"/>
-  <p:tag name="KSO_WM_TAG_VERSION" val="1.0"/>
-  <p:tag name="KSO_WM_BEAUTIFY_FLAG" val="#wm#"/>
-</p:tagLst>
-</file>
-
-<file path=ppt/tags/tag16.xml><?xml version="1.0" encoding="utf-8"?>
-<p:tagLst xmlns:p="http://schemas.openxmlformats.org/presentationml/2006/main">
-  <p:tag name="KSO_WM_UNIT_HIGHLIGHT" val="0"/>
-  <p:tag name="KSO_WM_UNIT_COMPATIBLE" val="0"/>
-  <p:tag name="KSO_WM_UNIT_DIAGRAM_ISNUMVISUAL" val="0"/>
-  <p:tag name="KSO_WM_UNIT_DIAGRAM_ISREFERUNIT" val="0"/>
-  <p:tag name="KSO_WM_UNIT_ID" val="_4**"/>
-  <p:tag name="KSO_WM_UNIT_LAYERLEVEL" val="1"/>
-  <p:tag name="KSO_WM_TAG_VERSION" val="1.0"/>
-  <p:tag name="KSO_WM_BEAUTIFY_FLAG" val="#wm#"/>
-</p:tagLst>
-</file>
-
-<file path=ppt/tags/tag17.xml><?xml version="1.0" encoding="utf-8"?>
-<p:tagLst xmlns:p="http://schemas.openxmlformats.org/presentationml/2006/main">
-  <p:tag name="KSO_WM_UNIT_HIGHLIGHT" val="0"/>
-  <p:tag name="KSO_WM_UNIT_COMPATIBLE" val="0"/>
-  <p:tag name="KSO_WM_UNIT_DIAGRAM_ISNUMVISUAL" val="0"/>
-  <p:tag name="KSO_WM_UNIT_DIAGRAM_ISREFERUNIT" val="0"/>
-  <p:tag name="KSO_WM_UNIT_ID" val="_4**"/>
-  <p:tag name="KSO_WM_UNIT_LAYERLEVEL" val="1"/>
-  <p:tag name="KSO_WM_TAG_VERSION" val="1.0"/>
-  <p:tag name="KSO_WM_BEAUTIFY_FLAG" val="#wm#"/>
-</p:tagLst>
-</file>
-
-<file path=ppt/tags/tag18.xml><?xml version="1.0" encoding="utf-8"?>
-<p:tagLst xmlns:p="http://schemas.openxmlformats.org/presentationml/2006/main">
-  <p:tag name="KSO_WM_UNIT_HIGHLIGHT" val="0"/>
-  <p:tag name="KSO_WM_UNIT_COMPATIBLE" val="0"/>
-  <p:tag name="KSO_WM_UNIT_DIAGRAM_ISNUMVISUAL" val="0"/>
-  <p:tag name="KSO_WM_UNIT_DIAGRAM_ISREFERUNIT" val="0"/>
-  <p:tag name="KSO_WM_UNIT_ID" val="_4**"/>
-  <p:tag name="KSO_WM_UNIT_LAYERLEVEL" val="1"/>
-  <p:tag name="KSO_WM_TAG_VERSION" val="1.0"/>
-  <p:tag name="KSO_WM_BEAUTIFY_FLAG" val="#wm#"/>
-</p:tagLst>
-</file>
-
-<file path=ppt/tags/tag19.xml><?xml version="1.0" encoding="utf-8"?>
-<p:tagLst xmlns:p="http://schemas.openxmlformats.org/presentationml/2006/main">
-  <p:tag name="KSO_WM_UNIT_HIGHLIGHT" val="0"/>
-  <p:tag name="KSO_WM_UNIT_COMPATIBLE" val="0"/>
-  <p:tag name="KSO_WM_UNIT_DIAGRAM_ISNUMVISUAL" val="0"/>
-  <p:tag name="KSO_WM_UNIT_DIAGRAM_ISREFERUNIT" val="0"/>
-  <p:tag name="KSO_WM_UNIT_ID" val="_4**"/>
-  <p:tag name="KSO_WM_UNIT_LAYERLEVEL" val="1"/>
-  <p:tag name="KSO_WM_TAG_VERSION" val="1.0"/>
-  <p:tag name="KSO_WM_BEAUTIFY_FLAG" val="#wm#"/>
-</p:tagLst>
-</file>
-
 <file path=ppt/tags/tag2.xml><?xml version="1.0" encoding="utf-8"?>
-<p:tagLst xmlns:p="http://schemas.openxmlformats.org/presentationml/2006/main">
-  <p:tag name="KSO_WM_UNIT_HIGHLIGHT" val="0"/>
-  <p:tag name="KSO_WM_UNIT_COMPATIBLE" val="0"/>
-  <p:tag name="KSO_WM_UNIT_DIAGRAM_ISNUMVISUAL" val="0"/>
-  <p:tag name="KSO_WM_UNIT_DIAGRAM_ISREFERUNIT" val="0"/>
-  <p:tag name="KSO_WM_UNIT_ID" val="_1**"/>
-  <p:tag name="KSO_WM_UNIT_LAYERLEVEL" val="1"/>
-  <p:tag name="KSO_WM_TAG_VERSION" val="1.0"/>
-  <p:tag name="KSO_WM_BEAUTIFY_FLAG" val="#wm#"/>
-</p:tagLst>
-</file>
-
-<file path=ppt/tags/tag20.xml><?xml version="1.0" encoding="utf-8"?>
-<p:tagLst xmlns:p="http://schemas.openxmlformats.org/presentationml/2006/main">
-  <p:tag name="KSO_WM_UNIT_HIGHLIGHT" val="0"/>
-  <p:tag name="KSO_WM_UNIT_COMPATIBLE" val="0"/>
-  <p:tag name="KSO_WM_UNIT_DIAGRAM_ISNUMVISUAL" val="0"/>
-  <p:tag name="KSO_WM_UNIT_DIAGRAM_ISREFERUNIT" val="0"/>
-  <p:tag name="KSO_WM_UNIT_ID" val="_4**"/>
-  <p:tag name="KSO_WM_UNIT_LAYERLEVEL" val="1"/>
-  <p:tag name="KSO_WM_TAG_VERSION" val="1.0"/>
-  <p:tag name="KSO_WM_BEAUTIFY_FLAG" val="#wm#"/>
-</p:tagLst>
-</file>
-
-<file path=ppt/tags/tag21.xml><?xml version="1.0" encoding="utf-8"?>
-<p:tagLst xmlns:p="http://schemas.openxmlformats.org/presentationml/2006/main">
-  <p:tag name="KSO_WM_UNIT_HIGHLIGHT" val="0"/>
-  <p:tag name="KSO_WM_UNIT_COMPATIBLE" val="0"/>
-  <p:tag name="KSO_WM_UNIT_DIAGRAM_ISNUMVISUAL" val="0"/>
-  <p:tag name="KSO_WM_UNIT_DIAGRAM_ISREFERUNIT" val="0"/>
-  <p:tag name="KSO_WM_UNIT_ID" val="_4**"/>
-  <p:tag name="KSO_WM_UNIT_LAYERLEVEL" val="1"/>
-  <p:tag name="KSO_WM_TAG_VERSION" val="1.0"/>
-  <p:tag name="KSO_WM_BEAUTIFY_FLAG" val="#wm#"/>
-</p:tagLst>
-</file>
-
-<file path=ppt/tags/tag22.xml><?xml version="1.0" encoding="utf-8"?>
-<p:tagLst xmlns:p="http://schemas.openxmlformats.org/presentationml/2006/main">
-  <p:tag name="KSO_WM_UNIT_HIGHLIGHT" val="0"/>
-  <p:tag name="KSO_WM_UNIT_COMPATIBLE" val="0"/>
-  <p:tag name="KSO_WM_UNIT_DIAGRAM_ISNUMVISUAL" val="0"/>
-  <p:tag name="KSO_WM_UNIT_DIAGRAM_ISREFERUNIT" val="0"/>
-  <p:tag name="KSO_WM_UNIT_ID" val="_5**"/>
-  <p:tag name="KSO_WM_UNIT_LAYERLEVEL" val="1"/>
-  <p:tag name="KSO_WM_TAG_VERSION" val="1.0"/>
-  <p:tag name="KSO_WM_BEAUTIFY_FLAG" val="#wm#"/>
-</p:tagLst>
-</file>
-
-<file path=ppt/tags/tag23.xml><?xml version="1.0" encoding="utf-8"?>
-<p:tagLst xmlns:p="http://schemas.openxmlformats.org/presentationml/2006/main">
-  <p:tag name="KSO_WM_UNIT_HIGHLIGHT" val="0"/>
-  <p:tag name="KSO_WM_UNIT_COMPATIBLE" val="0"/>
-  <p:tag name="KSO_WM_UNIT_DIAGRAM_ISNUMVISUAL" val="0"/>
-  <p:tag name="KSO_WM_UNIT_DIAGRAM_ISREFERUNIT" val="0"/>
-  <p:tag name="KSO_WM_UNIT_ID" val="_5**"/>
-  <p:tag name="KSO_WM_UNIT_LAYERLEVEL" val="1"/>
-  <p:tag name="KSO_WM_TAG_VERSION" val="1.0"/>
-  <p:tag name="KSO_WM_BEAUTIFY_FLAG" val="#wm#"/>
-</p:tagLst>
-</file>
-
-<file path=ppt/tags/tag24.xml><?xml version="1.0" encoding="utf-8"?>
-<p:tagLst xmlns:p="http://schemas.openxmlformats.org/presentationml/2006/main">
-  <p:tag name="KSO_WM_UNIT_HIGHLIGHT" val="0"/>
-  <p:tag name="KSO_WM_UNIT_COMPATIBLE" val="0"/>
-  <p:tag name="KSO_WM_UNIT_DIAGRAM_ISNUMVISUAL" val="0"/>
-  <p:tag name="KSO_WM_UNIT_DIAGRAM_ISREFERUNIT" val="0"/>
-  <p:tag name="KSO_WM_UNIT_ID" val="_5**"/>
-  <p:tag name="KSO_WM_UNIT_LAYERLEVEL" val="1"/>
-  <p:tag name="KSO_WM_TAG_VERSION" val="1.0"/>
-  <p:tag name="KSO_WM_BEAUTIFY_FLAG" val="#wm#"/>
-</p:tagLst>
-</file>
-
-<file path=ppt/tags/tag25.xml><?xml version="1.0" encoding="utf-8"?>
-<p:tagLst xmlns:p="http://schemas.openxmlformats.org/presentationml/2006/main">
-  <p:tag name="KSO_WM_UNIT_HIGHLIGHT" val="0"/>
-  <p:tag name="KSO_WM_UNIT_COMPATIBLE" val="0"/>
-  <p:tag name="KSO_WM_UNIT_DIAGRAM_ISNUMVISUAL" val="0"/>
-  <p:tag name="KSO_WM_UNIT_DIAGRAM_ISREFERUNIT" val="0"/>
-  <p:tag name="KSO_WM_UNIT_ID" val="_5**"/>
-  <p:tag name="KSO_WM_UNIT_LAYERLEVEL" val="1"/>
-  <p:tag name="KSO_WM_TAG_VERSION" val="1.0"/>
-  <p:tag name="KSO_WM_BEAUTIFY_FLAG" val="#wm#"/>
-</p:tagLst>
-</file>
-
-<file path=ppt/tags/tag26.xml><?xml version="1.0" encoding="utf-8"?>
-<p:tagLst xmlns:p="http://schemas.openxmlformats.org/presentationml/2006/main">
-  <p:tag name="KSO_WM_UNIT_HIGHLIGHT" val="0"/>
-  <p:tag name="KSO_WM_UNIT_COMPATIBLE" val="0"/>
-  <p:tag name="KSO_WM_UNIT_DIAGRAM_ISNUMVISUAL" val="0"/>
-  <p:tag name="KSO_WM_UNIT_DIAGRAM_ISREFERUNIT" val="0"/>
-  <p:tag name="KSO_WM_UNIT_ID" val="_5**"/>
-  <p:tag name="KSO_WM_UNIT_LAYERLEVEL" val="1"/>
-  <p:tag name="KSO_WM_TAG_VERSION" val="1.0"/>
-  <p:tag name="KSO_WM_BEAUTIFY_FLAG" val="#wm#"/>
-</p:tagLst>
-</file>
-
-<file path=ppt/tags/tag27.xml><?xml version="1.0" encoding="utf-8"?>
-<p:tagLst xmlns:p="http://schemas.openxmlformats.org/presentationml/2006/main">
-  <p:tag name="KSO_WM_UNIT_HIGHLIGHT" val="0"/>
-  <p:tag name="KSO_WM_UNIT_COMPATIBLE" val="0"/>
-  <p:tag name="KSO_WM_UNIT_DIAGRAM_ISNUMVISUAL" val="0"/>
-  <p:tag name="KSO_WM_UNIT_DIAGRAM_ISREFERUNIT" val="0"/>
-  <p:tag name="KSO_WM_UNIT_ID" val="_5**"/>
-  <p:tag name="KSO_WM_UNIT_LAYERLEVEL" val="1"/>
-  <p:tag name="KSO_WM_TAG_VERSION" val="1.0"/>
-  <p:tag name="KSO_WM_BEAUTIFY_FLAG" val="#wm#"/>
-</p:tagLst>
-</file>
-
-<file path=ppt/tags/tag28.xml><?xml version="1.0" encoding="utf-8"?>
-<p:tagLst xmlns:p="http://schemas.openxmlformats.org/presentationml/2006/main">
-  <p:tag name="KSO_WM_UNIT_HIGHLIGHT" val="0"/>
-  <p:tag name="KSO_WM_UNIT_COMPATIBLE" val="0"/>
-  <p:tag name="KSO_WM_UNIT_DIAGRAM_ISNUMVISUAL" val="0"/>
-  <p:tag name="KSO_WM_UNIT_DIAGRAM_ISREFERUNIT" val="0"/>
-  <p:tag name="KSO_WM_UNIT_ID" val="_5**"/>
-  <p:tag name="KSO_WM_UNIT_LAYERLEVEL" val="1"/>
-  <p:tag name="KSO_WM_TAG_VERSION" val="1.0"/>
-  <p:tag name="KSO_WM_BEAUTIFY_FLAG" val="#wm#"/>
-</p:tagLst>
-</file>
-
-<file path=ppt/tags/tag29.xml><?xml version="1.0" encoding="utf-8"?>
-<p:tagLst xmlns:p="http://schemas.openxmlformats.org/presentationml/2006/main">
-  <p:tag name="KSO_WM_UNIT_HIGHLIGHT" val="0"/>
-  <p:tag name="KSO_WM_UNIT_COMPATIBLE" val="0"/>
-  <p:tag name="KSO_WM_UNIT_DIAGRAM_ISNUMVISUAL" val="0"/>
-  <p:tag name="KSO_WM_UNIT_DIAGRAM_ISREFERUNIT" val="0"/>
-  <p:tag name="KSO_WM_UNIT_ID" val="_5**"/>
-  <p:tag name="KSO_WM_UNIT_LAYERLEVEL" val="1"/>
-  <p:tag name="KSO_WM_TAG_VERSION" val="1.0"/>
-  <p:tag name="KSO_WM_BEAUTIFY_FLAG" val="#wm#"/>
-</p:tagLst>
-</file>
-
-<file path=ppt/tags/tag3.xml><?xml version="1.0" encoding="utf-8"?>
-<p:tagLst xmlns:p="http://schemas.openxmlformats.org/presentationml/2006/main">
-  <p:tag name="KSO_WM_UNIT_HIGHLIGHT" val="0"/>
-  <p:tag name="KSO_WM_UNIT_COMPATIBLE" val="0"/>
-  <p:tag name="KSO_WM_UNIT_DIAGRAM_ISNUMVISUAL" val="0"/>
-  <p:tag name="KSO_WM_UNIT_DIAGRAM_ISREFERUNIT" val="0"/>
-  <p:tag name="KSO_WM_UNIT_ID" val="_1**"/>
-  <p:tag name="KSO_WM_UNIT_LAYERLEVEL" val="1"/>
-  <p:tag name="KSO_WM_TAG_VERSION" val="1.0"/>
-  <p:tag name="KSO_WM_BEAUTIFY_FLAG" val="#wm#"/>
-</p:tagLst>
-</file>
-
-<file path=ppt/tags/tag30.xml><?xml version="1.0" encoding="utf-8"?>
-<p:tagLst xmlns:p="http://schemas.openxmlformats.org/presentationml/2006/main">
-  <p:tag name="KSO_WM_UNIT_HIGHLIGHT" val="0"/>
-  <p:tag name="KSO_WM_UNIT_COMPATIBLE" val="0"/>
-  <p:tag name="KSO_WM_UNIT_DIAGRAM_ISNUMVISUAL" val="0"/>
-  <p:tag name="KSO_WM_UNIT_DIAGRAM_ISREFERUNIT" val="0"/>
-  <p:tag name="KSO_WM_UNIT_ID" val="_6**"/>
-  <p:tag name="KSO_WM_UNIT_LAYERLEVEL" val="1"/>
-  <p:tag name="KSO_WM_TAG_VERSION" val="1.0"/>
-  <p:tag name="KSO_WM_BEAUTIFY_FLAG" val="#wm#"/>
-</p:tagLst>
-</file>
-
-<file path=ppt/tags/tag31.xml><?xml version="1.0" encoding="utf-8"?>
-<p:tagLst xmlns:p="http://schemas.openxmlformats.org/presentationml/2006/main">
-  <p:tag name="KSO_WM_UNIT_HIGHLIGHT" val="0"/>
-  <p:tag name="KSO_WM_UNIT_COMPATIBLE" val="0"/>
-  <p:tag name="KSO_WM_UNIT_DIAGRAM_ISNUMVISUAL" val="0"/>
-  <p:tag name="KSO_WM_UNIT_DIAGRAM_ISREFERUNIT" val="0"/>
-  <p:tag name="KSO_WM_UNIT_ID" val="_6**"/>
-  <p:tag name="KSO_WM_UNIT_LAYERLEVEL" val="1"/>
-  <p:tag name="KSO_WM_TAG_VERSION" val="1.0"/>
-  <p:tag name="KSO_WM_BEAUTIFY_FLAG" val="#wm#"/>
-</p:tagLst>
-</file>
-
-<file path=ppt/tags/tag32.xml><?xml version="1.0" encoding="utf-8"?>
-<p:tagLst xmlns:p="http://schemas.openxmlformats.org/presentationml/2006/main">
-  <p:tag name="KSO_WM_UNIT_HIGHLIGHT" val="0"/>
-  <p:tag name="KSO_WM_UNIT_COMPATIBLE" val="0"/>
-  <p:tag name="KSO_WM_UNIT_DIAGRAM_ISNUMVISUAL" val="0"/>
-  <p:tag name="KSO_WM_UNIT_DIAGRAM_ISREFERUNIT" val="0"/>
-  <p:tag name="KSO_WM_UNIT_ID" val="_6**"/>
-  <p:tag name="KSO_WM_UNIT_LAYERLEVEL" val="1"/>
-  <p:tag name="KSO_WM_TAG_VERSION" val="1.0"/>
-  <p:tag name="KSO_WM_BEAUTIFY_FLAG" val="#wm#"/>
-</p:tagLst>
-</file>
-
-<file path=ppt/tags/tag33.xml><?xml version="1.0" encoding="utf-8"?>
-<p:tagLst xmlns:p="http://schemas.openxmlformats.org/presentationml/2006/main">
-  <p:tag name="KSO_WM_UNIT_HIGHLIGHT" val="0"/>
-  <p:tag name="KSO_WM_UNIT_COMPATIBLE" val="0"/>
-  <p:tag name="KSO_WM_UNIT_DIAGRAM_ISNUMVISUAL" val="0"/>
-  <p:tag name="KSO_WM_UNIT_DIAGRAM_ISREFERUNIT" val="0"/>
-  <p:tag name="KSO_WM_UNIT_ID" val="_6**"/>
-  <p:tag name="KSO_WM_UNIT_LAYERLEVEL" val="1"/>
-  <p:tag name="KSO_WM_TAG_VERSION" val="1.0"/>
-  <p:tag name="KSO_WM_BEAUTIFY_FLAG" val="#wm#"/>
-</p:tagLst>
-</file>
-
-<file path=ppt/tags/tag34.xml><?xml version="1.0" encoding="utf-8"?>
-<p:tagLst xmlns:p="http://schemas.openxmlformats.org/presentationml/2006/main">
-  <p:tag name="KSO_WM_UNIT_HIGHLIGHT" val="0"/>
-  <p:tag name="KSO_WM_UNIT_COMPATIBLE" val="0"/>
-  <p:tag name="KSO_WM_UNIT_DIAGRAM_ISNUMVISUAL" val="0"/>
-  <p:tag name="KSO_WM_UNIT_DIAGRAM_ISREFERUNIT" val="0"/>
-  <p:tag name="KSO_WM_UNIT_ID" val="_7**"/>
-  <p:tag name="KSO_WM_UNIT_LAYERLEVEL" val="1"/>
-  <p:tag name="KSO_WM_TAG_VERSION" val="1.0"/>
-  <p:tag name="KSO_WM_BEAUTIFY_FLAG" val="#wm#"/>
-</p:tagLst>
-</file>
-
-<file path=ppt/tags/tag35.xml><?xml version="1.0" encoding="utf-8"?>
-<p:tagLst xmlns:p="http://schemas.openxmlformats.org/presentationml/2006/main">
-  <p:tag name="KSO_WM_UNIT_HIGHLIGHT" val="0"/>
-  <p:tag name="KSO_WM_UNIT_COMPATIBLE" val="0"/>
-  <p:tag name="KSO_WM_UNIT_DIAGRAM_ISNUMVISUAL" val="0"/>
-  <p:tag name="KSO_WM_UNIT_DIAGRAM_ISREFERUNIT" val="0"/>
-  <p:tag name="KSO_WM_UNIT_ID" val="_7**"/>
-  <p:tag name="KSO_WM_UNIT_LAYERLEVEL" val="1"/>
-  <p:tag name="KSO_WM_TAG_VERSION" val="1.0"/>
-  <p:tag name="KSO_WM_BEAUTIFY_FLAG" val="#wm#"/>
-</p:tagLst>
-</file>
-
-<file path=ppt/tags/tag36.xml><?xml version="1.0" encoding="utf-8"?>
-<p:tagLst xmlns:p="http://schemas.openxmlformats.org/presentationml/2006/main">
-  <p:tag name="KSO_WM_UNIT_HIGHLIGHT" val="0"/>
-  <p:tag name="KSO_WM_UNIT_COMPATIBLE" val="0"/>
-  <p:tag name="KSO_WM_UNIT_DIAGRAM_ISNUMVISUAL" val="0"/>
-  <p:tag name="KSO_WM_UNIT_DIAGRAM_ISREFERUNIT" val="0"/>
-  <p:tag name="KSO_WM_UNIT_ID" val="_7**"/>
-  <p:tag name="KSO_WM_UNIT_LAYERLEVEL" val="1"/>
-  <p:tag name="KSO_WM_TAG_VERSION" val="1.0"/>
-  <p:tag name="KSO_WM_BEAUTIFY_FLAG" val="#wm#"/>
-</p:tagLst>
-</file>
-
-<file path=ppt/tags/tag37.xml><?xml version="1.0" encoding="utf-8"?>
-<p:tagLst xmlns:p="http://schemas.openxmlformats.org/presentationml/2006/main">
-  <p:tag name="KSO_WM_UNIT_HIGHLIGHT" val="0"/>
-  <p:tag name="KSO_WM_UNIT_COMPATIBLE" val="0"/>
-  <p:tag name="KSO_WM_UNIT_DIAGRAM_ISNUMVISUAL" val="0"/>
-  <p:tag name="KSO_WM_UNIT_DIAGRAM_ISREFERUNIT" val="0"/>
-  <p:tag name="KSO_WM_UNIT_ID" val="_8**"/>
-  <p:tag name="KSO_WM_UNIT_LAYERLEVEL" val="1"/>
-  <p:tag name="KSO_WM_TAG_VERSION" val="1.0"/>
-  <p:tag name="KSO_WM_BEAUTIFY_FLAG" val="#wm#"/>
-</p:tagLst>
-</file>
-
-<file path=ppt/tags/tag38.xml><?xml version="1.0" encoding="utf-8"?>
-<p:tagLst xmlns:p="http://schemas.openxmlformats.org/presentationml/2006/main">
-  <p:tag name="KSO_WM_UNIT_HIGHLIGHT" val="0"/>
-  <p:tag name="KSO_WM_UNIT_COMPATIBLE" val="0"/>
-  <p:tag name="KSO_WM_UNIT_DIAGRAM_ISNUMVISUAL" val="0"/>
-  <p:tag name="KSO_WM_UNIT_DIAGRAM_ISREFERUNIT" val="0"/>
-  <p:tag name="KSO_WM_UNIT_ID" val="_8**"/>
-  <p:tag name="KSO_WM_UNIT_LAYERLEVEL" val="1"/>
-  <p:tag name="KSO_WM_TAG_VERSION" val="1.0"/>
-  <p:tag name="KSO_WM_BEAUTIFY_FLAG" val="#wm#"/>
-</p:tagLst>
-</file>
-
-<file path=ppt/tags/tag39.xml><?xml version="1.0" encoding="utf-8"?>
-<p:tagLst xmlns:p="http://schemas.openxmlformats.org/presentationml/2006/main">
-  <p:tag name="KSO_WM_UNIT_HIGHLIGHT" val="0"/>
-  <p:tag name="KSO_WM_UNIT_COMPATIBLE" val="0"/>
-  <p:tag name="KSO_WM_UNIT_DIAGRAM_ISNUMVISUAL" val="0"/>
-  <p:tag name="KSO_WM_UNIT_DIAGRAM_ISREFERUNIT" val="0"/>
-  <p:tag name="KSO_WM_UNIT_ID" val="_8**"/>
-  <p:tag name="KSO_WM_UNIT_LAYERLEVEL" val="1"/>
-  <p:tag name="KSO_WM_TAG_VERSION" val="1.0"/>
-  <p:tag name="KSO_WM_BEAUTIFY_FLAG" val="#wm#"/>
-</p:tagLst>
-</file>
-
-<file path=ppt/tags/tag4.xml><?xml version="1.0" encoding="utf-8"?>
-<p:tagLst xmlns:p="http://schemas.openxmlformats.org/presentationml/2006/main">
-  <p:tag name="KSO_WM_UNIT_HIGHLIGHT" val="0"/>
-  <p:tag name="KSO_WM_UNIT_COMPATIBLE" val="0"/>
-  <p:tag name="KSO_WM_UNIT_DIAGRAM_ISNUMVISUAL" val="0"/>
-  <p:tag name="KSO_WM_UNIT_DIAGRAM_ISREFERUNIT" val="0"/>
-  <p:tag name="KSO_WM_UNIT_ID" val="_1**"/>
-  <p:tag name="KSO_WM_UNIT_LAYERLEVEL" val="1"/>
-  <p:tag name="KSO_WM_TAG_VERSION" val="1.0"/>
-  <p:tag name="KSO_WM_BEAUTIFY_FLAG" val="#wm#"/>
-</p:tagLst>
-</file>
-
-<file path=ppt/tags/tag40.xml><?xml version="1.0" encoding="utf-8"?>
-<p:tagLst xmlns:p="http://schemas.openxmlformats.org/presentationml/2006/main">
-  <p:tag name="KSO_WM_UNIT_HIGHLIGHT" val="0"/>
-  <p:tag name="KSO_WM_UNIT_COMPATIBLE" val="0"/>
-  <p:tag name="KSO_WM_UNIT_DIAGRAM_ISNUMVISUAL" val="0"/>
-  <p:tag name="KSO_WM_UNIT_DIAGRAM_ISREFERUNIT" val="0"/>
-  <p:tag name="KSO_WM_UNIT_ID" val="_8**"/>
-  <p:tag name="KSO_WM_UNIT_LAYERLEVEL" val="1"/>
-  <p:tag name="KSO_WM_TAG_VERSION" val="1.0"/>
-  <p:tag name="KSO_WM_BEAUTIFY_FLAG" val="#wm#"/>
-</p:tagLst>
-</file>
-
-<file path=ppt/tags/tag41.xml><?xml version="1.0" encoding="utf-8"?>
-<p:tagLst xmlns:p="http://schemas.openxmlformats.org/presentationml/2006/main">
-  <p:tag name="KSO_WM_UNIT_HIGHLIGHT" val="0"/>
-  <p:tag name="KSO_WM_UNIT_COMPATIBLE" val="0"/>
-  <p:tag name="KSO_WM_UNIT_DIAGRAM_ISNUMVISUAL" val="0"/>
-  <p:tag name="KSO_WM_UNIT_DIAGRAM_ISREFERUNIT" val="0"/>
-  <p:tag name="KSO_WM_UNIT_ID" val="_8**"/>
-  <p:tag name="KSO_WM_UNIT_LAYERLEVEL" val="1"/>
-  <p:tag name="KSO_WM_TAG_VERSION" val="1.0"/>
-  <p:tag name="KSO_WM_BEAUTIFY_FLAG" val="#wm#"/>
-</p:tagLst>
-</file>
-
-<file path=ppt/tags/tag42.xml><?xml version="1.0" encoding="utf-8"?>
-<p:tagLst xmlns:p="http://schemas.openxmlformats.org/presentationml/2006/main">
-  <p:tag name="KSO_WM_UNIT_HIGHLIGHT" val="0"/>
-  <p:tag name="KSO_WM_UNIT_COMPATIBLE" val="0"/>
-  <p:tag name="KSO_WM_UNIT_DIAGRAM_ISNUMVISUAL" val="0"/>
-  <p:tag name="KSO_WM_UNIT_DIAGRAM_ISREFERUNIT" val="0"/>
-  <p:tag name="KSO_WM_UNIT_ID" val="_8**"/>
-  <p:tag name="KSO_WM_UNIT_LAYERLEVEL" val="1"/>
-  <p:tag name="KSO_WM_TAG_VERSION" val="1.0"/>
-  <p:tag name="KSO_WM_BEAUTIFY_FLAG" val="#wm#"/>
-</p:tagLst>
-</file>
-
-<file path=ppt/tags/tag43.xml><?xml version="1.0" encoding="utf-8"?>
-<p:tagLst xmlns:p="http://schemas.openxmlformats.org/presentationml/2006/main">
-  <p:tag name="KSO_WM_UNIT_HIGHLIGHT" val="0"/>
-  <p:tag name="KSO_WM_UNIT_COMPATIBLE" val="0"/>
-  <p:tag name="KSO_WM_UNIT_DIAGRAM_ISNUMVISUAL" val="0"/>
-  <p:tag name="KSO_WM_UNIT_DIAGRAM_ISREFERUNIT" val="0"/>
-  <p:tag name="KSO_WM_UNIT_ID" val="_9**"/>
-  <p:tag name="KSO_WM_UNIT_LAYERLEVEL" val="1"/>
-  <p:tag name="KSO_WM_TAG_VERSION" val="1.0"/>
-  <p:tag name="KSO_WM_BEAUTIFY_FLAG" val="#wm#"/>
-</p:tagLst>
-</file>
-
-<file path=ppt/tags/tag44.xml><?xml version="1.0" encoding="utf-8"?>
-<p:tagLst xmlns:p="http://schemas.openxmlformats.org/presentationml/2006/main">
-  <p:tag name="KSO_WM_UNIT_HIGHLIGHT" val="0"/>
-  <p:tag name="KSO_WM_UNIT_COMPATIBLE" val="0"/>
-  <p:tag name="KSO_WM_UNIT_DIAGRAM_ISNUMVISUAL" val="0"/>
-  <p:tag name="KSO_WM_UNIT_DIAGRAM_ISREFERUNIT" val="0"/>
-  <p:tag name="KSO_WM_UNIT_ID" val="_9**"/>
-  <p:tag name="KSO_WM_UNIT_LAYERLEVEL" val="1"/>
-  <p:tag name="KSO_WM_TAG_VERSION" val="1.0"/>
-  <p:tag name="KSO_WM_BEAUTIFY_FLAG" val="#wm#"/>
-</p:tagLst>
-</file>
-
-<file path=ppt/tags/tag45.xml><?xml version="1.0" encoding="utf-8"?>
-<p:tagLst xmlns:p="http://schemas.openxmlformats.org/presentationml/2006/main">
-  <p:tag name="KSO_WM_UNIT_HIGHLIGHT" val="0"/>
-  <p:tag name="KSO_WM_UNIT_COMPATIBLE" val="0"/>
-  <p:tag name="KSO_WM_UNIT_DIAGRAM_ISNUMVISUAL" val="0"/>
-  <p:tag name="KSO_WM_UNIT_DIAGRAM_ISREFERUNIT" val="0"/>
-  <p:tag name="KSO_WM_UNIT_ID" val="_9**"/>
-  <p:tag name="KSO_WM_UNIT_LAYERLEVEL" val="1"/>
-  <p:tag name="KSO_WM_TAG_VERSION" val="1.0"/>
-  <p:tag name="KSO_WM_BEAUTIFY_FLAG" val="#wm#"/>
-</p:tagLst>
-</file>
-
-<file path=ppt/tags/tag46.xml><?xml version="1.0" encoding="utf-8"?>
-<p:tagLst xmlns:p="http://schemas.openxmlformats.org/presentationml/2006/main">
-  <p:tag name="KSO_WM_UNIT_HIGHLIGHT" val="0"/>
-  <p:tag name="KSO_WM_UNIT_COMPATIBLE" val="0"/>
-  <p:tag name="KSO_WM_UNIT_DIAGRAM_ISNUMVISUAL" val="0"/>
-  <p:tag name="KSO_WM_UNIT_DIAGRAM_ISREFERUNIT" val="0"/>
-  <p:tag name="KSO_WM_UNIT_ID" val="_9**"/>
-  <p:tag name="KSO_WM_UNIT_LAYERLEVEL" val="1"/>
-  <p:tag name="KSO_WM_TAG_VERSION" val="1.0"/>
-  <p:tag name="KSO_WM_BEAUTIFY_FLAG" val="#wm#"/>
-</p:tagLst>
-</file>
-
-<file path=ppt/tags/tag47.xml><?xml version="1.0" encoding="utf-8"?>
-<p:tagLst xmlns:p="http://schemas.openxmlformats.org/presentationml/2006/main">
-  <p:tag name="KSO_WM_UNIT_HIGHLIGHT" val="0"/>
-  <p:tag name="KSO_WM_UNIT_COMPATIBLE" val="0"/>
-  <p:tag name="KSO_WM_UNIT_DIAGRAM_ISNUMVISUAL" val="0"/>
-  <p:tag name="KSO_WM_UNIT_DIAGRAM_ISREFERUNIT" val="0"/>
-  <p:tag name="KSO_WM_UNIT_ID" val="_9**"/>
-  <p:tag name="KSO_WM_UNIT_LAYERLEVEL" val="1"/>
-  <p:tag name="KSO_WM_TAG_VERSION" val="1.0"/>
-  <p:tag name="KSO_WM_BEAUTIFY_FLAG" val="#wm#"/>
-</p:tagLst>
-</file>
-
-<file path=ppt/tags/tag48.xml><?xml version="1.0" encoding="utf-8"?>
-<p:tagLst xmlns:p="http://schemas.openxmlformats.org/presentationml/2006/main">
-  <p:tag name="KSO_WM_UNIT_HIGHLIGHT" val="0"/>
-  <p:tag name="KSO_WM_UNIT_COMPATIBLE" val="0"/>
-  <p:tag name="KSO_WM_UNIT_DIAGRAM_ISNUMVISUAL" val="0"/>
-  <p:tag name="KSO_WM_UNIT_DIAGRAM_ISREFERUNIT" val="0"/>
-  <p:tag name="KSO_WM_UNIT_ID" val="_10**"/>
-  <p:tag name="KSO_WM_UNIT_LAYERLEVEL" val="1"/>
-  <p:tag name="KSO_WM_TAG_VERSION" val="1.0"/>
-  <p:tag name="KSO_WM_BEAUTIFY_FLAG" val="#wm#"/>
-</p:tagLst>
-</file>
-
-<file path=ppt/tags/tag49.xml><?xml version="1.0" encoding="utf-8"?>
-<p:tagLst xmlns:p="http://schemas.openxmlformats.org/presentationml/2006/main">
-  <p:tag name="KSO_WM_UNIT_HIGHLIGHT" val="0"/>
-  <p:tag name="KSO_WM_UNIT_COMPATIBLE" val="0"/>
-  <p:tag name="KSO_WM_UNIT_DIAGRAM_ISNUMVISUAL" val="0"/>
-  <p:tag name="KSO_WM_UNIT_DIAGRAM_ISREFERUNIT" val="0"/>
-  <p:tag name="KSO_WM_UNIT_ID" val="_10**"/>
-  <p:tag name="KSO_WM_UNIT_LAYERLEVEL" val="1"/>
-  <p:tag name="KSO_WM_TAG_VERSION" val="1.0"/>
-  <p:tag name="KSO_WM_BEAUTIFY_FLAG" val="#wm#"/>
-</p:tagLst>
-</file>
-
-<file path=ppt/tags/tag5.xml><?xml version="1.0" encoding="utf-8"?>
-<p:tagLst xmlns:p="http://schemas.openxmlformats.org/presentationml/2006/main">
-  <p:tag name="KSO_WM_UNIT_HIGHLIGHT" val="0"/>
-  <p:tag name="KSO_WM_UNIT_COMPATIBLE" val="0"/>
-  <p:tag name="KSO_WM_UNIT_DIAGRAM_ISNUMVISUAL" val="0"/>
-  <p:tag name="KSO_WM_UNIT_DIAGRAM_ISREFERUNIT" val="0"/>
-  <p:tag name="KSO_WM_UNIT_ID" val="_1**"/>
-  <p:tag name="KSO_WM_UNIT_LAYERLEVEL" val="1"/>
-  <p:tag name="KSO_WM_TAG_VERSION" val="1.0"/>
-  <p:tag name="KSO_WM_BEAUTIFY_FLAG" val="#wm#"/>
-</p:tagLst>
-</file>
-
-<file path=ppt/tags/tag50.xml><?xml version="1.0" encoding="utf-8"?>
-<p:tagLst xmlns:p="http://schemas.openxmlformats.org/presentationml/2006/main">
-  <p:tag name="KSO_WM_UNIT_HIGHLIGHT" val="0"/>
-  <p:tag name="KSO_WM_UNIT_COMPATIBLE" val="0"/>
-  <p:tag name="KSO_WM_UNIT_DIAGRAM_ISNUMVISUAL" val="0"/>
-  <p:tag name="KSO_WM_UNIT_DIAGRAM_ISREFERUNIT" val="0"/>
-  <p:tag name="KSO_WM_UNIT_ID" val="_10**"/>
-  <p:tag name="KSO_WM_UNIT_LAYERLEVEL" val="1"/>
-  <p:tag name="KSO_WM_TAG_VERSION" val="1.0"/>
-  <p:tag name="KSO_WM_BEAUTIFY_FLAG" val="#wm#"/>
-</p:tagLst>
-</file>
-
-<file path=ppt/tags/tag51.xml><?xml version="1.0" encoding="utf-8"?>
-<p:tagLst xmlns:p="http://schemas.openxmlformats.org/presentationml/2006/main">
-  <p:tag name="KSO_WM_UNIT_HIGHLIGHT" val="0"/>
-  <p:tag name="KSO_WM_UNIT_COMPATIBLE" val="0"/>
-  <p:tag name="KSO_WM_UNIT_DIAGRAM_ISNUMVISUAL" val="0"/>
-  <p:tag name="KSO_WM_UNIT_DIAGRAM_ISREFERUNIT" val="0"/>
-  <p:tag name="KSO_WM_UNIT_ID" val="_10**"/>
-  <p:tag name="KSO_WM_UNIT_LAYERLEVEL" val="1"/>
-  <p:tag name="KSO_WM_TAG_VERSION" val="1.0"/>
-  <p:tag name="KSO_WM_BEAUTIFY_FLAG" val="#wm#"/>
-</p:tagLst>
-</file>
-
-<file path=ppt/tags/tag52.xml><?xml version="1.0" encoding="utf-8"?>
-<p:tagLst xmlns:p="http://schemas.openxmlformats.org/presentationml/2006/main">
-  <p:tag name="KSO_WM_UNIT_HIGHLIGHT" val="0"/>
-  <p:tag name="KSO_WM_UNIT_COMPATIBLE" val="0"/>
-  <p:tag name="KSO_WM_UNIT_DIAGRAM_ISNUMVISUAL" val="0"/>
-  <p:tag name="KSO_WM_UNIT_DIAGRAM_ISREFERUNIT" val="0"/>
-  <p:tag name="KSO_WM_UNIT_ID" val="_11**"/>
-  <p:tag name="KSO_WM_UNIT_LAYERLEVEL" val="1"/>
-  <p:tag name="KSO_WM_TAG_VERSION" val="1.0"/>
-  <p:tag name="KSO_WM_BEAUTIFY_FLAG" val="#wm#"/>
-</p:tagLst>
-</file>
-
-<file path=ppt/tags/tag53.xml><?xml version="1.0" encoding="utf-8"?>
-<p:tagLst xmlns:p="http://schemas.openxmlformats.org/presentationml/2006/main">
-  <p:tag name="KSO_WM_UNIT_HIGHLIGHT" val="0"/>
-  <p:tag name="KSO_WM_UNIT_COMPATIBLE" val="0"/>
-  <p:tag name="KSO_WM_UNIT_DIAGRAM_ISNUMVISUAL" val="0"/>
-  <p:tag name="KSO_WM_UNIT_DIAGRAM_ISREFERUNIT" val="0"/>
-  <p:tag name="KSO_WM_UNIT_ID" val="_11**"/>
-  <p:tag name="KSO_WM_UNIT_LAYERLEVEL" val="1"/>
-  <p:tag name="KSO_WM_TAG_VERSION" val="1.0"/>
-  <p:tag name="KSO_WM_BEAUTIFY_FLAG" val="#wm#"/>
-</p:tagLst>
-</file>
-
-<file path=ppt/tags/tag54.xml><?xml version="1.0" encoding="utf-8"?>
-<p:tagLst xmlns:p="http://schemas.openxmlformats.org/presentationml/2006/main">
-  <p:tag name="KSO_WM_UNIT_HIGHLIGHT" val="0"/>
-  <p:tag name="KSO_WM_UNIT_COMPATIBLE" val="0"/>
-  <p:tag name="KSO_WM_UNIT_DIAGRAM_ISNUMVISUAL" val="0"/>
-  <p:tag name="KSO_WM_UNIT_DIAGRAM_ISREFERUNIT" val="0"/>
-  <p:tag name="KSO_WM_UNIT_ID" val="_11**"/>
-  <p:tag name="KSO_WM_UNIT_LAYERLEVEL" val="1"/>
-  <p:tag name="KSO_WM_TAG_VERSION" val="1.0"/>
-  <p:tag name="KSO_WM_BEAUTIFY_FLAG" val="#wm#"/>
-</p:tagLst>
-</file>
-
-<file path=ppt/tags/tag55.xml><?xml version="1.0" encoding="utf-8"?>
-<p:tagLst xmlns:p="http://schemas.openxmlformats.org/presentationml/2006/main">
-  <p:tag name="KSO_WM_UNIT_HIGHLIGHT" val="0"/>
-  <p:tag name="KSO_WM_UNIT_COMPATIBLE" val="0"/>
-  <p:tag name="KSO_WM_UNIT_DIAGRAM_ISNUMVISUAL" val="0"/>
-  <p:tag name="KSO_WM_UNIT_DIAGRAM_ISREFERUNIT" val="0"/>
-  <p:tag name="KSO_WM_UNIT_ID" val="_11**"/>
-  <p:tag name="KSO_WM_UNIT_LAYERLEVEL" val="1"/>
-  <p:tag name="KSO_WM_TAG_VERSION" val="1.0"/>
-  <p:tag name="KSO_WM_BEAUTIFY_FLAG" val="#wm#"/>
-</p:tagLst>
-</file>
-
-<file path=ppt/tags/tag56.xml><?xml version="1.0" encoding="utf-8"?>
-<p:tagLst xmlns:p="http://schemas.openxmlformats.org/presentationml/2006/main">
-  <p:tag name="KSO_WM_UNIT_HIGHLIGHT" val="0"/>
-  <p:tag name="KSO_WM_UNIT_COMPATIBLE" val="0"/>
-  <p:tag name="KSO_WM_UNIT_DIAGRAM_ISNUMVISUAL" val="0"/>
-  <p:tag name="KSO_WM_UNIT_DIAGRAM_ISREFERUNIT" val="0"/>
-  <p:tag name="KSO_WM_UNIT_ID" val="_11**"/>
-  <p:tag name="KSO_WM_UNIT_LAYERLEVEL" val="1"/>
-  <p:tag name="KSO_WM_TAG_VERSION" val="1.0"/>
-  <p:tag name="KSO_WM_BEAUTIFY_FLAG" val="#wm#"/>
-</p:tagLst>
-</file>
-
-<file path=ppt/tags/tag57.xml><?xml version="1.0" encoding="utf-8"?>
-<p:tagLst xmlns:p="http://schemas.openxmlformats.org/presentationml/2006/main">
-  <p:tag name="KSO_WM_UNIT_HIGHLIGHT" val="0"/>
-  <p:tag name="KSO_WM_UNIT_COMPATIBLE" val="0"/>
-  <p:tag name="KSO_WM_UNIT_DIAGRAM_ISNUMVISUAL" val="0"/>
-  <p:tag name="KSO_WM_UNIT_DIAGRAM_ISREFERUNIT" val="0"/>
-  <p:tag name="KSO_WM_UNIT_ID" val="_0**"/>
-  <p:tag name="KSO_WM_UNIT_LAYERLEVEL" val="1"/>
-  <p:tag name="KSO_WM_TAG_VERSION" val="1.0"/>
-  <p:tag name="KSO_WM_BEAUTIFY_FLAG" val="#wm#"/>
-  <p:tag name="KSO_WM_TEMPLATE_CATEGORY" val="custom"/>
-  <p:tag name="KSO_WM_TEMPLATE_INDEX" val="20205081"/>
-</p:tagLst>
-</file>
-
-<file path=ppt/tags/tag58.xml><?xml version="1.0" encoding="utf-8"?>
-<p:tagLst xmlns:p="http://schemas.openxmlformats.org/presentationml/2006/main">
-  <p:tag name="KSO_WM_UNIT_HIGHLIGHT" val="0"/>
-  <p:tag name="KSO_WM_UNIT_COMPATIBLE" val="0"/>
-  <p:tag name="KSO_WM_UNIT_DIAGRAM_ISNUMVISUAL" val="0"/>
-  <p:tag name="KSO_WM_UNIT_DIAGRAM_ISREFERUNIT" val="0"/>
-  <p:tag name="KSO_WM_UNIT_ID" val="_0**"/>
-  <p:tag name="KSO_WM_UNIT_LAYERLEVEL" val="1"/>
-  <p:tag name="KSO_WM_TAG_VERSION" val="1.0"/>
-  <p:tag name="KSO_WM_BEAUTIFY_FLAG" val="#wm#"/>
-  <p:tag name="KSO_WM_TEMPLATE_CATEGORY" val="custom"/>
-  <p:tag name="KSO_WM_TEMPLATE_INDEX" val="20205081"/>
-</p:tagLst>
-</file>
-
-<file path=ppt/tags/tag59.xml><?xml version="1.0" encoding="utf-8"?>
-<p:tagLst xmlns:p="http://schemas.openxmlformats.org/presentationml/2006/main">
-  <p:tag name="KSO_WM_UNIT_HIGHLIGHT" val="0"/>
-  <p:tag name="KSO_WM_UNIT_COMPATIBLE" val="0"/>
-  <p:tag name="KSO_WM_UNIT_DIAGRAM_ISNUMVISUAL" val="0"/>
-  <p:tag name="KSO_WM_UNIT_DIAGRAM_ISREFERUNIT" val="0"/>
-  <p:tag name="KSO_WM_UNIT_ID" val="_0**"/>
-  <p:tag name="KSO_WM_UNIT_LAYERLEVEL" val="1"/>
-  <p:tag name="KSO_WM_TAG_VERSION" val="1.0"/>
-  <p:tag name="KSO_WM_BEAUTIFY_FLAG" val="#wm#"/>
-</p:tagLst>
-</file>
-
-<file path=ppt/tags/tag6.xml><?xml version="1.0" encoding="utf-8"?>
-<p:tagLst xmlns:p="http://schemas.openxmlformats.org/presentationml/2006/main">
-  <p:tag name="KSO_WM_UNIT_HIGHLIGHT" val="0"/>
-  <p:tag name="KSO_WM_UNIT_COMPATIBLE" val="0"/>
-  <p:tag name="KSO_WM_UNIT_DIAGRAM_ISNUMVISUAL" val="0"/>
-  <p:tag name="KSO_WM_UNIT_DIAGRAM_ISREFERUNIT" val="0"/>
-  <p:tag name="KSO_WM_UNIT_ID" val="_2**"/>
-  <p:tag name="KSO_WM_UNIT_LAYERLEVEL" val="1"/>
-  <p:tag name="KSO_WM_TAG_VERSION" val="1.0"/>
-  <p:tag name="KSO_WM_BEAUTIFY_FLAG" val="#wm#"/>
-</p:tagLst>
-</file>
-
-<file path=ppt/tags/tag60.xml><?xml version="1.0" encoding="utf-8"?>
-<p:tagLst xmlns:p="http://schemas.openxmlformats.org/presentationml/2006/main">
-  <p:tag name="KSO_WM_UNIT_HIGHLIGHT" val="0"/>
-  <p:tag name="KSO_WM_UNIT_COMPATIBLE" val="0"/>
-  <p:tag name="KSO_WM_UNIT_DIAGRAM_ISNUMVISUAL" val="0"/>
-  <p:tag name="KSO_WM_UNIT_DIAGRAM_ISREFERUNIT" val="0"/>
-  <p:tag name="KSO_WM_UNIT_ID" val="_0**"/>
-  <p:tag name="KSO_WM_UNIT_LAYERLEVEL" val="1"/>
-  <p:tag name="KSO_WM_TAG_VERSION" val="1.0"/>
-  <p:tag name="KSO_WM_BEAUTIFY_FLAG" val="#wm#"/>
-</p:tagLst>
-</file>
-
-<file path=ppt/tags/tag61.xml><?xml version="1.0" encoding="utf-8"?>
-<p:tagLst xmlns:p="http://schemas.openxmlformats.org/presentationml/2006/main">
-  <p:tag name="KSO_WM_UNIT_HIGHLIGHT" val="0"/>
-  <p:tag name="KSO_WM_UNIT_COMPATIBLE" val="0"/>
-  <p:tag name="KSO_WM_UNIT_DIAGRAM_ISNUMVISUAL" val="0"/>
-  <p:tag name="KSO_WM_UNIT_DIAGRAM_ISREFERUNIT" val="0"/>
-  <p:tag name="KSO_WM_UNIT_ID" val="_0**"/>
-  <p:tag name="KSO_WM_UNIT_LAYERLEVEL" val="1"/>
-  <p:tag name="KSO_WM_TAG_VERSION" val="1.0"/>
-  <p:tag name="KSO_WM_BEAUTIFY_FLAG" val="#wm#"/>
-</p:tagLst>
-</file>
-
-<file path=ppt/tags/tag62.xml><?xml version="1.0" encoding="utf-8"?>
-<p:tagLst xmlns:p="http://schemas.openxmlformats.org/presentationml/2006/main">
+<p:tagLst xmlns:a="http://schemas.openxmlformats.org/drawingml/2006/main" xmlns:r="http://schemas.openxmlformats.org/officeDocument/2006/relationships" xmlns:p="http://schemas.openxmlformats.org/presentationml/2006/main">
   <p:tag name="KSO_WM_TEMPLATE_THUMBS_INDEX" val="1、4、7、12、13、14、15、16、17、18、20、24、25、28、33、36、40、43、44"/>
   <p:tag name="KSO_WM_TEMPLATE_SUBCATEGORY" val="19"/>
   <p:tag name="KSO_WM_TAG_VERSION" val="1.0"/>
@@ -5068,8 +4540,636 @@
 </p:tagLst>
 </file>
 
+<file path=ppt/tags/tag20.xml><?xml version="1.0" encoding="utf-8"?>
+<p:tagLst xmlns:a="http://schemas.openxmlformats.org/drawingml/2006/main" xmlns:r="http://schemas.openxmlformats.org/officeDocument/2006/relationships" xmlns:p="http://schemas.openxmlformats.org/presentationml/2006/main">
+  <p:tag name="KSO_WM_UNIT_HIGHLIGHT" val="0"/>
+  <p:tag name="KSO_WM_UNIT_COMPATIBLE" val="0"/>
+  <p:tag name="KSO_WM_UNIT_DIAGRAM_ISNUMVISUAL" val="0"/>
+  <p:tag name="KSO_WM_UNIT_DIAGRAM_ISREFERUNIT" val="0"/>
+  <p:tag name="KSO_WM_UNIT_ID" val="_3**"/>
+  <p:tag name="KSO_WM_UNIT_LAYERLEVEL" val="1"/>
+  <p:tag name="KSO_WM_TAG_VERSION" val="1.0"/>
+  <p:tag name="KSO_WM_BEAUTIFY_FLAG" val="#wm#"/>
+</p:tagLst>
+</file>
+
+<file path=ppt/tags/tag21.xml><?xml version="1.0" encoding="utf-8"?>
+<p:tagLst xmlns:a="http://schemas.openxmlformats.org/drawingml/2006/main" xmlns:r="http://schemas.openxmlformats.org/officeDocument/2006/relationships" xmlns:p="http://schemas.openxmlformats.org/presentationml/2006/main">
+  <p:tag name="KSO_WM_UNIT_HIGHLIGHT" val="0"/>
+  <p:tag name="KSO_WM_UNIT_COMPATIBLE" val="0"/>
+  <p:tag name="KSO_WM_UNIT_DIAGRAM_ISNUMVISUAL" val="0"/>
+  <p:tag name="KSO_WM_UNIT_DIAGRAM_ISREFERUNIT" val="0"/>
+  <p:tag name="KSO_WM_UNIT_ID" val="_3**"/>
+  <p:tag name="KSO_WM_UNIT_LAYERLEVEL" val="1"/>
+  <p:tag name="KSO_WM_TAG_VERSION" val="1.0"/>
+  <p:tag name="KSO_WM_BEAUTIFY_FLAG" val="#wm#"/>
+</p:tagLst>
+</file>
+
+<file path=ppt/tags/tag22.xml><?xml version="1.0" encoding="utf-8"?>
+<p:tagLst xmlns:a="http://schemas.openxmlformats.org/drawingml/2006/main" xmlns:r="http://schemas.openxmlformats.org/officeDocument/2006/relationships" xmlns:p="http://schemas.openxmlformats.org/presentationml/2006/main">
+  <p:tag name="KSO_WM_UNIT_HIGHLIGHT" val="0"/>
+  <p:tag name="KSO_WM_UNIT_COMPATIBLE" val="0"/>
+  <p:tag name="KSO_WM_UNIT_DIAGRAM_ISNUMVISUAL" val="0"/>
+  <p:tag name="KSO_WM_UNIT_DIAGRAM_ISREFERUNIT" val="0"/>
+  <p:tag name="KSO_WM_UNIT_ID" val="_3**"/>
+  <p:tag name="KSO_WM_UNIT_LAYERLEVEL" val="1"/>
+  <p:tag name="KSO_WM_TAG_VERSION" val="1.0"/>
+  <p:tag name="KSO_WM_BEAUTIFY_FLAG" val="#wm#"/>
+</p:tagLst>
+</file>
+
+<file path=ppt/tags/tag23.xml><?xml version="1.0" encoding="utf-8"?>
+<p:tagLst xmlns:a="http://schemas.openxmlformats.org/drawingml/2006/main" xmlns:r="http://schemas.openxmlformats.org/officeDocument/2006/relationships" xmlns:p="http://schemas.openxmlformats.org/presentationml/2006/main">
+  <p:tag name="KSO_WM_UNIT_HIGHLIGHT" val="0"/>
+  <p:tag name="KSO_WM_UNIT_COMPATIBLE" val="0"/>
+  <p:tag name="KSO_WM_UNIT_DIAGRAM_ISNUMVISUAL" val="0"/>
+  <p:tag name="KSO_WM_UNIT_DIAGRAM_ISREFERUNIT" val="0"/>
+  <p:tag name="KSO_WM_UNIT_ID" val="_4**"/>
+  <p:tag name="KSO_WM_UNIT_LAYERLEVEL" val="1"/>
+  <p:tag name="KSO_WM_TAG_VERSION" val="1.0"/>
+  <p:tag name="KSO_WM_BEAUTIFY_FLAG" val="#wm#"/>
+</p:tagLst>
+</file>
+
+<file path=ppt/tags/tag24.xml><?xml version="1.0" encoding="utf-8"?>
+<p:tagLst xmlns:a="http://schemas.openxmlformats.org/drawingml/2006/main" xmlns:r="http://schemas.openxmlformats.org/officeDocument/2006/relationships" xmlns:p="http://schemas.openxmlformats.org/presentationml/2006/main">
+  <p:tag name="KSO_WM_UNIT_HIGHLIGHT" val="0"/>
+  <p:tag name="KSO_WM_UNIT_COMPATIBLE" val="0"/>
+  <p:tag name="KSO_WM_UNIT_DIAGRAM_ISNUMVISUAL" val="0"/>
+  <p:tag name="KSO_WM_UNIT_DIAGRAM_ISREFERUNIT" val="0"/>
+  <p:tag name="KSO_WM_UNIT_ID" val="_4**"/>
+  <p:tag name="KSO_WM_UNIT_LAYERLEVEL" val="1"/>
+  <p:tag name="KSO_WM_TAG_VERSION" val="1.0"/>
+  <p:tag name="KSO_WM_BEAUTIFY_FLAG" val="#wm#"/>
+</p:tagLst>
+</file>
+
+<file path=ppt/tags/tag25.xml><?xml version="1.0" encoding="utf-8"?>
+<p:tagLst xmlns:a="http://schemas.openxmlformats.org/drawingml/2006/main" xmlns:r="http://schemas.openxmlformats.org/officeDocument/2006/relationships" xmlns:p="http://schemas.openxmlformats.org/presentationml/2006/main">
+  <p:tag name="KSO_WM_UNIT_HIGHLIGHT" val="0"/>
+  <p:tag name="KSO_WM_UNIT_COMPATIBLE" val="0"/>
+  <p:tag name="KSO_WM_UNIT_DIAGRAM_ISNUMVISUAL" val="0"/>
+  <p:tag name="KSO_WM_UNIT_DIAGRAM_ISREFERUNIT" val="0"/>
+  <p:tag name="KSO_WM_UNIT_ID" val="_4**"/>
+  <p:tag name="KSO_WM_UNIT_LAYERLEVEL" val="1"/>
+  <p:tag name="KSO_WM_TAG_VERSION" val="1.0"/>
+  <p:tag name="KSO_WM_BEAUTIFY_FLAG" val="#wm#"/>
+</p:tagLst>
+</file>
+
+<file path=ppt/tags/tag26.xml><?xml version="1.0" encoding="utf-8"?>
+<p:tagLst xmlns:a="http://schemas.openxmlformats.org/drawingml/2006/main" xmlns:r="http://schemas.openxmlformats.org/officeDocument/2006/relationships" xmlns:p="http://schemas.openxmlformats.org/presentationml/2006/main">
+  <p:tag name="KSO_WM_UNIT_HIGHLIGHT" val="0"/>
+  <p:tag name="KSO_WM_UNIT_COMPATIBLE" val="0"/>
+  <p:tag name="KSO_WM_UNIT_DIAGRAM_ISNUMVISUAL" val="0"/>
+  <p:tag name="KSO_WM_UNIT_DIAGRAM_ISREFERUNIT" val="0"/>
+  <p:tag name="KSO_WM_UNIT_ID" val="_4**"/>
+  <p:tag name="KSO_WM_UNIT_LAYERLEVEL" val="1"/>
+  <p:tag name="KSO_WM_TAG_VERSION" val="1.0"/>
+  <p:tag name="KSO_WM_BEAUTIFY_FLAG" val="#wm#"/>
+</p:tagLst>
+</file>
+
+<file path=ppt/tags/tag27.xml><?xml version="1.0" encoding="utf-8"?>
+<p:tagLst xmlns:a="http://schemas.openxmlformats.org/drawingml/2006/main" xmlns:r="http://schemas.openxmlformats.org/officeDocument/2006/relationships" xmlns:p="http://schemas.openxmlformats.org/presentationml/2006/main">
+  <p:tag name="KSO_WM_UNIT_HIGHLIGHT" val="0"/>
+  <p:tag name="KSO_WM_UNIT_COMPATIBLE" val="0"/>
+  <p:tag name="KSO_WM_UNIT_DIAGRAM_ISNUMVISUAL" val="0"/>
+  <p:tag name="KSO_WM_UNIT_DIAGRAM_ISREFERUNIT" val="0"/>
+  <p:tag name="KSO_WM_UNIT_ID" val="_4**"/>
+  <p:tag name="KSO_WM_UNIT_LAYERLEVEL" val="1"/>
+  <p:tag name="KSO_WM_TAG_VERSION" val="1.0"/>
+  <p:tag name="KSO_WM_BEAUTIFY_FLAG" val="#wm#"/>
+</p:tagLst>
+</file>
+
+<file path=ppt/tags/tag28.xml><?xml version="1.0" encoding="utf-8"?>
+<p:tagLst xmlns:a="http://schemas.openxmlformats.org/drawingml/2006/main" xmlns:r="http://schemas.openxmlformats.org/officeDocument/2006/relationships" xmlns:p="http://schemas.openxmlformats.org/presentationml/2006/main">
+  <p:tag name="KSO_WM_UNIT_HIGHLIGHT" val="0"/>
+  <p:tag name="KSO_WM_UNIT_COMPATIBLE" val="0"/>
+  <p:tag name="KSO_WM_UNIT_DIAGRAM_ISNUMVISUAL" val="0"/>
+  <p:tag name="KSO_WM_UNIT_DIAGRAM_ISREFERUNIT" val="0"/>
+  <p:tag name="KSO_WM_UNIT_ID" val="_4**"/>
+  <p:tag name="KSO_WM_UNIT_LAYERLEVEL" val="1"/>
+  <p:tag name="KSO_WM_TAG_VERSION" val="1.0"/>
+  <p:tag name="KSO_WM_BEAUTIFY_FLAG" val="#wm#"/>
+</p:tagLst>
+</file>
+
+<file path=ppt/tags/tag29.xml><?xml version="1.0" encoding="utf-8"?>
+<p:tagLst xmlns:a="http://schemas.openxmlformats.org/drawingml/2006/main" xmlns:r="http://schemas.openxmlformats.org/officeDocument/2006/relationships" xmlns:p="http://schemas.openxmlformats.org/presentationml/2006/main">
+  <p:tag name="KSO_WM_UNIT_HIGHLIGHT" val="0"/>
+  <p:tag name="KSO_WM_UNIT_COMPATIBLE" val="0"/>
+  <p:tag name="KSO_WM_UNIT_DIAGRAM_ISNUMVISUAL" val="0"/>
+  <p:tag name="KSO_WM_UNIT_DIAGRAM_ISREFERUNIT" val="0"/>
+  <p:tag name="KSO_WM_UNIT_ID" val="_5**"/>
+  <p:tag name="KSO_WM_UNIT_LAYERLEVEL" val="1"/>
+  <p:tag name="KSO_WM_TAG_VERSION" val="1.0"/>
+  <p:tag name="KSO_WM_BEAUTIFY_FLAG" val="#wm#"/>
+</p:tagLst>
+</file>
+
+<file path=ppt/tags/tag3.xml><?xml version="1.0" encoding="utf-8"?>
+<p:tagLst xmlns:a="http://schemas.openxmlformats.org/drawingml/2006/main" xmlns:r="http://schemas.openxmlformats.org/officeDocument/2006/relationships" xmlns:p="http://schemas.openxmlformats.org/presentationml/2006/main">
+  <p:tag name="KSO_WM_UNIT_HIGHLIGHT" val="0"/>
+  <p:tag name="KSO_WM_UNIT_COMPATIBLE" val="0"/>
+  <p:tag name="KSO_WM_UNIT_DIAGRAM_ISNUMVISUAL" val="0"/>
+  <p:tag name="KSO_WM_UNIT_DIAGRAM_ISREFERUNIT" val="0"/>
+  <p:tag name="KSO_WM_UNIT_ID" val="_0**"/>
+  <p:tag name="KSO_WM_UNIT_LAYERLEVEL" val="1"/>
+  <p:tag name="KSO_WM_TAG_VERSION" val="1.0"/>
+  <p:tag name="KSO_WM_BEAUTIFY_FLAG" val="#wm#"/>
+  <p:tag name="KSO_WM_TEMPLATE_CATEGORY" val="custom"/>
+  <p:tag name="KSO_WM_TEMPLATE_INDEX" val="20205081"/>
+</p:tagLst>
+</file>
+
+<file path=ppt/tags/tag30.xml><?xml version="1.0" encoding="utf-8"?>
+<p:tagLst xmlns:a="http://schemas.openxmlformats.org/drawingml/2006/main" xmlns:r="http://schemas.openxmlformats.org/officeDocument/2006/relationships" xmlns:p="http://schemas.openxmlformats.org/presentationml/2006/main">
+  <p:tag name="KSO_WM_UNIT_HIGHLIGHT" val="0"/>
+  <p:tag name="KSO_WM_UNIT_COMPATIBLE" val="0"/>
+  <p:tag name="KSO_WM_UNIT_DIAGRAM_ISNUMVISUAL" val="0"/>
+  <p:tag name="KSO_WM_UNIT_DIAGRAM_ISREFERUNIT" val="0"/>
+  <p:tag name="KSO_WM_UNIT_ID" val="_5**"/>
+  <p:tag name="KSO_WM_UNIT_LAYERLEVEL" val="1"/>
+  <p:tag name="KSO_WM_TAG_VERSION" val="1.0"/>
+  <p:tag name="KSO_WM_BEAUTIFY_FLAG" val="#wm#"/>
+</p:tagLst>
+</file>
+
+<file path=ppt/tags/tag31.xml><?xml version="1.0" encoding="utf-8"?>
+<p:tagLst xmlns:a="http://schemas.openxmlformats.org/drawingml/2006/main" xmlns:r="http://schemas.openxmlformats.org/officeDocument/2006/relationships" xmlns:p="http://schemas.openxmlformats.org/presentationml/2006/main">
+  <p:tag name="KSO_WM_UNIT_HIGHLIGHT" val="0"/>
+  <p:tag name="KSO_WM_UNIT_COMPATIBLE" val="0"/>
+  <p:tag name="KSO_WM_UNIT_DIAGRAM_ISNUMVISUAL" val="0"/>
+  <p:tag name="KSO_WM_UNIT_DIAGRAM_ISREFERUNIT" val="0"/>
+  <p:tag name="KSO_WM_UNIT_ID" val="_5**"/>
+  <p:tag name="KSO_WM_UNIT_LAYERLEVEL" val="1"/>
+  <p:tag name="KSO_WM_TAG_VERSION" val="1.0"/>
+  <p:tag name="KSO_WM_BEAUTIFY_FLAG" val="#wm#"/>
+</p:tagLst>
+</file>
+
+<file path=ppt/tags/tag32.xml><?xml version="1.0" encoding="utf-8"?>
+<p:tagLst xmlns:a="http://schemas.openxmlformats.org/drawingml/2006/main" xmlns:r="http://schemas.openxmlformats.org/officeDocument/2006/relationships" xmlns:p="http://schemas.openxmlformats.org/presentationml/2006/main">
+  <p:tag name="KSO_WM_UNIT_HIGHLIGHT" val="0"/>
+  <p:tag name="KSO_WM_UNIT_COMPATIBLE" val="0"/>
+  <p:tag name="KSO_WM_UNIT_DIAGRAM_ISNUMVISUAL" val="0"/>
+  <p:tag name="KSO_WM_UNIT_DIAGRAM_ISREFERUNIT" val="0"/>
+  <p:tag name="KSO_WM_UNIT_ID" val="_5**"/>
+  <p:tag name="KSO_WM_UNIT_LAYERLEVEL" val="1"/>
+  <p:tag name="KSO_WM_TAG_VERSION" val="1.0"/>
+  <p:tag name="KSO_WM_BEAUTIFY_FLAG" val="#wm#"/>
+</p:tagLst>
+</file>
+
+<file path=ppt/tags/tag33.xml><?xml version="1.0" encoding="utf-8"?>
+<p:tagLst xmlns:a="http://schemas.openxmlformats.org/drawingml/2006/main" xmlns:r="http://schemas.openxmlformats.org/officeDocument/2006/relationships" xmlns:p="http://schemas.openxmlformats.org/presentationml/2006/main">
+  <p:tag name="KSO_WM_UNIT_HIGHLIGHT" val="0"/>
+  <p:tag name="KSO_WM_UNIT_COMPATIBLE" val="0"/>
+  <p:tag name="KSO_WM_UNIT_DIAGRAM_ISNUMVISUAL" val="0"/>
+  <p:tag name="KSO_WM_UNIT_DIAGRAM_ISREFERUNIT" val="0"/>
+  <p:tag name="KSO_WM_UNIT_ID" val="_5**"/>
+  <p:tag name="KSO_WM_UNIT_LAYERLEVEL" val="1"/>
+  <p:tag name="KSO_WM_TAG_VERSION" val="1.0"/>
+  <p:tag name="KSO_WM_BEAUTIFY_FLAG" val="#wm#"/>
+</p:tagLst>
+</file>
+
+<file path=ppt/tags/tag34.xml><?xml version="1.0" encoding="utf-8"?>
+<p:tagLst xmlns:a="http://schemas.openxmlformats.org/drawingml/2006/main" xmlns:r="http://schemas.openxmlformats.org/officeDocument/2006/relationships" xmlns:p="http://schemas.openxmlformats.org/presentationml/2006/main">
+  <p:tag name="KSO_WM_UNIT_HIGHLIGHT" val="0"/>
+  <p:tag name="KSO_WM_UNIT_COMPATIBLE" val="0"/>
+  <p:tag name="KSO_WM_UNIT_DIAGRAM_ISNUMVISUAL" val="0"/>
+  <p:tag name="KSO_WM_UNIT_DIAGRAM_ISREFERUNIT" val="0"/>
+  <p:tag name="KSO_WM_UNIT_ID" val="_5**"/>
+  <p:tag name="KSO_WM_UNIT_LAYERLEVEL" val="1"/>
+  <p:tag name="KSO_WM_TAG_VERSION" val="1.0"/>
+  <p:tag name="KSO_WM_BEAUTIFY_FLAG" val="#wm#"/>
+</p:tagLst>
+</file>
+
+<file path=ppt/tags/tag35.xml><?xml version="1.0" encoding="utf-8"?>
+<p:tagLst xmlns:a="http://schemas.openxmlformats.org/drawingml/2006/main" xmlns:r="http://schemas.openxmlformats.org/officeDocument/2006/relationships" xmlns:p="http://schemas.openxmlformats.org/presentationml/2006/main">
+  <p:tag name="KSO_WM_UNIT_HIGHLIGHT" val="0"/>
+  <p:tag name="KSO_WM_UNIT_COMPATIBLE" val="0"/>
+  <p:tag name="KSO_WM_UNIT_DIAGRAM_ISNUMVISUAL" val="0"/>
+  <p:tag name="KSO_WM_UNIT_DIAGRAM_ISREFERUNIT" val="0"/>
+  <p:tag name="KSO_WM_UNIT_ID" val="_5**"/>
+  <p:tag name="KSO_WM_UNIT_LAYERLEVEL" val="1"/>
+  <p:tag name="KSO_WM_TAG_VERSION" val="1.0"/>
+  <p:tag name="KSO_WM_BEAUTIFY_FLAG" val="#wm#"/>
+</p:tagLst>
+</file>
+
+<file path=ppt/tags/tag36.xml><?xml version="1.0" encoding="utf-8"?>
+<p:tagLst xmlns:a="http://schemas.openxmlformats.org/drawingml/2006/main" xmlns:r="http://schemas.openxmlformats.org/officeDocument/2006/relationships" xmlns:p="http://schemas.openxmlformats.org/presentationml/2006/main">
+  <p:tag name="KSO_WM_UNIT_HIGHLIGHT" val="0"/>
+  <p:tag name="KSO_WM_UNIT_COMPATIBLE" val="0"/>
+  <p:tag name="KSO_WM_UNIT_DIAGRAM_ISNUMVISUAL" val="0"/>
+  <p:tag name="KSO_WM_UNIT_DIAGRAM_ISREFERUNIT" val="0"/>
+  <p:tag name="KSO_WM_UNIT_ID" val="_5**"/>
+  <p:tag name="KSO_WM_UNIT_LAYERLEVEL" val="1"/>
+  <p:tag name="KSO_WM_TAG_VERSION" val="1.0"/>
+  <p:tag name="KSO_WM_BEAUTIFY_FLAG" val="#wm#"/>
+</p:tagLst>
+</file>
+
+<file path=ppt/tags/tag37.xml><?xml version="1.0" encoding="utf-8"?>
+<p:tagLst xmlns:a="http://schemas.openxmlformats.org/drawingml/2006/main" xmlns:r="http://schemas.openxmlformats.org/officeDocument/2006/relationships" xmlns:p="http://schemas.openxmlformats.org/presentationml/2006/main">
+  <p:tag name="KSO_WM_UNIT_HIGHLIGHT" val="0"/>
+  <p:tag name="KSO_WM_UNIT_COMPATIBLE" val="0"/>
+  <p:tag name="KSO_WM_UNIT_DIAGRAM_ISNUMVISUAL" val="0"/>
+  <p:tag name="KSO_WM_UNIT_DIAGRAM_ISREFERUNIT" val="0"/>
+  <p:tag name="KSO_WM_UNIT_ID" val="_6**"/>
+  <p:tag name="KSO_WM_UNIT_LAYERLEVEL" val="1"/>
+  <p:tag name="KSO_WM_TAG_VERSION" val="1.0"/>
+  <p:tag name="KSO_WM_BEAUTIFY_FLAG" val="#wm#"/>
+</p:tagLst>
+</file>
+
+<file path=ppt/tags/tag38.xml><?xml version="1.0" encoding="utf-8"?>
+<p:tagLst xmlns:a="http://schemas.openxmlformats.org/drawingml/2006/main" xmlns:r="http://schemas.openxmlformats.org/officeDocument/2006/relationships" xmlns:p="http://schemas.openxmlformats.org/presentationml/2006/main">
+  <p:tag name="KSO_WM_UNIT_HIGHLIGHT" val="0"/>
+  <p:tag name="KSO_WM_UNIT_COMPATIBLE" val="0"/>
+  <p:tag name="KSO_WM_UNIT_DIAGRAM_ISNUMVISUAL" val="0"/>
+  <p:tag name="KSO_WM_UNIT_DIAGRAM_ISREFERUNIT" val="0"/>
+  <p:tag name="KSO_WM_UNIT_ID" val="_6**"/>
+  <p:tag name="KSO_WM_UNIT_LAYERLEVEL" val="1"/>
+  <p:tag name="KSO_WM_TAG_VERSION" val="1.0"/>
+  <p:tag name="KSO_WM_BEAUTIFY_FLAG" val="#wm#"/>
+</p:tagLst>
+</file>
+
+<file path=ppt/tags/tag39.xml><?xml version="1.0" encoding="utf-8"?>
+<p:tagLst xmlns:a="http://schemas.openxmlformats.org/drawingml/2006/main" xmlns:r="http://schemas.openxmlformats.org/officeDocument/2006/relationships" xmlns:p="http://schemas.openxmlformats.org/presentationml/2006/main">
+  <p:tag name="KSO_WM_UNIT_HIGHLIGHT" val="0"/>
+  <p:tag name="KSO_WM_UNIT_COMPATIBLE" val="0"/>
+  <p:tag name="KSO_WM_UNIT_DIAGRAM_ISNUMVISUAL" val="0"/>
+  <p:tag name="KSO_WM_UNIT_DIAGRAM_ISREFERUNIT" val="0"/>
+  <p:tag name="KSO_WM_UNIT_ID" val="_6**"/>
+  <p:tag name="KSO_WM_UNIT_LAYERLEVEL" val="1"/>
+  <p:tag name="KSO_WM_TAG_VERSION" val="1.0"/>
+  <p:tag name="KSO_WM_BEAUTIFY_FLAG" val="#wm#"/>
+</p:tagLst>
+</file>
+
+<file path=ppt/tags/tag4.xml><?xml version="1.0" encoding="utf-8"?>
+<p:tagLst xmlns:a="http://schemas.openxmlformats.org/drawingml/2006/main" xmlns:r="http://schemas.openxmlformats.org/officeDocument/2006/relationships" xmlns:p="http://schemas.openxmlformats.org/presentationml/2006/main">
+  <p:tag name="KSO_WM_UNIT_HIGHLIGHT" val="0"/>
+  <p:tag name="KSO_WM_UNIT_COMPATIBLE" val="0"/>
+  <p:tag name="KSO_WM_UNIT_DIAGRAM_ISNUMVISUAL" val="0"/>
+  <p:tag name="KSO_WM_UNIT_DIAGRAM_ISREFERUNIT" val="0"/>
+  <p:tag name="KSO_WM_UNIT_ID" val="_0**"/>
+  <p:tag name="KSO_WM_UNIT_LAYERLEVEL" val="1"/>
+  <p:tag name="KSO_WM_TAG_VERSION" val="1.0"/>
+  <p:tag name="KSO_WM_BEAUTIFY_FLAG" val="#wm#"/>
+  <p:tag name="KSO_WM_TEMPLATE_CATEGORY" val="custom"/>
+  <p:tag name="KSO_WM_TEMPLATE_INDEX" val="20205081"/>
+</p:tagLst>
+</file>
+
+<file path=ppt/tags/tag40.xml><?xml version="1.0" encoding="utf-8"?>
+<p:tagLst xmlns:a="http://schemas.openxmlformats.org/drawingml/2006/main" xmlns:r="http://schemas.openxmlformats.org/officeDocument/2006/relationships" xmlns:p="http://schemas.openxmlformats.org/presentationml/2006/main">
+  <p:tag name="KSO_WM_UNIT_HIGHLIGHT" val="0"/>
+  <p:tag name="KSO_WM_UNIT_COMPATIBLE" val="0"/>
+  <p:tag name="KSO_WM_UNIT_DIAGRAM_ISNUMVISUAL" val="0"/>
+  <p:tag name="KSO_WM_UNIT_DIAGRAM_ISREFERUNIT" val="0"/>
+  <p:tag name="KSO_WM_UNIT_ID" val="_6**"/>
+  <p:tag name="KSO_WM_UNIT_LAYERLEVEL" val="1"/>
+  <p:tag name="KSO_WM_TAG_VERSION" val="1.0"/>
+  <p:tag name="KSO_WM_BEAUTIFY_FLAG" val="#wm#"/>
+</p:tagLst>
+</file>
+
+<file path=ppt/tags/tag41.xml><?xml version="1.0" encoding="utf-8"?>
+<p:tagLst xmlns:a="http://schemas.openxmlformats.org/drawingml/2006/main" xmlns:r="http://schemas.openxmlformats.org/officeDocument/2006/relationships" xmlns:p="http://schemas.openxmlformats.org/presentationml/2006/main">
+  <p:tag name="KSO_WM_UNIT_HIGHLIGHT" val="0"/>
+  <p:tag name="KSO_WM_UNIT_COMPATIBLE" val="0"/>
+  <p:tag name="KSO_WM_UNIT_DIAGRAM_ISNUMVISUAL" val="0"/>
+  <p:tag name="KSO_WM_UNIT_DIAGRAM_ISREFERUNIT" val="0"/>
+  <p:tag name="KSO_WM_UNIT_ID" val="_7**"/>
+  <p:tag name="KSO_WM_UNIT_LAYERLEVEL" val="1"/>
+  <p:tag name="KSO_WM_TAG_VERSION" val="1.0"/>
+  <p:tag name="KSO_WM_BEAUTIFY_FLAG" val="#wm#"/>
+</p:tagLst>
+</file>
+
+<file path=ppt/tags/tag42.xml><?xml version="1.0" encoding="utf-8"?>
+<p:tagLst xmlns:a="http://schemas.openxmlformats.org/drawingml/2006/main" xmlns:r="http://schemas.openxmlformats.org/officeDocument/2006/relationships" xmlns:p="http://schemas.openxmlformats.org/presentationml/2006/main">
+  <p:tag name="KSO_WM_UNIT_HIGHLIGHT" val="0"/>
+  <p:tag name="KSO_WM_UNIT_COMPATIBLE" val="0"/>
+  <p:tag name="KSO_WM_UNIT_DIAGRAM_ISNUMVISUAL" val="0"/>
+  <p:tag name="KSO_WM_UNIT_DIAGRAM_ISREFERUNIT" val="0"/>
+  <p:tag name="KSO_WM_UNIT_ID" val="_7**"/>
+  <p:tag name="KSO_WM_UNIT_LAYERLEVEL" val="1"/>
+  <p:tag name="KSO_WM_TAG_VERSION" val="1.0"/>
+  <p:tag name="KSO_WM_BEAUTIFY_FLAG" val="#wm#"/>
+</p:tagLst>
+</file>
+
+<file path=ppt/tags/tag43.xml><?xml version="1.0" encoding="utf-8"?>
+<p:tagLst xmlns:a="http://schemas.openxmlformats.org/drawingml/2006/main" xmlns:r="http://schemas.openxmlformats.org/officeDocument/2006/relationships" xmlns:p="http://schemas.openxmlformats.org/presentationml/2006/main">
+  <p:tag name="KSO_WM_UNIT_HIGHLIGHT" val="0"/>
+  <p:tag name="KSO_WM_UNIT_COMPATIBLE" val="0"/>
+  <p:tag name="KSO_WM_UNIT_DIAGRAM_ISNUMVISUAL" val="0"/>
+  <p:tag name="KSO_WM_UNIT_DIAGRAM_ISREFERUNIT" val="0"/>
+  <p:tag name="KSO_WM_UNIT_ID" val="_7**"/>
+  <p:tag name="KSO_WM_UNIT_LAYERLEVEL" val="1"/>
+  <p:tag name="KSO_WM_TAG_VERSION" val="1.0"/>
+  <p:tag name="KSO_WM_BEAUTIFY_FLAG" val="#wm#"/>
+</p:tagLst>
+</file>
+
+<file path=ppt/tags/tag44.xml><?xml version="1.0" encoding="utf-8"?>
+<p:tagLst xmlns:a="http://schemas.openxmlformats.org/drawingml/2006/main" xmlns:r="http://schemas.openxmlformats.org/officeDocument/2006/relationships" xmlns:p="http://schemas.openxmlformats.org/presentationml/2006/main">
+  <p:tag name="KSO_WM_UNIT_HIGHLIGHT" val="0"/>
+  <p:tag name="KSO_WM_UNIT_COMPATIBLE" val="0"/>
+  <p:tag name="KSO_WM_UNIT_DIAGRAM_ISNUMVISUAL" val="0"/>
+  <p:tag name="KSO_WM_UNIT_DIAGRAM_ISREFERUNIT" val="0"/>
+  <p:tag name="KSO_WM_UNIT_ID" val="_8**"/>
+  <p:tag name="KSO_WM_UNIT_LAYERLEVEL" val="1"/>
+  <p:tag name="KSO_WM_TAG_VERSION" val="1.0"/>
+  <p:tag name="KSO_WM_BEAUTIFY_FLAG" val="#wm#"/>
+</p:tagLst>
+</file>
+
+<file path=ppt/tags/tag45.xml><?xml version="1.0" encoding="utf-8"?>
+<p:tagLst xmlns:a="http://schemas.openxmlformats.org/drawingml/2006/main" xmlns:r="http://schemas.openxmlformats.org/officeDocument/2006/relationships" xmlns:p="http://schemas.openxmlformats.org/presentationml/2006/main">
+  <p:tag name="KSO_WM_UNIT_HIGHLIGHT" val="0"/>
+  <p:tag name="KSO_WM_UNIT_COMPATIBLE" val="0"/>
+  <p:tag name="KSO_WM_UNIT_DIAGRAM_ISNUMVISUAL" val="0"/>
+  <p:tag name="KSO_WM_UNIT_DIAGRAM_ISREFERUNIT" val="0"/>
+  <p:tag name="KSO_WM_UNIT_ID" val="_8**"/>
+  <p:tag name="KSO_WM_UNIT_LAYERLEVEL" val="1"/>
+  <p:tag name="KSO_WM_TAG_VERSION" val="1.0"/>
+  <p:tag name="KSO_WM_BEAUTIFY_FLAG" val="#wm#"/>
+</p:tagLst>
+</file>
+
+<file path=ppt/tags/tag46.xml><?xml version="1.0" encoding="utf-8"?>
+<p:tagLst xmlns:a="http://schemas.openxmlformats.org/drawingml/2006/main" xmlns:r="http://schemas.openxmlformats.org/officeDocument/2006/relationships" xmlns:p="http://schemas.openxmlformats.org/presentationml/2006/main">
+  <p:tag name="KSO_WM_UNIT_HIGHLIGHT" val="0"/>
+  <p:tag name="KSO_WM_UNIT_COMPATIBLE" val="0"/>
+  <p:tag name="KSO_WM_UNIT_DIAGRAM_ISNUMVISUAL" val="0"/>
+  <p:tag name="KSO_WM_UNIT_DIAGRAM_ISREFERUNIT" val="0"/>
+  <p:tag name="KSO_WM_UNIT_ID" val="_8**"/>
+  <p:tag name="KSO_WM_UNIT_LAYERLEVEL" val="1"/>
+  <p:tag name="KSO_WM_TAG_VERSION" val="1.0"/>
+  <p:tag name="KSO_WM_BEAUTIFY_FLAG" val="#wm#"/>
+</p:tagLst>
+</file>
+
+<file path=ppt/tags/tag47.xml><?xml version="1.0" encoding="utf-8"?>
+<p:tagLst xmlns:a="http://schemas.openxmlformats.org/drawingml/2006/main" xmlns:r="http://schemas.openxmlformats.org/officeDocument/2006/relationships" xmlns:p="http://schemas.openxmlformats.org/presentationml/2006/main">
+  <p:tag name="KSO_WM_UNIT_HIGHLIGHT" val="0"/>
+  <p:tag name="KSO_WM_UNIT_COMPATIBLE" val="0"/>
+  <p:tag name="KSO_WM_UNIT_DIAGRAM_ISNUMVISUAL" val="0"/>
+  <p:tag name="KSO_WM_UNIT_DIAGRAM_ISREFERUNIT" val="0"/>
+  <p:tag name="KSO_WM_UNIT_ID" val="_8**"/>
+  <p:tag name="KSO_WM_UNIT_LAYERLEVEL" val="1"/>
+  <p:tag name="KSO_WM_TAG_VERSION" val="1.0"/>
+  <p:tag name="KSO_WM_BEAUTIFY_FLAG" val="#wm#"/>
+</p:tagLst>
+</file>
+
+<file path=ppt/tags/tag48.xml><?xml version="1.0" encoding="utf-8"?>
+<p:tagLst xmlns:a="http://schemas.openxmlformats.org/drawingml/2006/main" xmlns:r="http://schemas.openxmlformats.org/officeDocument/2006/relationships" xmlns:p="http://schemas.openxmlformats.org/presentationml/2006/main">
+  <p:tag name="KSO_WM_UNIT_HIGHLIGHT" val="0"/>
+  <p:tag name="KSO_WM_UNIT_COMPATIBLE" val="0"/>
+  <p:tag name="KSO_WM_UNIT_DIAGRAM_ISNUMVISUAL" val="0"/>
+  <p:tag name="KSO_WM_UNIT_DIAGRAM_ISREFERUNIT" val="0"/>
+  <p:tag name="KSO_WM_UNIT_ID" val="_8**"/>
+  <p:tag name="KSO_WM_UNIT_LAYERLEVEL" val="1"/>
+  <p:tag name="KSO_WM_TAG_VERSION" val="1.0"/>
+  <p:tag name="KSO_WM_BEAUTIFY_FLAG" val="#wm#"/>
+</p:tagLst>
+</file>
+
+<file path=ppt/tags/tag49.xml><?xml version="1.0" encoding="utf-8"?>
+<p:tagLst xmlns:a="http://schemas.openxmlformats.org/drawingml/2006/main" xmlns:r="http://schemas.openxmlformats.org/officeDocument/2006/relationships" xmlns:p="http://schemas.openxmlformats.org/presentationml/2006/main">
+  <p:tag name="KSO_WM_UNIT_HIGHLIGHT" val="0"/>
+  <p:tag name="KSO_WM_UNIT_COMPATIBLE" val="0"/>
+  <p:tag name="KSO_WM_UNIT_DIAGRAM_ISNUMVISUAL" val="0"/>
+  <p:tag name="KSO_WM_UNIT_DIAGRAM_ISREFERUNIT" val="0"/>
+  <p:tag name="KSO_WM_UNIT_ID" val="_8**"/>
+  <p:tag name="KSO_WM_UNIT_LAYERLEVEL" val="1"/>
+  <p:tag name="KSO_WM_TAG_VERSION" val="1.0"/>
+  <p:tag name="KSO_WM_BEAUTIFY_FLAG" val="#wm#"/>
+</p:tagLst>
+</file>
+
+<file path=ppt/tags/tag5.xml><?xml version="1.0" encoding="utf-8"?>
+<p:tagLst xmlns:a="http://schemas.openxmlformats.org/drawingml/2006/main" xmlns:r="http://schemas.openxmlformats.org/officeDocument/2006/relationships" xmlns:p="http://schemas.openxmlformats.org/presentationml/2006/main">
+  <p:tag name="KSO_WM_UNIT_HIGHLIGHT" val="0"/>
+  <p:tag name="KSO_WM_UNIT_COMPATIBLE" val="0"/>
+  <p:tag name="KSO_WM_UNIT_DIAGRAM_ISNUMVISUAL" val="0"/>
+  <p:tag name="KSO_WM_UNIT_DIAGRAM_ISREFERUNIT" val="0"/>
+  <p:tag name="KSO_WM_UNIT_ID" val="_0**"/>
+  <p:tag name="KSO_WM_UNIT_LAYERLEVEL" val="1"/>
+  <p:tag name="KSO_WM_TAG_VERSION" val="1.0"/>
+  <p:tag name="KSO_WM_BEAUTIFY_FLAG" val="#wm#"/>
+</p:tagLst>
+</file>
+
+<file path=ppt/tags/tag50.xml><?xml version="1.0" encoding="utf-8"?>
+<p:tagLst xmlns:a="http://schemas.openxmlformats.org/drawingml/2006/main" xmlns:r="http://schemas.openxmlformats.org/officeDocument/2006/relationships" xmlns:p="http://schemas.openxmlformats.org/presentationml/2006/main">
+  <p:tag name="KSO_WM_UNIT_HIGHLIGHT" val="0"/>
+  <p:tag name="KSO_WM_UNIT_COMPATIBLE" val="0"/>
+  <p:tag name="KSO_WM_UNIT_DIAGRAM_ISNUMVISUAL" val="0"/>
+  <p:tag name="KSO_WM_UNIT_DIAGRAM_ISREFERUNIT" val="0"/>
+  <p:tag name="KSO_WM_UNIT_ID" val="_9**"/>
+  <p:tag name="KSO_WM_UNIT_LAYERLEVEL" val="1"/>
+  <p:tag name="KSO_WM_TAG_VERSION" val="1.0"/>
+  <p:tag name="KSO_WM_BEAUTIFY_FLAG" val="#wm#"/>
+</p:tagLst>
+</file>
+
+<file path=ppt/tags/tag51.xml><?xml version="1.0" encoding="utf-8"?>
+<p:tagLst xmlns:a="http://schemas.openxmlformats.org/drawingml/2006/main" xmlns:r="http://schemas.openxmlformats.org/officeDocument/2006/relationships" xmlns:p="http://schemas.openxmlformats.org/presentationml/2006/main">
+  <p:tag name="KSO_WM_UNIT_HIGHLIGHT" val="0"/>
+  <p:tag name="KSO_WM_UNIT_COMPATIBLE" val="0"/>
+  <p:tag name="KSO_WM_UNIT_DIAGRAM_ISNUMVISUAL" val="0"/>
+  <p:tag name="KSO_WM_UNIT_DIAGRAM_ISREFERUNIT" val="0"/>
+  <p:tag name="KSO_WM_UNIT_ID" val="_9**"/>
+  <p:tag name="KSO_WM_UNIT_LAYERLEVEL" val="1"/>
+  <p:tag name="KSO_WM_TAG_VERSION" val="1.0"/>
+  <p:tag name="KSO_WM_BEAUTIFY_FLAG" val="#wm#"/>
+</p:tagLst>
+</file>
+
+<file path=ppt/tags/tag52.xml><?xml version="1.0" encoding="utf-8"?>
+<p:tagLst xmlns:a="http://schemas.openxmlformats.org/drawingml/2006/main" xmlns:r="http://schemas.openxmlformats.org/officeDocument/2006/relationships" xmlns:p="http://schemas.openxmlformats.org/presentationml/2006/main">
+  <p:tag name="KSO_WM_UNIT_HIGHLIGHT" val="0"/>
+  <p:tag name="KSO_WM_UNIT_COMPATIBLE" val="0"/>
+  <p:tag name="KSO_WM_UNIT_DIAGRAM_ISNUMVISUAL" val="0"/>
+  <p:tag name="KSO_WM_UNIT_DIAGRAM_ISREFERUNIT" val="0"/>
+  <p:tag name="KSO_WM_UNIT_ID" val="_9**"/>
+  <p:tag name="KSO_WM_UNIT_LAYERLEVEL" val="1"/>
+  <p:tag name="KSO_WM_TAG_VERSION" val="1.0"/>
+  <p:tag name="KSO_WM_BEAUTIFY_FLAG" val="#wm#"/>
+</p:tagLst>
+</file>
+
+<file path=ppt/tags/tag53.xml><?xml version="1.0" encoding="utf-8"?>
+<p:tagLst xmlns:a="http://schemas.openxmlformats.org/drawingml/2006/main" xmlns:r="http://schemas.openxmlformats.org/officeDocument/2006/relationships" xmlns:p="http://schemas.openxmlformats.org/presentationml/2006/main">
+  <p:tag name="KSO_WM_UNIT_HIGHLIGHT" val="0"/>
+  <p:tag name="KSO_WM_UNIT_COMPATIBLE" val="0"/>
+  <p:tag name="KSO_WM_UNIT_DIAGRAM_ISNUMVISUAL" val="0"/>
+  <p:tag name="KSO_WM_UNIT_DIAGRAM_ISREFERUNIT" val="0"/>
+  <p:tag name="KSO_WM_UNIT_ID" val="_9**"/>
+  <p:tag name="KSO_WM_UNIT_LAYERLEVEL" val="1"/>
+  <p:tag name="KSO_WM_TAG_VERSION" val="1.0"/>
+  <p:tag name="KSO_WM_BEAUTIFY_FLAG" val="#wm#"/>
+</p:tagLst>
+</file>
+
+<file path=ppt/tags/tag54.xml><?xml version="1.0" encoding="utf-8"?>
+<p:tagLst xmlns:a="http://schemas.openxmlformats.org/drawingml/2006/main" xmlns:r="http://schemas.openxmlformats.org/officeDocument/2006/relationships" xmlns:p="http://schemas.openxmlformats.org/presentationml/2006/main">
+  <p:tag name="KSO_WM_UNIT_HIGHLIGHT" val="0"/>
+  <p:tag name="KSO_WM_UNIT_COMPATIBLE" val="0"/>
+  <p:tag name="KSO_WM_UNIT_DIAGRAM_ISNUMVISUAL" val="0"/>
+  <p:tag name="KSO_WM_UNIT_DIAGRAM_ISREFERUNIT" val="0"/>
+  <p:tag name="KSO_WM_UNIT_ID" val="_9**"/>
+  <p:tag name="KSO_WM_UNIT_LAYERLEVEL" val="1"/>
+  <p:tag name="KSO_WM_TAG_VERSION" val="1.0"/>
+  <p:tag name="KSO_WM_BEAUTIFY_FLAG" val="#wm#"/>
+</p:tagLst>
+</file>
+
+<file path=ppt/tags/tag55.xml><?xml version="1.0" encoding="utf-8"?>
+<p:tagLst xmlns:a="http://schemas.openxmlformats.org/drawingml/2006/main" xmlns:r="http://schemas.openxmlformats.org/officeDocument/2006/relationships" xmlns:p="http://schemas.openxmlformats.org/presentationml/2006/main">
+  <p:tag name="KSO_WM_UNIT_HIGHLIGHT" val="0"/>
+  <p:tag name="KSO_WM_UNIT_COMPATIBLE" val="0"/>
+  <p:tag name="KSO_WM_UNIT_DIAGRAM_ISNUMVISUAL" val="0"/>
+  <p:tag name="KSO_WM_UNIT_DIAGRAM_ISREFERUNIT" val="0"/>
+  <p:tag name="KSO_WM_UNIT_ID" val="_10**"/>
+  <p:tag name="KSO_WM_UNIT_LAYERLEVEL" val="1"/>
+  <p:tag name="KSO_WM_TAG_VERSION" val="1.0"/>
+  <p:tag name="KSO_WM_BEAUTIFY_FLAG" val="#wm#"/>
+</p:tagLst>
+</file>
+
+<file path=ppt/tags/tag56.xml><?xml version="1.0" encoding="utf-8"?>
+<p:tagLst xmlns:a="http://schemas.openxmlformats.org/drawingml/2006/main" xmlns:r="http://schemas.openxmlformats.org/officeDocument/2006/relationships" xmlns:p="http://schemas.openxmlformats.org/presentationml/2006/main">
+  <p:tag name="KSO_WM_UNIT_HIGHLIGHT" val="0"/>
+  <p:tag name="KSO_WM_UNIT_COMPATIBLE" val="0"/>
+  <p:tag name="KSO_WM_UNIT_DIAGRAM_ISNUMVISUAL" val="0"/>
+  <p:tag name="KSO_WM_UNIT_DIAGRAM_ISREFERUNIT" val="0"/>
+  <p:tag name="KSO_WM_UNIT_ID" val="_10**"/>
+  <p:tag name="KSO_WM_UNIT_LAYERLEVEL" val="1"/>
+  <p:tag name="KSO_WM_TAG_VERSION" val="1.0"/>
+  <p:tag name="KSO_WM_BEAUTIFY_FLAG" val="#wm#"/>
+</p:tagLst>
+</file>
+
+<file path=ppt/tags/tag57.xml><?xml version="1.0" encoding="utf-8"?>
+<p:tagLst xmlns:a="http://schemas.openxmlformats.org/drawingml/2006/main" xmlns:r="http://schemas.openxmlformats.org/officeDocument/2006/relationships" xmlns:p="http://schemas.openxmlformats.org/presentationml/2006/main">
+  <p:tag name="KSO_WM_UNIT_HIGHLIGHT" val="0"/>
+  <p:tag name="KSO_WM_UNIT_COMPATIBLE" val="0"/>
+  <p:tag name="KSO_WM_UNIT_DIAGRAM_ISNUMVISUAL" val="0"/>
+  <p:tag name="KSO_WM_UNIT_DIAGRAM_ISREFERUNIT" val="0"/>
+  <p:tag name="KSO_WM_UNIT_ID" val="_10**"/>
+  <p:tag name="KSO_WM_UNIT_LAYERLEVEL" val="1"/>
+  <p:tag name="KSO_WM_TAG_VERSION" val="1.0"/>
+  <p:tag name="KSO_WM_BEAUTIFY_FLAG" val="#wm#"/>
+</p:tagLst>
+</file>
+
+<file path=ppt/tags/tag58.xml><?xml version="1.0" encoding="utf-8"?>
+<p:tagLst xmlns:a="http://schemas.openxmlformats.org/drawingml/2006/main" xmlns:r="http://schemas.openxmlformats.org/officeDocument/2006/relationships" xmlns:p="http://schemas.openxmlformats.org/presentationml/2006/main">
+  <p:tag name="KSO_WM_UNIT_HIGHLIGHT" val="0"/>
+  <p:tag name="KSO_WM_UNIT_COMPATIBLE" val="0"/>
+  <p:tag name="KSO_WM_UNIT_DIAGRAM_ISNUMVISUAL" val="0"/>
+  <p:tag name="KSO_WM_UNIT_DIAGRAM_ISREFERUNIT" val="0"/>
+  <p:tag name="KSO_WM_UNIT_ID" val="_10**"/>
+  <p:tag name="KSO_WM_UNIT_LAYERLEVEL" val="1"/>
+  <p:tag name="KSO_WM_TAG_VERSION" val="1.0"/>
+  <p:tag name="KSO_WM_BEAUTIFY_FLAG" val="#wm#"/>
+</p:tagLst>
+</file>
+
+<file path=ppt/tags/tag59.xml><?xml version="1.0" encoding="utf-8"?>
+<p:tagLst xmlns:a="http://schemas.openxmlformats.org/drawingml/2006/main" xmlns:r="http://schemas.openxmlformats.org/officeDocument/2006/relationships" xmlns:p="http://schemas.openxmlformats.org/presentationml/2006/main">
+  <p:tag name="KSO_WM_UNIT_HIGHLIGHT" val="0"/>
+  <p:tag name="KSO_WM_UNIT_COMPATIBLE" val="0"/>
+  <p:tag name="KSO_WM_UNIT_DIAGRAM_ISNUMVISUAL" val="0"/>
+  <p:tag name="KSO_WM_UNIT_DIAGRAM_ISREFERUNIT" val="0"/>
+  <p:tag name="KSO_WM_UNIT_ID" val="_11**"/>
+  <p:tag name="KSO_WM_UNIT_LAYERLEVEL" val="1"/>
+  <p:tag name="KSO_WM_TAG_VERSION" val="1.0"/>
+  <p:tag name="KSO_WM_BEAUTIFY_FLAG" val="#wm#"/>
+</p:tagLst>
+</file>
+
+<file path=ppt/tags/tag6.xml><?xml version="1.0" encoding="utf-8"?>
+<p:tagLst xmlns:a="http://schemas.openxmlformats.org/drawingml/2006/main" xmlns:r="http://schemas.openxmlformats.org/officeDocument/2006/relationships" xmlns:p="http://schemas.openxmlformats.org/presentationml/2006/main">
+  <p:tag name="KSO_WM_UNIT_HIGHLIGHT" val="0"/>
+  <p:tag name="KSO_WM_UNIT_COMPATIBLE" val="0"/>
+  <p:tag name="KSO_WM_UNIT_DIAGRAM_ISNUMVISUAL" val="0"/>
+  <p:tag name="KSO_WM_UNIT_DIAGRAM_ISREFERUNIT" val="0"/>
+  <p:tag name="KSO_WM_UNIT_ID" val="_0**"/>
+  <p:tag name="KSO_WM_UNIT_LAYERLEVEL" val="1"/>
+  <p:tag name="KSO_WM_TAG_VERSION" val="1.0"/>
+  <p:tag name="KSO_WM_BEAUTIFY_FLAG" val="#wm#"/>
+</p:tagLst>
+</file>
+
+<file path=ppt/tags/tag60.xml><?xml version="1.0" encoding="utf-8"?>
+<p:tagLst xmlns:a="http://schemas.openxmlformats.org/drawingml/2006/main" xmlns:r="http://schemas.openxmlformats.org/officeDocument/2006/relationships" xmlns:p="http://schemas.openxmlformats.org/presentationml/2006/main">
+  <p:tag name="KSO_WM_UNIT_HIGHLIGHT" val="0"/>
+  <p:tag name="KSO_WM_UNIT_COMPATIBLE" val="0"/>
+  <p:tag name="KSO_WM_UNIT_DIAGRAM_ISNUMVISUAL" val="0"/>
+  <p:tag name="KSO_WM_UNIT_DIAGRAM_ISREFERUNIT" val="0"/>
+  <p:tag name="KSO_WM_UNIT_ID" val="_11**"/>
+  <p:tag name="KSO_WM_UNIT_LAYERLEVEL" val="1"/>
+  <p:tag name="KSO_WM_TAG_VERSION" val="1.0"/>
+  <p:tag name="KSO_WM_BEAUTIFY_FLAG" val="#wm#"/>
+</p:tagLst>
+</file>
+
+<file path=ppt/tags/tag61.xml><?xml version="1.0" encoding="utf-8"?>
+<p:tagLst xmlns:a="http://schemas.openxmlformats.org/drawingml/2006/main" xmlns:r="http://schemas.openxmlformats.org/officeDocument/2006/relationships" xmlns:p="http://schemas.openxmlformats.org/presentationml/2006/main">
+  <p:tag name="KSO_WM_UNIT_HIGHLIGHT" val="0"/>
+  <p:tag name="KSO_WM_UNIT_COMPATIBLE" val="0"/>
+  <p:tag name="KSO_WM_UNIT_DIAGRAM_ISNUMVISUAL" val="0"/>
+  <p:tag name="KSO_WM_UNIT_DIAGRAM_ISREFERUNIT" val="0"/>
+  <p:tag name="KSO_WM_UNIT_ID" val="_11**"/>
+  <p:tag name="KSO_WM_UNIT_LAYERLEVEL" val="1"/>
+  <p:tag name="KSO_WM_TAG_VERSION" val="1.0"/>
+  <p:tag name="KSO_WM_BEAUTIFY_FLAG" val="#wm#"/>
+</p:tagLst>
+</file>
+
+<file path=ppt/tags/tag62.xml><?xml version="1.0" encoding="utf-8"?>
+<p:tagLst xmlns:a="http://schemas.openxmlformats.org/drawingml/2006/main" xmlns:r="http://schemas.openxmlformats.org/officeDocument/2006/relationships" xmlns:p="http://schemas.openxmlformats.org/presentationml/2006/main">
+  <p:tag name="KSO_WM_UNIT_HIGHLIGHT" val="0"/>
+  <p:tag name="KSO_WM_UNIT_COMPATIBLE" val="0"/>
+  <p:tag name="KSO_WM_UNIT_DIAGRAM_ISNUMVISUAL" val="0"/>
+  <p:tag name="KSO_WM_UNIT_DIAGRAM_ISREFERUNIT" val="0"/>
+  <p:tag name="KSO_WM_UNIT_ID" val="_11**"/>
+  <p:tag name="KSO_WM_UNIT_LAYERLEVEL" val="1"/>
+  <p:tag name="KSO_WM_TAG_VERSION" val="1.0"/>
+  <p:tag name="KSO_WM_BEAUTIFY_FLAG" val="#wm#"/>
+</p:tagLst>
+</file>
+
 <file path=ppt/tags/tag63.xml><?xml version="1.0" encoding="utf-8"?>
-<p:tagLst xmlns:p="http://schemas.openxmlformats.org/presentationml/2006/main">
+<p:tagLst xmlns:a="http://schemas.openxmlformats.org/drawingml/2006/main" xmlns:r="http://schemas.openxmlformats.org/officeDocument/2006/relationships" xmlns:p="http://schemas.openxmlformats.org/presentationml/2006/main">
+  <p:tag name="KSO_WM_UNIT_HIGHLIGHT" val="0"/>
+  <p:tag name="KSO_WM_UNIT_COMPATIBLE" val="0"/>
+  <p:tag name="KSO_WM_UNIT_DIAGRAM_ISNUMVISUAL" val="0"/>
+  <p:tag name="KSO_WM_UNIT_DIAGRAM_ISREFERUNIT" val="0"/>
+  <p:tag name="KSO_WM_UNIT_ID" val="_11**"/>
+  <p:tag name="KSO_WM_UNIT_LAYERLEVEL" val="1"/>
+  <p:tag name="KSO_WM_TAG_VERSION" val="1.0"/>
+  <p:tag name="KSO_WM_BEAUTIFY_FLAG" val="#wm#"/>
+</p:tagLst>
+</file>
+
+<file path=ppt/tags/tag64.xml><?xml version="1.0" encoding="utf-8"?>
+<p:tagLst xmlns:a="http://schemas.openxmlformats.org/drawingml/2006/main" xmlns:r="http://schemas.openxmlformats.org/officeDocument/2006/relationships" xmlns:p="http://schemas.openxmlformats.org/presentationml/2006/main">
   <p:tag name="KSO_WM_SLIDE_ID" val="custom20205081_1"/>
   <p:tag name="KSO_WM_TEMPLATE_SUBCATEGORY" val="19"/>
   <p:tag name="KSO_WM_TEMPLATE_MASTER_TYPE" val="0"/>
@@ -5089,109 +5189,8 @@
 </p:tagLst>
 </file>
 
-<file path=ppt/tags/tag64.xml><?xml version="1.0" encoding="utf-8"?>
-<p:tagLst xmlns:p="http://schemas.openxmlformats.org/presentationml/2006/main">
-  <p:tag name="KSO_WM_DIAGRAM_VIRTUALLY_FRAME" val="{&quot;height&quot;:402.2,&quot;left&quot;:51.1,&quot;top&quot;:9,&quot;width&quot;:870.9}"/>
-</p:tagLst>
-</file>
-
 <file path=ppt/tags/tag65.xml><?xml version="1.0" encoding="utf-8"?>
-<p:tagLst xmlns:p="http://schemas.openxmlformats.org/presentationml/2006/main">
-  <p:tag name="KSO_WM_BEAUTIFY_FLAG" val=""/>
-</p:tagLst>
-</file>
-
-<file path=ppt/tags/tag66.xml><?xml version="1.0" encoding="utf-8"?>
-<p:tagLst xmlns:p="http://schemas.openxmlformats.org/presentationml/2006/main">
-  <p:tag name="KSO_WM_BEAUTIFY_FLAG" val=""/>
-</p:tagLst>
-</file>
-
-<file path=ppt/tags/tag67.xml><?xml version="1.0" encoding="utf-8"?>
-<p:tagLst xmlns:p="http://schemas.openxmlformats.org/presentationml/2006/main">
-  <p:tag name="KSO_WM_BEAUTIFY_FLAG" val=""/>
-</p:tagLst>
-</file>
-
-<file path=ppt/tags/tag68.xml><?xml version="1.0" encoding="utf-8"?>
-<p:tagLst xmlns:p="http://schemas.openxmlformats.org/presentationml/2006/main">
-  <p:tag name="KSO_WM_BEAUTIFY_FLAG" val=""/>
-</p:tagLst>
-</file>
-
-<file path=ppt/tags/tag69.xml><?xml version="1.0" encoding="utf-8"?>
-<p:tagLst xmlns:p="http://schemas.openxmlformats.org/presentationml/2006/main">
-  <p:tag name="KSO_WM_BEAUTIFY_FLAG" val=""/>
-</p:tagLst>
-</file>
-
-<file path=ppt/tags/tag7.xml><?xml version="1.0" encoding="utf-8"?>
-<p:tagLst xmlns:p="http://schemas.openxmlformats.org/presentationml/2006/main">
-  <p:tag name="KSO_WM_UNIT_HIGHLIGHT" val="0"/>
-  <p:tag name="KSO_WM_UNIT_COMPATIBLE" val="0"/>
-  <p:tag name="KSO_WM_UNIT_DIAGRAM_ISNUMVISUAL" val="0"/>
-  <p:tag name="KSO_WM_UNIT_DIAGRAM_ISREFERUNIT" val="0"/>
-  <p:tag name="KSO_WM_UNIT_ID" val="_2**"/>
-  <p:tag name="KSO_WM_UNIT_LAYERLEVEL" val="1"/>
-  <p:tag name="KSO_WM_TAG_VERSION" val="1.0"/>
-  <p:tag name="KSO_WM_BEAUTIFY_FLAG" val="#wm#"/>
-</p:tagLst>
-</file>
-
-<file path=ppt/tags/tag70.xml><?xml version="1.0" encoding="utf-8"?>
-<p:tagLst xmlns:p="http://schemas.openxmlformats.org/presentationml/2006/main">
-  <p:tag name="KSO_WM_BEAUTIFY_FLAG" val=""/>
-</p:tagLst>
-</file>
-
-<file path=ppt/tags/tag71.xml><?xml version="1.0" encoding="utf-8"?>
-<p:tagLst xmlns:p="http://schemas.openxmlformats.org/presentationml/2006/main">
-  <p:tag name="KSO_WM_BEAUTIFY_FLAG" val=""/>
-</p:tagLst>
-</file>
-
-<file path=ppt/tags/tag72.xml><?xml version="1.0" encoding="utf-8"?>
-<p:tagLst xmlns:p="http://schemas.openxmlformats.org/presentationml/2006/main">
-  <p:tag name="KSO_WM_DIAGRAM_VIRTUALLY_FRAME" val="{&quot;height&quot;:402.2,&quot;left&quot;:51.1,&quot;top&quot;:9,&quot;width&quot;:870.9}"/>
-  <p:tag name="KSO_WM_BEAUTIFY_FLAG" val=""/>
-</p:tagLst>
-</file>
-
-<file path=ppt/tags/tag73.xml><?xml version="1.0" encoding="utf-8"?>
-<p:tagLst xmlns:p="http://schemas.openxmlformats.org/presentationml/2006/main">
-  <p:tag name="KSO_WM_BEAUTIFY_FLAG" val=""/>
-</p:tagLst>
-</file>
-
-<file path=ppt/tags/tag74.xml><?xml version="1.0" encoding="utf-8"?>
-<p:tagLst xmlns:p="http://schemas.openxmlformats.org/presentationml/2006/main">
-  <p:tag name="KSO_WM_DIAGRAM_VIRTUALLY_FRAME" val="{&quot;height&quot;:402.2,&quot;left&quot;:51.1,&quot;top&quot;:9,&quot;width&quot;:870.9}"/>
-  <p:tag name="KSO_WM_BEAUTIFY_FLAG" val=""/>
-</p:tagLst>
-</file>
-
-<file path=ppt/tags/tag75.xml><?xml version="1.0" encoding="utf-8"?>
-<p:tagLst xmlns:p="http://schemas.openxmlformats.org/presentationml/2006/main">
-  <p:tag name="KSO_WM_BEAUTIFY_FLAG" val=""/>
-</p:tagLst>
-</file>
-
-<file path=ppt/tags/tag76.xml><?xml version="1.0" encoding="utf-8"?>
-<p:tagLst xmlns:p="http://schemas.openxmlformats.org/presentationml/2006/main">
-  <p:tag name="KSO_WM_DIAGRAM_VIRTUALLY_FRAME" val="{&quot;height&quot;:402.2,&quot;left&quot;:51.1,&quot;top&quot;:9,&quot;width&quot;:870.9}"/>
-  <p:tag name="KSO_WM_BEAUTIFY_FLAG" val=""/>
-</p:tagLst>
-</file>
-
-<file path=ppt/tags/tag77.xml><?xml version="1.0" encoding="utf-8"?>
-<p:tagLst xmlns:p="http://schemas.openxmlformats.org/presentationml/2006/main">
-  <p:tag name="KSO_WM_DIAGRAM_VIRTUALLY_FRAME" val="{&quot;height&quot;:402.2,&quot;left&quot;:51.1,&quot;top&quot;:9,&quot;width&quot;:870.9}"/>
-  <p:tag name="KSO_WM_BEAUTIFY_FLAG" val=""/>
-</p:tagLst>
-</file>
-
-<file path=ppt/tags/tag78.xml><?xml version="1.0" encoding="utf-8"?>
-<p:tagLst xmlns:p="http://schemas.openxmlformats.org/presentationml/2006/main">
+<p:tagLst xmlns:a="http://schemas.openxmlformats.org/drawingml/2006/main" xmlns:r="http://schemas.openxmlformats.org/officeDocument/2006/relationships" xmlns:p="http://schemas.openxmlformats.org/presentationml/2006/main">
   <p:tag name="KSO_WM_SLIDE_ID" val="custom20205081_1"/>
   <p:tag name="KSO_WM_TEMPLATE_SUBCATEGORY" val="19"/>
   <p:tag name="KSO_WM_TEMPLATE_MASTER_TYPE" val="0"/>
@@ -5211,19 +5210,114 @@
 </p:tagLst>
 </file>
 
+<file path=ppt/tags/tag66.xml><?xml version="1.0" encoding="utf-8"?>
+<p:tagLst xmlns:a="http://schemas.openxmlformats.org/drawingml/2006/main" xmlns:r="http://schemas.openxmlformats.org/officeDocument/2006/relationships" xmlns:p="http://schemas.openxmlformats.org/presentationml/2006/main">
+  <p:tag name="KSO_WM_DIAGRAM_VIRTUALLY_FRAME" val="{&quot;height&quot;:402.2,&quot;left&quot;:51.1,&quot;top&quot;:9,&quot;width&quot;:870.9}"/>
+</p:tagLst>
+</file>
+
+<file path=ppt/tags/tag67.xml><?xml version="1.0" encoding="utf-8"?>
+<p:tagLst xmlns:a="http://schemas.openxmlformats.org/drawingml/2006/main" xmlns:r="http://schemas.openxmlformats.org/officeDocument/2006/relationships" xmlns:p="http://schemas.openxmlformats.org/presentationml/2006/main">
+  <p:tag name="KSO_WM_BEAUTIFY_FLAG" val=""/>
+</p:tagLst>
+</file>
+
+<file path=ppt/tags/tag68.xml><?xml version="1.0" encoding="utf-8"?>
+<p:tagLst xmlns:a="http://schemas.openxmlformats.org/drawingml/2006/main" xmlns:r="http://schemas.openxmlformats.org/officeDocument/2006/relationships" xmlns:p="http://schemas.openxmlformats.org/presentationml/2006/main">
+  <p:tag name="KSO_WM_BEAUTIFY_FLAG" val=""/>
+</p:tagLst>
+</file>
+
+<file path=ppt/tags/tag69.xml><?xml version="1.0" encoding="utf-8"?>
+<p:tagLst xmlns:a="http://schemas.openxmlformats.org/drawingml/2006/main" xmlns:r="http://schemas.openxmlformats.org/officeDocument/2006/relationships" xmlns:p="http://schemas.openxmlformats.org/presentationml/2006/main">
+  <p:tag name="KSO_WM_BEAUTIFY_FLAG" val=""/>
+</p:tagLst>
+</file>
+
+<file path=ppt/tags/tag7.xml><?xml version="1.0" encoding="utf-8"?>
+<p:tagLst xmlns:a="http://schemas.openxmlformats.org/drawingml/2006/main" xmlns:r="http://schemas.openxmlformats.org/officeDocument/2006/relationships" xmlns:p="http://schemas.openxmlformats.org/presentationml/2006/main">
+  <p:tag name="KSO_WM_UNIT_HIGHLIGHT" val="0"/>
+  <p:tag name="KSO_WM_UNIT_COMPATIBLE" val="0"/>
+  <p:tag name="KSO_WM_UNIT_DIAGRAM_ISNUMVISUAL" val="0"/>
+  <p:tag name="KSO_WM_UNIT_DIAGRAM_ISREFERUNIT" val="0"/>
+  <p:tag name="KSO_WM_UNIT_ID" val="_0**"/>
+  <p:tag name="KSO_WM_UNIT_LAYERLEVEL" val="1"/>
+  <p:tag name="KSO_WM_TAG_VERSION" val="1.0"/>
+  <p:tag name="KSO_WM_BEAUTIFY_FLAG" val="#wm#"/>
+</p:tagLst>
+</file>
+
+<file path=ppt/tags/tag70.xml><?xml version="1.0" encoding="utf-8"?>
+<p:tagLst xmlns:a="http://schemas.openxmlformats.org/drawingml/2006/main" xmlns:r="http://schemas.openxmlformats.org/officeDocument/2006/relationships" xmlns:p="http://schemas.openxmlformats.org/presentationml/2006/main">
+  <p:tag name="KSO_WM_BEAUTIFY_FLAG" val=""/>
+</p:tagLst>
+</file>
+
+<file path=ppt/tags/tag71.xml><?xml version="1.0" encoding="utf-8"?>
+<p:tagLst xmlns:a="http://schemas.openxmlformats.org/drawingml/2006/main" xmlns:r="http://schemas.openxmlformats.org/officeDocument/2006/relationships" xmlns:p="http://schemas.openxmlformats.org/presentationml/2006/main">
+  <p:tag name="KSO_WM_BEAUTIFY_FLAG" val=""/>
+</p:tagLst>
+</file>
+
+<file path=ppt/tags/tag72.xml><?xml version="1.0" encoding="utf-8"?>
+<p:tagLst xmlns:a="http://schemas.openxmlformats.org/drawingml/2006/main" xmlns:r="http://schemas.openxmlformats.org/officeDocument/2006/relationships" xmlns:p="http://schemas.openxmlformats.org/presentationml/2006/main">
+  <p:tag name="KSO_WM_BEAUTIFY_FLAG" val=""/>
+</p:tagLst>
+</file>
+
+<file path=ppt/tags/tag73.xml><?xml version="1.0" encoding="utf-8"?>
+<p:tagLst xmlns:a="http://schemas.openxmlformats.org/drawingml/2006/main" xmlns:r="http://schemas.openxmlformats.org/officeDocument/2006/relationships" xmlns:p="http://schemas.openxmlformats.org/presentationml/2006/main">
+  <p:tag name="KSO_WM_BEAUTIFY_FLAG" val=""/>
+</p:tagLst>
+</file>
+
+<file path=ppt/tags/tag74.xml><?xml version="1.0" encoding="utf-8"?>
+<p:tagLst xmlns:a="http://schemas.openxmlformats.org/drawingml/2006/main" xmlns:r="http://schemas.openxmlformats.org/officeDocument/2006/relationships" xmlns:p="http://schemas.openxmlformats.org/presentationml/2006/main">
+  <p:tag name="KSO_WM_DIAGRAM_VIRTUALLY_FRAME" val="{&quot;height&quot;:402.2,&quot;left&quot;:51.1,&quot;top&quot;:9,&quot;width&quot;:870.9}"/>
+  <p:tag name="KSO_WM_BEAUTIFY_FLAG" val=""/>
+</p:tagLst>
+</file>
+
+<file path=ppt/tags/tag75.xml><?xml version="1.0" encoding="utf-8"?>
+<p:tagLst xmlns:a="http://schemas.openxmlformats.org/drawingml/2006/main" xmlns:r="http://schemas.openxmlformats.org/officeDocument/2006/relationships" xmlns:p="http://schemas.openxmlformats.org/presentationml/2006/main">
+  <p:tag name="KSO_WM_BEAUTIFY_FLAG" val=""/>
+</p:tagLst>
+</file>
+
+<file path=ppt/tags/tag76.xml><?xml version="1.0" encoding="utf-8"?>
+<p:tagLst xmlns:a="http://schemas.openxmlformats.org/drawingml/2006/main" xmlns:r="http://schemas.openxmlformats.org/officeDocument/2006/relationships" xmlns:p="http://schemas.openxmlformats.org/presentationml/2006/main">
+  <p:tag name="KSO_WM_DIAGRAM_VIRTUALLY_FRAME" val="{&quot;height&quot;:402.2,&quot;left&quot;:51.1,&quot;top&quot;:9,&quot;width&quot;:870.9}"/>
+  <p:tag name="KSO_WM_BEAUTIFY_FLAG" val=""/>
+</p:tagLst>
+</file>
+
+<file path=ppt/tags/tag77.xml><?xml version="1.0" encoding="utf-8"?>
+<p:tagLst xmlns:a="http://schemas.openxmlformats.org/drawingml/2006/main" xmlns:r="http://schemas.openxmlformats.org/officeDocument/2006/relationships" xmlns:p="http://schemas.openxmlformats.org/presentationml/2006/main">
+  <p:tag name="KSO_WM_BEAUTIFY_FLAG" val=""/>
+</p:tagLst>
+</file>
+
+<file path=ppt/tags/tag78.xml><?xml version="1.0" encoding="utf-8"?>
+<p:tagLst xmlns:a="http://schemas.openxmlformats.org/drawingml/2006/main" xmlns:r="http://schemas.openxmlformats.org/officeDocument/2006/relationships" xmlns:p="http://schemas.openxmlformats.org/presentationml/2006/main">
+  <p:tag name="KSO_WM_DIAGRAM_VIRTUALLY_FRAME" val="{&quot;height&quot;:402.2,&quot;left&quot;:51.1,&quot;top&quot;:9,&quot;width&quot;:870.9}"/>
+  <p:tag name="KSO_WM_BEAUTIFY_FLAG" val=""/>
+</p:tagLst>
+</file>
+
 <file path=ppt/tags/tag79.xml><?xml version="1.0" encoding="utf-8"?>
-<p:tagLst xmlns:p="http://schemas.openxmlformats.org/presentationml/2006/main">
+<p:tagLst xmlns:a="http://schemas.openxmlformats.org/drawingml/2006/main" xmlns:r="http://schemas.openxmlformats.org/officeDocument/2006/relationships" xmlns:p="http://schemas.openxmlformats.org/presentationml/2006/main">
+  <p:tag name="KSO_WM_DIAGRAM_VIRTUALLY_FRAME" val="{&quot;height&quot;:402.2,&quot;left&quot;:51.1,&quot;top&quot;:9,&quot;width&quot;:870.9}"/>
   <p:tag name="KSO_WM_BEAUTIFY_FLAG" val=""/>
 </p:tagLst>
 </file>
 
 <file path=ppt/tags/tag8.xml><?xml version="1.0" encoding="utf-8"?>
-<p:tagLst xmlns:p="http://schemas.openxmlformats.org/presentationml/2006/main">
-  <p:tag name="KSO_WM_UNIT_HIGHLIGHT" val="0"/>
-  <p:tag name="KSO_WM_UNIT_COMPATIBLE" val="0"/>
-  <p:tag name="KSO_WM_UNIT_DIAGRAM_ISNUMVISUAL" val="0"/>
-  <p:tag name="KSO_WM_UNIT_DIAGRAM_ISREFERUNIT" val="0"/>
-  <p:tag name="KSO_WM_UNIT_ID" val="_2**"/>
+<p:tagLst xmlns:a="http://schemas.openxmlformats.org/drawingml/2006/main" xmlns:r="http://schemas.openxmlformats.org/officeDocument/2006/relationships" xmlns:p="http://schemas.openxmlformats.org/presentationml/2006/main">
+  <p:tag name="KSO_WM_UNIT_HIGHLIGHT" val="0"/>
+  <p:tag name="KSO_WM_UNIT_COMPATIBLE" val="0"/>
+  <p:tag name="KSO_WM_UNIT_DIAGRAM_ISNUMVISUAL" val="0"/>
+  <p:tag name="KSO_WM_UNIT_DIAGRAM_ISREFERUNIT" val="0"/>
+  <p:tag name="KSO_WM_UNIT_ID" val="_1**"/>
   <p:tag name="KSO_WM_UNIT_LAYERLEVEL" val="1"/>
   <p:tag name="KSO_WM_TAG_VERSION" val="1.0"/>
   <p:tag name="KSO_WM_BEAUTIFY_FLAG" val="#wm#"/>
@@ -5231,31 +5325,7 @@
 </file>
 
 <file path=ppt/tags/tag80.xml><?xml version="1.0" encoding="utf-8"?>
-<p:tagLst xmlns:p="http://schemas.openxmlformats.org/presentationml/2006/main">
-  <p:tag name="KSO_WM_BEAUTIFY_FLAG" val=""/>
-</p:tagLst>
-</file>
-
-<file path=ppt/tags/tag81.xml><?xml version="1.0" encoding="utf-8"?>
-<p:tagLst xmlns:p="http://schemas.openxmlformats.org/presentationml/2006/main">
-  <p:tag name="KSO_WM_BEAUTIFY_FLAG" val=""/>
-</p:tagLst>
-</file>
-
-<file path=ppt/tags/tag82.xml><?xml version="1.0" encoding="utf-8"?>
-<p:tagLst xmlns:p="http://schemas.openxmlformats.org/presentationml/2006/main">
-  <p:tag name="KSO_WM_BEAUTIFY_FLAG" val=""/>
-</p:tagLst>
-</file>
-
-<file path=ppt/tags/tag83.xml><?xml version="1.0" encoding="utf-8"?>
-<p:tagLst xmlns:p="http://schemas.openxmlformats.org/presentationml/2006/main">
-  <p:tag name="KSO_WM_BEAUTIFY_FLAG" val=""/>
-</p:tagLst>
-</file>
-
-<file path=ppt/tags/tag84.xml><?xml version="1.0" encoding="utf-8"?>
-<p:tagLst xmlns:p="http://schemas.openxmlformats.org/presentationml/2006/main">
+<p:tagLst xmlns:a="http://schemas.openxmlformats.org/drawingml/2006/main" xmlns:r="http://schemas.openxmlformats.org/officeDocument/2006/relationships" xmlns:p="http://schemas.openxmlformats.org/presentationml/2006/main">
   <p:tag name="KSO_WM_SLIDE_ID" val="custom20205081_1"/>
   <p:tag name="KSO_WM_TEMPLATE_SUBCATEGORY" val="19"/>
   <p:tag name="KSO_WM_TEMPLATE_MASTER_TYPE" val="0"/>
@@ -5275,26 +5345,38 @@
 </p:tagLst>
 </file>
 
+<file path=ppt/tags/tag81.xml><?xml version="1.0" encoding="utf-8"?>
+<p:tagLst xmlns:a="http://schemas.openxmlformats.org/drawingml/2006/main" xmlns:r="http://schemas.openxmlformats.org/officeDocument/2006/relationships" xmlns:p="http://schemas.openxmlformats.org/presentationml/2006/main">
+  <p:tag name="KSO_WM_BEAUTIFY_FLAG" val=""/>
+</p:tagLst>
+</file>
+
+<file path=ppt/tags/tag82.xml><?xml version="1.0" encoding="utf-8"?>
+<p:tagLst xmlns:a="http://schemas.openxmlformats.org/drawingml/2006/main" xmlns:r="http://schemas.openxmlformats.org/officeDocument/2006/relationships" xmlns:p="http://schemas.openxmlformats.org/presentationml/2006/main">
+  <p:tag name="KSO_WM_BEAUTIFY_FLAG" val=""/>
+</p:tagLst>
+</file>
+
+<file path=ppt/tags/tag83.xml><?xml version="1.0" encoding="utf-8"?>
+<p:tagLst xmlns:a="http://schemas.openxmlformats.org/drawingml/2006/main" xmlns:r="http://schemas.openxmlformats.org/officeDocument/2006/relationships" xmlns:p="http://schemas.openxmlformats.org/presentationml/2006/main">
+  <p:tag name="KSO_WM_BEAUTIFY_FLAG" val=""/>
+</p:tagLst>
+</file>
+
+<file path=ppt/tags/tag84.xml><?xml version="1.0" encoding="utf-8"?>
+<p:tagLst xmlns:a="http://schemas.openxmlformats.org/drawingml/2006/main" xmlns:r="http://schemas.openxmlformats.org/officeDocument/2006/relationships" xmlns:p="http://schemas.openxmlformats.org/presentationml/2006/main">
+  <p:tag name="KSO_WM_BEAUTIFY_FLAG" val=""/>
+</p:tagLst>
+</file>
+
 <file path=ppt/tags/tag85.xml><?xml version="1.0" encoding="utf-8"?>
-<p:tagLst xmlns:p="http://schemas.openxmlformats.org/presentationml/2006/main">
+<p:tagLst xmlns:a="http://schemas.openxmlformats.org/drawingml/2006/main" xmlns:r="http://schemas.openxmlformats.org/officeDocument/2006/relationships" xmlns:p="http://schemas.openxmlformats.org/presentationml/2006/main">
   <p:tag name="KSO_WM_BEAUTIFY_FLAG" val=""/>
 </p:tagLst>
 </file>
 
 <file path=ppt/tags/tag86.xml><?xml version="1.0" encoding="utf-8"?>
-<p:tagLst xmlns:p="http://schemas.openxmlformats.org/presentationml/2006/main">
-  <p:tag name="KSO_WM_BEAUTIFY_FLAG" val=""/>
-</p:tagLst>
-</file>
-
-<file path=ppt/tags/tag87.xml><?xml version="1.0" encoding="utf-8"?>
-<p:tagLst xmlns:p="http://schemas.openxmlformats.org/presentationml/2006/main">
-  <p:tag name="KSO_WM_BEAUTIFY_FLAG" val=""/>
-</p:tagLst>
-</file>
-
-<file path=ppt/tags/tag88.xml><?xml version="1.0" encoding="utf-8"?>
-<p:tagLst xmlns:p="http://schemas.openxmlformats.org/presentationml/2006/main">
+<p:tagLst xmlns:a="http://schemas.openxmlformats.org/drawingml/2006/main" xmlns:r="http://schemas.openxmlformats.org/officeDocument/2006/relationships" xmlns:p="http://schemas.openxmlformats.org/presentationml/2006/main">
   <p:tag name="KSO_WM_SLIDE_ID" val="custom20205081_1"/>
   <p:tag name="KSO_WM_TEMPLATE_SUBCATEGORY" val="19"/>
   <p:tag name="KSO_WM_TEMPLATE_MASTER_TYPE" val="0"/>
@@ -5314,19 +5396,31 @@
 </p:tagLst>
 </file>
 
+<file path=ppt/tags/tag87.xml><?xml version="1.0" encoding="utf-8"?>
+<p:tagLst xmlns:a="http://schemas.openxmlformats.org/drawingml/2006/main" xmlns:r="http://schemas.openxmlformats.org/officeDocument/2006/relationships" xmlns:p="http://schemas.openxmlformats.org/presentationml/2006/main">
+  <p:tag name="KSO_WM_BEAUTIFY_FLAG" val=""/>
+</p:tagLst>
+</file>
+
+<file path=ppt/tags/tag88.xml><?xml version="1.0" encoding="utf-8"?>
+<p:tagLst xmlns:a="http://schemas.openxmlformats.org/drawingml/2006/main" xmlns:r="http://schemas.openxmlformats.org/officeDocument/2006/relationships" xmlns:p="http://schemas.openxmlformats.org/presentationml/2006/main">
+  <p:tag name="KSO_WM_BEAUTIFY_FLAG" val=""/>
+</p:tagLst>
+</file>
+
 <file path=ppt/tags/tag89.xml><?xml version="1.0" encoding="utf-8"?>
-<p:tagLst xmlns:p="http://schemas.openxmlformats.org/presentationml/2006/main">
+<p:tagLst xmlns:a="http://schemas.openxmlformats.org/drawingml/2006/main" xmlns:r="http://schemas.openxmlformats.org/officeDocument/2006/relationships" xmlns:p="http://schemas.openxmlformats.org/presentationml/2006/main">
   <p:tag name="KSO_WM_BEAUTIFY_FLAG" val=""/>
 </p:tagLst>
 </file>
 
 <file path=ppt/tags/tag9.xml><?xml version="1.0" encoding="utf-8"?>
-<p:tagLst xmlns:p="http://schemas.openxmlformats.org/presentationml/2006/main">
-  <p:tag name="KSO_WM_UNIT_HIGHLIGHT" val="0"/>
-  <p:tag name="KSO_WM_UNIT_COMPATIBLE" val="0"/>
-  <p:tag name="KSO_WM_UNIT_DIAGRAM_ISNUMVISUAL" val="0"/>
-  <p:tag name="KSO_WM_UNIT_DIAGRAM_ISREFERUNIT" val="0"/>
-  <p:tag name="KSO_WM_UNIT_ID" val="_2**"/>
+<p:tagLst xmlns:a="http://schemas.openxmlformats.org/drawingml/2006/main" xmlns:r="http://schemas.openxmlformats.org/officeDocument/2006/relationships" xmlns:p="http://schemas.openxmlformats.org/presentationml/2006/main">
+  <p:tag name="KSO_WM_UNIT_HIGHLIGHT" val="0"/>
+  <p:tag name="KSO_WM_UNIT_COMPATIBLE" val="0"/>
+  <p:tag name="KSO_WM_UNIT_DIAGRAM_ISNUMVISUAL" val="0"/>
+  <p:tag name="KSO_WM_UNIT_DIAGRAM_ISREFERUNIT" val="0"/>
+  <p:tag name="KSO_WM_UNIT_ID" val="_1**"/>
   <p:tag name="KSO_WM_UNIT_LAYERLEVEL" val="1"/>
   <p:tag name="KSO_WM_TAG_VERSION" val="1.0"/>
   <p:tag name="KSO_WM_BEAUTIFY_FLAG" val="#wm#"/>
@@ -5334,13 +5428,7 @@
 </file>
 
 <file path=ppt/tags/tag90.xml><?xml version="1.0" encoding="utf-8"?>
-<p:tagLst xmlns:p="http://schemas.openxmlformats.org/presentationml/2006/main">
-  <p:tag name="KSO_WM_BEAUTIFY_FLAG" val=""/>
-</p:tagLst>
-</file>
-
-<file path=ppt/tags/tag91.xml><?xml version="1.0" encoding="utf-8"?>
-<p:tagLst xmlns:p="http://schemas.openxmlformats.org/presentationml/2006/main">
+<p:tagLst xmlns:a="http://schemas.openxmlformats.org/drawingml/2006/main" xmlns:r="http://schemas.openxmlformats.org/officeDocument/2006/relationships" xmlns:p="http://schemas.openxmlformats.org/presentationml/2006/main">
   <p:tag name="KSO_WM_SLIDE_ID" val="custom20205081_1"/>
   <p:tag name="KSO_WM_TEMPLATE_SUBCATEGORY" val="19"/>
   <p:tag name="KSO_WM_TEMPLATE_MASTER_TYPE" val="0"/>
@@ -5360,9 +5448,42 @@
 </p:tagLst>
 </file>
 
+<file path=ppt/tags/tag91.xml><?xml version="1.0" encoding="utf-8"?>
+<p:tagLst xmlns:a="http://schemas.openxmlformats.org/drawingml/2006/main" xmlns:r="http://schemas.openxmlformats.org/officeDocument/2006/relationships" xmlns:p="http://schemas.openxmlformats.org/presentationml/2006/main">
+  <p:tag name="KSO_WM_BEAUTIFY_FLAG" val=""/>
+</p:tagLst>
+</file>
+
 <file path=ppt/tags/tag92.xml><?xml version="1.0" encoding="utf-8"?>
-<p:tagLst xmlns:p="http://schemas.openxmlformats.org/presentationml/2006/main">
-  <p:tag name="commondata" val="eyJoZGlkIjoiOWJiNGNjZTI1MjY3Mjg4NTUwM2QzZjRiZWZjNzFkNDUifQ=="/>
+<p:tagLst xmlns:a="http://schemas.openxmlformats.org/drawingml/2006/main" xmlns:r="http://schemas.openxmlformats.org/officeDocument/2006/relationships" xmlns:p="http://schemas.openxmlformats.org/presentationml/2006/main">
+  <p:tag name="KSO_WM_BEAUTIFY_FLAG" val=""/>
+</p:tagLst>
+</file>
+
+<file path=ppt/tags/tag93.xml><?xml version="1.0" encoding="utf-8"?>
+<p:tagLst xmlns:a="http://schemas.openxmlformats.org/drawingml/2006/main" xmlns:r="http://schemas.openxmlformats.org/officeDocument/2006/relationships" xmlns:p="http://schemas.openxmlformats.org/presentationml/2006/main">
+  <p:tag name="KSO_WM_SLIDE_ID" val="custom20205081_1"/>
+  <p:tag name="KSO_WM_TEMPLATE_SUBCATEGORY" val="19"/>
+  <p:tag name="KSO_WM_TEMPLATE_MASTER_TYPE" val="0"/>
+  <p:tag name="KSO_WM_TEMPLATE_COLOR_TYPE" val="1"/>
+  <p:tag name="KSO_WM_SLIDE_TYPE" val="title"/>
+  <p:tag name="KSO_WM_SLIDE_SUBTYPE" val="defaultBlank"/>
+  <p:tag name="KSO_WM_SLIDE_ITEM_CNT" val="0"/>
+  <p:tag name="KSO_WM_SLIDE_INDEX" val="1"/>
+  <p:tag name="KSO_WM_TAG_VERSION" val="1.0"/>
+  <p:tag name="KSO_WM_BEAUTIFY_FLAG" val="#wm#"/>
+  <p:tag name="KSO_WM_TEMPLATE_CATEGORY" val="custom"/>
+  <p:tag name="KSO_WM_TEMPLATE_INDEX" val="20205081"/>
+  <p:tag name="KSO_WM_SLIDE_LAYOUT" val="a_b"/>
+  <p:tag name="KSO_WM_SLIDE_LAYOUT_CNT" val="1_1"/>
+  <p:tag name="KSO_WM_UNIT_SHOW_EDIT_AREA_INDICATION" val="1"/>
+  <p:tag name="KSO_WM_TEMPLATE_THUMBS_INDEX" val="1、4、7、12、13、14、15、16、17、18、20、24、25、28、33、36、40、43、44"/>
+</p:tagLst>
+</file>
+
+<file path=ppt/tags/tag94.xml><?xml version="1.0" encoding="utf-8"?>
+<p:tagLst xmlns:a="http://schemas.openxmlformats.org/drawingml/2006/main" xmlns:r="http://schemas.openxmlformats.org/officeDocument/2006/relationships" xmlns:p="http://schemas.openxmlformats.org/presentationml/2006/main">
+  <p:tag name="KSO_WM_BEAUTIFY_FLAG" val=""/>
 </p:tagLst>
 </file>
 
@@ -5549,6 +5670,8 @@
       </a:bgFillStyleLst>
     </a:fmtScheme>
   </a:themeElements>
+  <a:objectDefaults/>
+  <a:extraClrSchemeLst/>
   <a:extLst>
     <a:ext uri="{05A4C25C-085E-4340-85A3-A5531E510DB2}">
       <thm15:themeFamily xmlns:thm15="http://schemas.microsoft.com/office/thememl/2012/main" name="Office Theme" id="{62F939B6-93AF-4DB8-9C6B-D6C7DFDC589F}" vid="{4A3C46E8-61CC-4603-A589-7422A47A8E4A}"/>

--- a/PPT./pre.v3.pptx
+++ b/PPT./pre.v3.pptx
@@ -4335,7 +4335,7 @@
         <p:spPr>
           <a:xfrm>
             <a:off x="1114696" y="1689462"/>
-            <a:ext cx="6235338" cy="2554545"/>
+            <a:ext cx="8551818" cy="2554545"/>
           </a:xfrm>
           <a:prstGeom prst="rect">
             <a:avLst/>
@@ -4368,7 +4368,7 @@
           <a:p>
             <a:r>
               <a:rPr lang="en-US" altLang="zh-CN" sz="3200" dirty="0"/>
-              <a:t>- Try using deep learning</a:t>
+              <a:t>- Improving deep learning efficiency</a:t>
             </a:r>
             <a:endParaRPr lang="zh-CN" altLang="en-US" sz="3200" dirty="0"/>
           </a:p>
